--- a/main-labs/application-level/load-balancer-random/013-kathara-lab_load-balancer-ws-rnd.pptx
+++ b/main-labs/application-level/load-balancer-random/013-kathara-lab_load-balancer-ws-rnd.pptx
@@ -3,24 +3,25 @@
 <p:presentation xmlns:a="http://schemas.openxmlformats.org/drawingml/2006/main" xmlns:r="http://schemas.openxmlformats.org/officeDocument/2006/relationships" xmlns:p="http://schemas.openxmlformats.org/presentationml/2006/main" showSpecialPlsOnTitleSld="0" saveSubsetFonts="1">
   <p:sldMasterIdLst>
     <p:sldMasterId id="2147483709" r:id="rId1"/>
+    <p:sldMasterId id="2147483722" r:id="rId2"/>
   </p:sldMasterIdLst>
   <p:notesMasterIdLst>
-    <p:notesMasterId r:id="rId12"/>
+    <p:notesMasterId r:id="rId13"/>
   </p:notesMasterIdLst>
   <p:handoutMasterIdLst>
-    <p:handoutMasterId r:id="rId13"/>
+    <p:handoutMasterId r:id="rId14"/>
   </p:handoutMasterIdLst>
   <p:sldIdLst>
-    <p:sldId id="256" r:id="rId2"/>
-    <p:sldId id="297" r:id="rId3"/>
-    <p:sldId id="271" r:id="rId4"/>
-    <p:sldId id="278" r:id="rId5"/>
-    <p:sldId id="283" r:id="rId6"/>
-    <p:sldId id="284" r:id="rId7"/>
-    <p:sldId id="292" r:id="rId8"/>
-    <p:sldId id="294" r:id="rId9"/>
-    <p:sldId id="295" r:id="rId10"/>
-    <p:sldId id="296" r:id="rId11"/>
+    <p:sldId id="256" r:id="rId3"/>
+    <p:sldId id="297" r:id="rId4"/>
+    <p:sldId id="271" r:id="rId5"/>
+    <p:sldId id="278" r:id="rId6"/>
+    <p:sldId id="283" r:id="rId7"/>
+    <p:sldId id="284" r:id="rId8"/>
+    <p:sldId id="292" r:id="rId9"/>
+    <p:sldId id="294" r:id="rId10"/>
+    <p:sldId id="295" r:id="rId11"/>
+    <p:sldId id="296" r:id="rId12"/>
   </p:sldIdLst>
   <p:sldSz cx="12192000" cy="6858000"/>
   <p:notesSz cx="7099300" cy="10234613"/>
@@ -512,6 +513,11 @@
         </p:txBody>
       </p:sp>
     </p:spTree>
+    <p:extLst>
+      <p:ext uri="{BB962C8B-B14F-4D97-AF65-F5344CB8AC3E}">
+        <p14:creationId xmlns:p14="http://schemas.microsoft.com/office/powerpoint/2010/main" val="1"/>
+      </p:ext>
+    </p:extLst>
   </p:cSld>
   <p:clrMap bg1="lt1" tx1="dk1" bg2="lt2" tx2="dk2" accent1="accent1" accent2="accent2" accent3="accent3" accent4="accent4" accent5="accent5" accent6="accent6" hlink="hlink" folHlink="folHlink"/>
 </p:handoutMaster>
@@ -1714,7 +1720,7 @@
             </a:pPr>
             <a:r>
               <a:rPr lang="it-IT" altLang="it-IT"/>
-              <a:t>last update: Nov 2019</a:t>
+              <a:t>last update: Oct 2023</a:t>
             </a:r>
           </a:p>
         </p:txBody>
@@ -1894,7 +1900,7 @@
             </a:pPr>
             <a:r>
               <a:rPr lang="it-IT" altLang="it-IT"/>
-              <a:t>last update: Nov 2019</a:t>
+              <a:t>last update: Oct 2023</a:t>
             </a:r>
           </a:p>
         </p:txBody>
@@ -2084,7 +2090,7 @@
             </a:pPr>
             <a:r>
               <a:rPr lang="it-IT" altLang="it-IT"/>
-              <a:t>last update: Nov 2019</a:t>
+              <a:t>last update: Oct 2023</a:t>
             </a:r>
           </a:p>
         </p:txBody>
@@ -2131,6 +2137,1261 @@
     <p:extLst>
       <p:ext uri="{BB962C8B-B14F-4D97-AF65-F5344CB8AC3E}">
         <p14:creationId xmlns:p14="http://schemas.microsoft.com/office/powerpoint/2010/main" val="3626934838"/>
+      </p:ext>
+    </p:extLst>
+  </p:cSld>
+  <p:clrMapOvr>
+    <a:masterClrMapping/>
+  </p:clrMapOvr>
+</p:sldLayout>
+</file>
+
+<file path=ppt/slideLayouts/slideLayout13.xml><?xml version="1.0" encoding="utf-8"?>
+<p:sldLayout xmlns:a="http://schemas.openxmlformats.org/drawingml/2006/main" xmlns:r="http://schemas.openxmlformats.org/officeDocument/2006/relationships" xmlns:p="http://schemas.openxmlformats.org/presentationml/2006/main" type="title" preserve="1">
+  <p:cSld name="Diapositiva titolo lab">
+    <p:spTree>
+      <p:nvGrpSpPr>
+        <p:cNvPr id="1" name=""/>
+        <p:cNvGrpSpPr/>
+        <p:nvPr/>
+      </p:nvGrpSpPr>
+      <p:grpSpPr>
+        <a:xfrm>
+          <a:off x="0" y="0"/>
+          <a:ext cx="0" cy="0"/>
+          <a:chOff x="0" y="0"/>
+          <a:chExt cx="0" cy="0"/>
+        </a:xfrm>
+      </p:grpSpPr>
+      <p:sp>
+        <p:nvSpPr>
+          <p:cNvPr id="304130" name="Rectangle 2"/>
+          <p:cNvSpPr>
+            <a:spLocks noGrp="1" noChangeArrowheads="1"/>
+          </p:cNvSpPr>
+          <p:nvPr>
+            <p:ph type="ctrTitle"/>
+          </p:nvPr>
+        </p:nvSpPr>
+        <p:spPr>
+          <a:xfrm>
+            <a:off x="914400" y="1988840"/>
+            <a:ext cx="10363200" cy="866775"/>
+          </a:xfrm>
+        </p:spPr>
+        <p:txBody>
+          <a:bodyPr/>
+          <a:lstStyle>
+            <a:lvl1pPr>
+              <a:defRPr sz="5400"/>
+            </a:lvl1pPr>
+          </a:lstStyle>
+          <a:p>
+            <a:r>
+              <a:rPr lang="en-GB"/>
+              <a:t>Click to edit Master title style</a:t>
+            </a:r>
+            <a:endParaRPr lang="it-IT" dirty="0"/>
+          </a:p>
+        </p:txBody>
+      </p:sp>
+      <p:sp>
+        <p:nvSpPr>
+          <p:cNvPr id="304131" name="Rectangle 3"/>
+          <p:cNvSpPr>
+            <a:spLocks noGrp="1" noChangeArrowheads="1"/>
+          </p:cNvSpPr>
+          <p:nvPr>
+            <p:ph type="subTitle" idx="1"/>
+          </p:nvPr>
+        </p:nvSpPr>
+        <p:spPr>
+          <a:xfrm>
+            <a:off x="1828800" y="2996952"/>
+            <a:ext cx="8534400" cy="695325"/>
+          </a:xfrm>
+        </p:spPr>
+        <p:txBody>
+          <a:bodyPr/>
+          <a:lstStyle>
+            <a:lvl1pPr marL="0" indent="0" algn="ctr">
+              <a:buFont typeface="Wingdings" pitchFamily="2" charset="2"/>
+              <a:buNone/>
+              <a:defRPr sz="2400"/>
+            </a:lvl1pPr>
+          </a:lstStyle>
+          <a:p>
+            <a:r>
+              <a:rPr lang="en-GB"/>
+              <a:t>Click to edit Master subtitle style</a:t>
+            </a:r>
+            <a:endParaRPr lang="it-IT" dirty="0"/>
+          </a:p>
+        </p:txBody>
+      </p:sp>
+      <p:pic>
+        <p:nvPicPr>
+          <p:cNvPr id="7" name="Picture 6" descr="A black background with a black square&#10;&#10;Description automatically generated with medium confidence">
+            <a:extLst>
+              <a:ext uri="{FF2B5EF4-FFF2-40B4-BE49-F238E27FC236}">
+                <a16:creationId xmlns:a16="http://schemas.microsoft.com/office/drawing/2014/main" id="{7B150B1F-FA08-F63A-3429-F7F8A760DB9E}"/>
+              </a:ext>
+            </a:extLst>
+          </p:cNvPr>
+          <p:cNvPicPr>
+            <a:picLocks noChangeAspect="1"/>
+          </p:cNvPicPr>
+          <p:nvPr/>
+        </p:nvPicPr>
+        <p:blipFill>
+          <a:blip r:embed="rId2">
+            <a:extLst>
+              <a:ext uri="{28A0092B-C50C-407E-A947-70E740481C1C}">
+                <a14:useLocalDpi xmlns:a14="http://schemas.microsoft.com/office/drawing/2010/main" val="0"/>
+              </a:ext>
+            </a:extLst>
+          </a:blip>
+          <a:stretch>
+            <a:fillRect/>
+          </a:stretch>
+        </p:blipFill>
+        <p:spPr>
+          <a:xfrm>
+            <a:off x="150788" y="150788"/>
+            <a:ext cx="4234565" cy="945842"/>
+          </a:xfrm>
+          <a:prstGeom prst="rect">
+            <a:avLst/>
+          </a:prstGeom>
+        </p:spPr>
+      </p:pic>
+    </p:spTree>
+    <p:extLst>
+      <p:ext uri="{BB962C8B-B14F-4D97-AF65-F5344CB8AC3E}">
+        <p14:creationId xmlns:p14="http://schemas.microsoft.com/office/powerpoint/2010/main" val="3590410082"/>
+      </p:ext>
+    </p:extLst>
+  </p:cSld>
+  <p:clrMapOvr>
+    <a:masterClrMapping/>
+  </p:clrMapOvr>
+  <p:extLst>
+    <p:ext uri="{DCECCB84-F9BA-43D5-87BE-67443E8EF086}">
+      <p15:sldGuideLst xmlns:p15="http://schemas.microsoft.com/office/powerpoint/2012/main">
+        <p15:guide id="1" orient="horz" pos="2160">
+          <p15:clr>
+            <a:srgbClr val="FBAE40"/>
+          </p15:clr>
+        </p15:guide>
+        <p15:guide id="2" pos="3840">
+          <p15:clr>
+            <a:srgbClr val="FBAE40"/>
+          </p15:clr>
+        </p15:guide>
+      </p15:sldGuideLst>
+    </p:ext>
+  </p:extLst>
+</p:sldLayout>
+</file>
+
+<file path=ppt/slideLayouts/slideLayout14.xml><?xml version="1.0" encoding="utf-8"?>
+<p:sldLayout xmlns:a="http://schemas.openxmlformats.org/drawingml/2006/main" xmlns:r="http://schemas.openxmlformats.org/officeDocument/2006/relationships" xmlns:p="http://schemas.openxmlformats.org/presentationml/2006/main" preserve="1">
+  <p:cSld name="Copyright slide">
+    <p:spTree>
+      <p:nvGrpSpPr>
+        <p:cNvPr id="1" name=""/>
+        <p:cNvGrpSpPr/>
+        <p:nvPr/>
+      </p:nvGrpSpPr>
+      <p:grpSpPr>
+        <a:xfrm>
+          <a:off x="0" y="0"/>
+          <a:ext cx="0" cy="0"/>
+          <a:chOff x="0" y="0"/>
+          <a:chExt cx="0" cy="0"/>
+        </a:xfrm>
+      </p:grpSpPr>
+      <p:sp>
+        <p:nvSpPr>
+          <p:cNvPr id="2" name="Title 1">
+            <a:extLst>
+              <a:ext uri="{FF2B5EF4-FFF2-40B4-BE49-F238E27FC236}">
+                <a16:creationId xmlns:a16="http://schemas.microsoft.com/office/drawing/2014/main" id="{9C359400-AFF6-4FC9-8E2F-F363C6F6602C}"/>
+              </a:ext>
+            </a:extLst>
+          </p:cNvPr>
+          <p:cNvSpPr>
+            <a:spLocks noGrp="1"/>
+          </p:cNvSpPr>
+          <p:nvPr>
+            <p:ph type="title" hasCustomPrompt="1"/>
+          </p:nvPr>
+        </p:nvSpPr>
+        <p:spPr/>
+        <p:txBody>
+          <a:bodyPr/>
+          <a:lstStyle>
+            <a:lvl1pPr>
+              <a:defRPr/>
+            </a:lvl1pPr>
+          </a:lstStyle>
+          <a:p>
+            <a:r>
+              <a:rPr lang="it-IT" altLang="it-IT" dirty="0"/>
+              <a:t>copyright </a:t>
+            </a:r>
+            <a:r>
+              <a:rPr lang="it-IT" altLang="it-IT" dirty="0" err="1"/>
+              <a:t>notice</a:t>
+            </a:r>
+            <a:endParaRPr lang="it-IT" dirty="0"/>
+          </a:p>
+        </p:txBody>
+      </p:sp>
+      <p:sp>
+        <p:nvSpPr>
+          <p:cNvPr id="3" name="Date Placeholder 2">
+            <a:extLst>
+              <a:ext uri="{FF2B5EF4-FFF2-40B4-BE49-F238E27FC236}">
+                <a16:creationId xmlns:a16="http://schemas.microsoft.com/office/drawing/2014/main" id="{AC95E1F6-EE88-4027-874C-C2A60CB4012A}"/>
+              </a:ext>
+            </a:extLst>
+          </p:cNvPr>
+          <p:cNvSpPr>
+            <a:spLocks noGrp="1"/>
+          </p:cNvSpPr>
+          <p:nvPr>
+            <p:ph type="dt" sz="half" idx="10"/>
+          </p:nvPr>
+        </p:nvSpPr>
+        <p:spPr/>
+        <p:txBody>
+          <a:bodyPr/>
+          <a:lstStyle/>
+          <a:p>
+            <a:pPr>
+              <a:defRPr/>
+            </a:pPr>
+            <a:r>
+              <a:rPr lang="it-IT" altLang="it-IT"/>
+              <a:t>last update: Oct 2023</a:t>
+            </a:r>
+          </a:p>
+        </p:txBody>
+      </p:sp>
+      <p:sp>
+        <p:nvSpPr>
+          <p:cNvPr id="4" name="Footer Placeholder 3">
+            <a:extLst>
+              <a:ext uri="{FF2B5EF4-FFF2-40B4-BE49-F238E27FC236}">
+                <a16:creationId xmlns:a16="http://schemas.microsoft.com/office/drawing/2014/main" id="{684B42B5-5FDC-4B42-887A-B68A97D000BE}"/>
+              </a:ext>
+            </a:extLst>
+          </p:cNvPr>
+          <p:cNvSpPr>
+            <a:spLocks noGrp="1"/>
+          </p:cNvSpPr>
+          <p:nvPr>
+            <p:ph type="ftr" sz="quarter" idx="11"/>
+          </p:nvPr>
+        </p:nvSpPr>
+        <p:spPr/>
+        <p:txBody>
+          <a:bodyPr/>
+          <a:lstStyle/>
+          <a:p>
+            <a:pPr>
+              <a:defRPr/>
+            </a:pPr>
+            <a:r>
+              <a:rPr lang="en-US" altLang="it-IT"/>
+              <a:t>kathara – [ lab: load balancer - web switch - random ]</a:t>
+            </a:r>
+            <a:endParaRPr lang="it-IT" altLang="it-IT"/>
+          </a:p>
+        </p:txBody>
+      </p:sp>
+      <p:sp>
+        <p:nvSpPr>
+          <p:cNvPr id="5" name="Rectangle 3">
+            <a:extLst>
+              <a:ext uri="{FF2B5EF4-FFF2-40B4-BE49-F238E27FC236}">
+                <a16:creationId xmlns:a16="http://schemas.microsoft.com/office/drawing/2014/main" id="{E9C412A2-966A-4BF2-921A-CFBA729795EE}"/>
+              </a:ext>
+            </a:extLst>
+          </p:cNvPr>
+          <p:cNvSpPr>
+            <a:spLocks noGrp="1" noChangeArrowheads="1"/>
+          </p:cNvSpPr>
+          <p:nvPr>
+            <p:ph type="body" idx="1"/>
+          </p:nvPr>
+        </p:nvSpPr>
+        <p:spPr>
+          <a:xfrm>
+            <a:off x="609600" y="1412876"/>
+            <a:ext cx="10972800" cy="4713288"/>
+          </a:xfrm>
+        </p:spPr>
+        <p:txBody>
+          <a:bodyPr/>
+          <a:lstStyle/>
+          <a:p>
+            <a:pPr lvl="0" eaLnBrk="1" hangingPunct="1">
+              <a:lnSpc>
+                <a:spcPct val="80000"/>
+              </a:lnSpc>
+            </a:pPr>
+            <a:r>
+              <a:rPr lang="en-GB" altLang="it-IT" sz="1800"/>
+              <a:t>Click to edit Master text styles</a:t>
+            </a:r>
+          </a:p>
+          <a:p>
+            <a:pPr lvl="1" eaLnBrk="1" hangingPunct="1">
+              <a:lnSpc>
+                <a:spcPct val="80000"/>
+              </a:lnSpc>
+            </a:pPr>
+            <a:r>
+              <a:rPr lang="en-GB" altLang="it-IT" sz="1800"/>
+              <a:t>Second level</a:t>
+            </a:r>
+          </a:p>
+          <a:p>
+            <a:pPr lvl="2" eaLnBrk="1" hangingPunct="1">
+              <a:lnSpc>
+                <a:spcPct val="80000"/>
+              </a:lnSpc>
+            </a:pPr>
+            <a:r>
+              <a:rPr lang="en-GB" altLang="it-IT" sz="1800"/>
+              <a:t>Third level</a:t>
+            </a:r>
+          </a:p>
+          <a:p>
+            <a:pPr lvl="3" eaLnBrk="1" hangingPunct="1">
+              <a:lnSpc>
+                <a:spcPct val="80000"/>
+              </a:lnSpc>
+            </a:pPr>
+            <a:r>
+              <a:rPr lang="en-GB" altLang="it-IT" sz="1800"/>
+              <a:t>Fourth level</a:t>
+            </a:r>
+          </a:p>
+          <a:p>
+            <a:pPr lvl="4" eaLnBrk="1" hangingPunct="1">
+              <a:lnSpc>
+                <a:spcPct val="80000"/>
+              </a:lnSpc>
+            </a:pPr>
+            <a:r>
+              <a:rPr lang="en-GB" altLang="it-IT" sz="1800"/>
+              <a:t>Fifth level</a:t>
+            </a:r>
+            <a:endParaRPr lang="it-IT" altLang="it-IT" sz="1800" dirty="0"/>
+          </a:p>
+        </p:txBody>
+      </p:sp>
+    </p:spTree>
+    <p:extLst>
+      <p:ext uri="{BB962C8B-B14F-4D97-AF65-F5344CB8AC3E}">
+        <p14:creationId xmlns:p14="http://schemas.microsoft.com/office/powerpoint/2010/main" val="1881430869"/>
+      </p:ext>
+    </p:extLst>
+  </p:cSld>
+  <p:clrMapOvr>
+    <a:masterClrMapping/>
+  </p:clrMapOvr>
+  <p:extLst>
+    <p:ext uri="{DCECCB84-F9BA-43D5-87BE-67443E8EF086}">
+      <p15:sldGuideLst xmlns:p15="http://schemas.microsoft.com/office/powerpoint/2012/main">
+        <p15:guide id="1" orient="horz" pos="2160">
+          <p15:clr>
+            <a:srgbClr val="FBAE40"/>
+          </p15:clr>
+        </p15:guide>
+        <p15:guide id="2" pos="3840">
+          <p15:clr>
+            <a:srgbClr val="FBAE40"/>
+          </p15:clr>
+        </p15:guide>
+      </p15:sldGuideLst>
+    </p:ext>
+  </p:extLst>
+</p:sldLayout>
+</file>
+
+<file path=ppt/slideLayouts/slideLayout15.xml><?xml version="1.0" encoding="utf-8"?>
+<p:sldLayout xmlns:a="http://schemas.openxmlformats.org/drawingml/2006/main" xmlns:r="http://schemas.openxmlformats.org/officeDocument/2006/relationships" xmlns:p="http://schemas.openxmlformats.org/presentationml/2006/main" preserve="1">
+  <p:cSld name="Section Title and Subtitle">
+    <p:spTree>
+      <p:nvGrpSpPr>
+        <p:cNvPr id="1" name=""/>
+        <p:cNvGrpSpPr/>
+        <p:nvPr/>
+      </p:nvGrpSpPr>
+      <p:grpSpPr>
+        <a:xfrm>
+          <a:off x="0" y="0"/>
+          <a:ext cx="0" cy="0"/>
+          <a:chOff x="0" y="0"/>
+          <a:chExt cx="0" cy="0"/>
+        </a:xfrm>
+      </p:grpSpPr>
+      <p:sp>
+        <p:nvSpPr>
+          <p:cNvPr id="2" name="Title 1">
+            <a:extLst>
+              <a:ext uri="{FF2B5EF4-FFF2-40B4-BE49-F238E27FC236}">
+                <a16:creationId xmlns:a16="http://schemas.microsoft.com/office/drawing/2014/main" id="{4572C402-67A5-4652-B395-80C3CFCC7964}"/>
+              </a:ext>
+            </a:extLst>
+          </p:cNvPr>
+          <p:cNvSpPr>
+            <a:spLocks noGrp="1"/>
+          </p:cNvSpPr>
+          <p:nvPr>
+            <p:ph type="title"/>
+          </p:nvPr>
+        </p:nvSpPr>
+        <p:spPr>
+          <a:xfrm>
+            <a:off x="609600" y="2286000"/>
+            <a:ext cx="10972800" cy="1143000"/>
+          </a:xfrm>
+        </p:spPr>
+        <p:txBody>
+          <a:bodyPr/>
+          <a:lstStyle/>
+          <a:p>
+            <a:r>
+              <a:rPr lang="en-GB"/>
+              <a:t>Click to edit Master title style</a:t>
+            </a:r>
+            <a:endParaRPr lang="it-IT" dirty="0"/>
+          </a:p>
+        </p:txBody>
+      </p:sp>
+      <p:sp>
+        <p:nvSpPr>
+          <p:cNvPr id="3" name="Date Placeholder 2">
+            <a:extLst>
+              <a:ext uri="{FF2B5EF4-FFF2-40B4-BE49-F238E27FC236}">
+                <a16:creationId xmlns:a16="http://schemas.microsoft.com/office/drawing/2014/main" id="{662A33B8-9C12-4DD4-B7A2-462DBDF9FD58}"/>
+              </a:ext>
+            </a:extLst>
+          </p:cNvPr>
+          <p:cNvSpPr>
+            <a:spLocks noGrp="1"/>
+          </p:cNvSpPr>
+          <p:nvPr>
+            <p:ph type="dt" sz="half" idx="10"/>
+          </p:nvPr>
+        </p:nvSpPr>
+        <p:spPr/>
+        <p:txBody>
+          <a:bodyPr/>
+          <a:lstStyle/>
+          <a:p>
+            <a:pPr>
+              <a:defRPr/>
+            </a:pPr>
+            <a:r>
+              <a:rPr lang="it-IT" altLang="it-IT"/>
+              <a:t>last update: Oct 2023</a:t>
+            </a:r>
+          </a:p>
+        </p:txBody>
+      </p:sp>
+      <p:sp>
+        <p:nvSpPr>
+          <p:cNvPr id="4" name="Footer Placeholder 3">
+            <a:extLst>
+              <a:ext uri="{FF2B5EF4-FFF2-40B4-BE49-F238E27FC236}">
+                <a16:creationId xmlns:a16="http://schemas.microsoft.com/office/drawing/2014/main" id="{5D054AC4-794D-4989-9E00-3CA5380BB33B}"/>
+              </a:ext>
+            </a:extLst>
+          </p:cNvPr>
+          <p:cNvSpPr>
+            <a:spLocks noGrp="1"/>
+          </p:cNvSpPr>
+          <p:nvPr>
+            <p:ph type="ftr" sz="quarter" idx="11"/>
+          </p:nvPr>
+        </p:nvSpPr>
+        <p:spPr/>
+        <p:txBody>
+          <a:bodyPr/>
+          <a:lstStyle/>
+          <a:p>
+            <a:pPr>
+              <a:defRPr/>
+            </a:pPr>
+            <a:r>
+              <a:rPr lang="en-US" altLang="it-IT"/>
+              <a:t>kathara – [ lab: load balancer - web switch - random ]</a:t>
+            </a:r>
+            <a:endParaRPr lang="it-IT" altLang="it-IT"/>
+          </a:p>
+        </p:txBody>
+      </p:sp>
+      <p:sp>
+        <p:nvSpPr>
+          <p:cNvPr id="5" name="Rectangle 3">
+            <a:extLst>
+              <a:ext uri="{FF2B5EF4-FFF2-40B4-BE49-F238E27FC236}">
+                <a16:creationId xmlns:a16="http://schemas.microsoft.com/office/drawing/2014/main" id="{EBE93C49-2746-445A-8FEE-BFD8EDF009A1}"/>
+              </a:ext>
+            </a:extLst>
+          </p:cNvPr>
+          <p:cNvSpPr>
+            <a:spLocks noGrp="1" noChangeArrowheads="1"/>
+          </p:cNvSpPr>
+          <p:nvPr>
+            <p:ph type="subTitle" idx="1"/>
+          </p:nvPr>
+        </p:nvSpPr>
+        <p:spPr>
+          <a:xfrm>
+            <a:off x="1828800" y="3645024"/>
+            <a:ext cx="8534400" cy="695325"/>
+          </a:xfrm>
+        </p:spPr>
+        <p:txBody>
+          <a:bodyPr/>
+          <a:lstStyle>
+            <a:lvl1pPr marL="0" indent="0" algn="ctr">
+              <a:buFont typeface="Wingdings" pitchFamily="2" charset="2"/>
+              <a:buNone/>
+              <a:defRPr/>
+            </a:lvl1pPr>
+          </a:lstStyle>
+          <a:p>
+            <a:r>
+              <a:rPr lang="en-GB"/>
+              <a:t>Click to edit Master subtitle style</a:t>
+            </a:r>
+            <a:endParaRPr lang="it-IT" dirty="0"/>
+          </a:p>
+        </p:txBody>
+      </p:sp>
+    </p:spTree>
+    <p:extLst>
+      <p:ext uri="{BB962C8B-B14F-4D97-AF65-F5344CB8AC3E}">
+        <p14:creationId xmlns:p14="http://schemas.microsoft.com/office/powerpoint/2010/main" val="1748652915"/>
+      </p:ext>
+    </p:extLst>
+  </p:cSld>
+  <p:clrMapOvr>
+    <a:masterClrMapping/>
+  </p:clrMapOvr>
+</p:sldLayout>
+</file>
+
+<file path=ppt/slideLayouts/slideLayout16.xml><?xml version="1.0" encoding="utf-8"?>
+<p:sldLayout xmlns:a="http://schemas.openxmlformats.org/drawingml/2006/main" xmlns:r="http://schemas.openxmlformats.org/officeDocument/2006/relationships" xmlns:p="http://schemas.openxmlformats.org/presentationml/2006/main" type="obj" preserve="1">
+  <p:cSld name="Titolo e contenuto">
+    <p:spTree>
+      <p:nvGrpSpPr>
+        <p:cNvPr id="1" name=""/>
+        <p:cNvGrpSpPr/>
+        <p:nvPr/>
+      </p:nvGrpSpPr>
+      <p:grpSpPr>
+        <a:xfrm>
+          <a:off x="0" y="0"/>
+          <a:ext cx="0" cy="0"/>
+          <a:chOff x="0" y="0"/>
+          <a:chExt cx="0" cy="0"/>
+        </a:xfrm>
+      </p:grpSpPr>
+      <p:sp>
+        <p:nvSpPr>
+          <p:cNvPr id="2" name="Titolo 1"/>
+          <p:cNvSpPr>
+            <a:spLocks noGrp="1"/>
+          </p:cNvSpPr>
+          <p:nvPr>
+            <p:ph type="title"/>
+          </p:nvPr>
+        </p:nvSpPr>
+        <p:spPr/>
+        <p:txBody>
+          <a:bodyPr/>
+          <a:lstStyle/>
+          <a:p>
+            <a:r>
+              <a:rPr lang="en-GB"/>
+              <a:t>Click to edit Master title style</a:t>
+            </a:r>
+            <a:endParaRPr lang="it-IT"/>
+          </a:p>
+        </p:txBody>
+      </p:sp>
+      <p:sp>
+        <p:nvSpPr>
+          <p:cNvPr id="3" name="Segnaposto contenuto 2"/>
+          <p:cNvSpPr>
+            <a:spLocks noGrp="1"/>
+          </p:cNvSpPr>
+          <p:nvPr>
+            <p:ph idx="1"/>
+          </p:nvPr>
+        </p:nvSpPr>
+        <p:spPr/>
+        <p:txBody>
+          <a:bodyPr/>
+          <a:lstStyle/>
+          <a:p>
+            <a:pPr lvl="0"/>
+            <a:r>
+              <a:rPr lang="en-GB"/>
+              <a:t>Click to edit Master text styles</a:t>
+            </a:r>
+          </a:p>
+          <a:p>
+            <a:pPr lvl="1"/>
+            <a:r>
+              <a:rPr lang="en-GB"/>
+              <a:t>Second level</a:t>
+            </a:r>
+          </a:p>
+          <a:p>
+            <a:pPr lvl="2"/>
+            <a:r>
+              <a:rPr lang="en-GB"/>
+              <a:t>Third level</a:t>
+            </a:r>
+          </a:p>
+          <a:p>
+            <a:pPr lvl="3"/>
+            <a:r>
+              <a:rPr lang="en-GB"/>
+              <a:t>Fourth level</a:t>
+            </a:r>
+          </a:p>
+          <a:p>
+            <a:pPr lvl="4"/>
+            <a:r>
+              <a:rPr lang="en-GB"/>
+              <a:t>Fifth level</a:t>
+            </a:r>
+            <a:endParaRPr lang="it-IT"/>
+          </a:p>
+        </p:txBody>
+      </p:sp>
+      <p:sp>
+        <p:nvSpPr>
+          <p:cNvPr id="4" name="Rectangle 4">
+            <a:extLst>
+              <a:ext uri="{FF2B5EF4-FFF2-40B4-BE49-F238E27FC236}">
+                <a16:creationId xmlns:a16="http://schemas.microsoft.com/office/drawing/2014/main" id="{01B5F34A-3762-4DC4-8521-3CCFBDBBB557}"/>
+              </a:ext>
+            </a:extLst>
+          </p:cNvPr>
+          <p:cNvSpPr>
+            <a:spLocks noGrp="1" noChangeArrowheads="1"/>
+          </p:cNvSpPr>
+          <p:nvPr>
+            <p:ph type="dt" sz="half" idx="10"/>
+          </p:nvPr>
+        </p:nvSpPr>
+        <p:spPr>
+          <a:ln/>
+        </p:spPr>
+        <p:txBody>
+          <a:bodyPr/>
+          <a:lstStyle>
+            <a:lvl1pPr>
+              <a:defRPr/>
+            </a:lvl1pPr>
+          </a:lstStyle>
+          <a:p>
+            <a:pPr>
+              <a:defRPr/>
+            </a:pPr>
+            <a:r>
+              <a:rPr lang="it-IT" altLang="it-IT"/>
+              <a:t>last update: Oct 2023</a:t>
+            </a:r>
+          </a:p>
+        </p:txBody>
+      </p:sp>
+      <p:sp>
+        <p:nvSpPr>
+          <p:cNvPr id="5" name="Rectangle 5">
+            <a:extLst>
+              <a:ext uri="{FF2B5EF4-FFF2-40B4-BE49-F238E27FC236}">
+                <a16:creationId xmlns:a16="http://schemas.microsoft.com/office/drawing/2014/main" id="{5AD2D072-E423-4081-B786-4B5AABE6E907}"/>
+              </a:ext>
+            </a:extLst>
+          </p:cNvPr>
+          <p:cNvSpPr>
+            <a:spLocks noGrp="1" noChangeArrowheads="1"/>
+          </p:cNvSpPr>
+          <p:nvPr>
+            <p:ph type="ftr" sz="quarter" idx="11"/>
+          </p:nvPr>
+        </p:nvSpPr>
+        <p:spPr>
+          <a:ln/>
+        </p:spPr>
+        <p:txBody>
+          <a:bodyPr/>
+          <a:lstStyle>
+            <a:lvl1pPr>
+              <a:defRPr/>
+            </a:lvl1pPr>
+          </a:lstStyle>
+          <a:p>
+            <a:pPr>
+              <a:defRPr/>
+            </a:pPr>
+            <a:r>
+              <a:rPr lang="en-US" altLang="it-IT"/>
+              <a:t>kathara – [ lab: load balancer - web switch - random ]</a:t>
+            </a:r>
+            <a:endParaRPr lang="it-IT" altLang="it-IT"/>
+          </a:p>
+        </p:txBody>
+      </p:sp>
+    </p:spTree>
+    <p:extLst>
+      <p:ext uri="{BB962C8B-B14F-4D97-AF65-F5344CB8AC3E}">
+        <p14:creationId xmlns:p14="http://schemas.microsoft.com/office/powerpoint/2010/main" val="875565924"/>
+      </p:ext>
+    </p:extLst>
+  </p:cSld>
+  <p:clrMapOvr>
+    <a:masterClrMapping/>
+  </p:clrMapOvr>
+</p:sldLayout>
+</file>
+
+<file path=ppt/slideLayouts/slideLayout17.xml><?xml version="1.0" encoding="utf-8"?>
+<p:sldLayout xmlns:a="http://schemas.openxmlformats.org/drawingml/2006/main" xmlns:r="http://schemas.openxmlformats.org/officeDocument/2006/relationships" xmlns:p="http://schemas.openxmlformats.org/presentationml/2006/main" type="twoObj" preserve="1">
+  <p:cSld name="Due contenuti">
+    <p:spTree>
+      <p:nvGrpSpPr>
+        <p:cNvPr id="1" name=""/>
+        <p:cNvGrpSpPr/>
+        <p:nvPr/>
+      </p:nvGrpSpPr>
+      <p:grpSpPr>
+        <a:xfrm>
+          <a:off x="0" y="0"/>
+          <a:ext cx="0" cy="0"/>
+          <a:chOff x="0" y="0"/>
+          <a:chExt cx="0" cy="0"/>
+        </a:xfrm>
+      </p:grpSpPr>
+      <p:sp>
+        <p:nvSpPr>
+          <p:cNvPr id="2" name="Titolo 1"/>
+          <p:cNvSpPr>
+            <a:spLocks noGrp="1"/>
+          </p:cNvSpPr>
+          <p:nvPr>
+            <p:ph type="title"/>
+          </p:nvPr>
+        </p:nvSpPr>
+        <p:spPr/>
+        <p:txBody>
+          <a:bodyPr/>
+          <a:lstStyle/>
+          <a:p>
+            <a:r>
+              <a:rPr lang="en-GB"/>
+              <a:t>Click to edit Master title style</a:t>
+            </a:r>
+            <a:endParaRPr lang="it-IT"/>
+          </a:p>
+        </p:txBody>
+      </p:sp>
+      <p:sp>
+        <p:nvSpPr>
+          <p:cNvPr id="3" name="Segnaposto contenuto 2"/>
+          <p:cNvSpPr>
+            <a:spLocks noGrp="1"/>
+          </p:cNvSpPr>
+          <p:nvPr>
+            <p:ph sz="half" idx="1"/>
+          </p:nvPr>
+        </p:nvSpPr>
+        <p:spPr>
+          <a:xfrm>
+            <a:off x="609600" y="1412875"/>
+            <a:ext cx="5392615" cy="4713291"/>
+          </a:xfrm>
+        </p:spPr>
+        <p:txBody>
+          <a:bodyPr/>
+          <a:lstStyle>
+            <a:lvl1pPr>
+              <a:defRPr sz="2800"/>
+            </a:lvl1pPr>
+            <a:lvl2pPr>
+              <a:defRPr sz="2400"/>
+            </a:lvl2pPr>
+            <a:lvl3pPr>
+              <a:defRPr sz="2000"/>
+            </a:lvl3pPr>
+            <a:lvl4pPr>
+              <a:defRPr sz="1800"/>
+            </a:lvl4pPr>
+            <a:lvl5pPr>
+              <a:defRPr sz="1800"/>
+            </a:lvl5pPr>
+            <a:lvl6pPr>
+              <a:defRPr sz="1800"/>
+            </a:lvl6pPr>
+            <a:lvl7pPr>
+              <a:defRPr sz="1800"/>
+            </a:lvl7pPr>
+            <a:lvl8pPr>
+              <a:defRPr sz="1800"/>
+            </a:lvl8pPr>
+            <a:lvl9pPr>
+              <a:defRPr sz="1800"/>
+            </a:lvl9pPr>
+          </a:lstStyle>
+          <a:p>
+            <a:pPr lvl="0"/>
+            <a:r>
+              <a:rPr lang="en-GB"/>
+              <a:t>Click to edit Master text styles</a:t>
+            </a:r>
+          </a:p>
+          <a:p>
+            <a:pPr lvl="1"/>
+            <a:r>
+              <a:rPr lang="en-GB"/>
+              <a:t>Second level</a:t>
+            </a:r>
+          </a:p>
+          <a:p>
+            <a:pPr lvl="2"/>
+            <a:r>
+              <a:rPr lang="en-GB"/>
+              <a:t>Third level</a:t>
+            </a:r>
+          </a:p>
+          <a:p>
+            <a:pPr lvl="3"/>
+            <a:r>
+              <a:rPr lang="en-GB"/>
+              <a:t>Fourth level</a:t>
+            </a:r>
+          </a:p>
+          <a:p>
+            <a:pPr lvl="4"/>
+            <a:r>
+              <a:rPr lang="en-GB"/>
+              <a:t>Fifth level</a:t>
+            </a:r>
+            <a:endParaRPr lang="it-IT"/>
+          </a:p>
+        </p:txBody>
+      </p:sp>
+      <p:sp>
+        <p:nvSpPr>
+          <p:cNvPr id="4" name="Segnaposto contenuto 3"/>
+          <p:cNvSpPr>
+            <a:spLocks noGrp="1"/>
+          </p:cNvSpPr>
+          <p:nvPr>
+            <p:ph sz="half" idx="2"/>
+          </p:nvPr>
+        </p:nvSpPr>
+        <p:spPr>
+          <a:xfrm>
+            <a:off x="6189786" y="1412875"/>
+            <a:ext cx="5392615" cy="4713291"/>
+          </a:xfrm>
+        </p:spPr>
+        <p:txBody>
+          <a:bodyPr/>
+          <a:lstStyle>
+            <a:lvl1pPr>
+              <a:defRPr sz="2800"/>
+            </a:lvl1pPr>
+            <a:lvl2pPr>
+              <a:defRPr sz="2400"/>
+            </a:lvl2pPr>
+            <a:lvl3pPr>
+              <a:defRPr sz="2000"/>
+            </a:lvl3pPr>
+            <a:lvl4pPr>
+              <a:defRPr sz="1800"/>
+            </a:lvl4pPr>
+            <a:lvl5pPr>
+              <a:defRPr sz="1800"/>
+            </a:lvl5pPr>
+            <a:lvl6pPr>
+              <a:defRPr sz="1800"/>
+            </a:lvl6pPr>
+            <a:lvl7pPr>
+              <a:defRPr sz="1800"/>
+            </a:lvl7pPr>
+            <a:lvl8pPr>
+              <a:defRPr sz="1800"/>
+            </a:lvl8pPr>
+            <a:lvl9pPr>
+              <a:defRPr sz="1800"/>
+            </a:lvl9pPr>
+          </a:lstStyle>
+          <a:p>
+            <a:pPr lvl="0"/>
+            <a:r>
+              <a:rPr lang="en-GB"/>
+              <a:t>Click to edit Master text styles</a:t>
+            </a:r>
+          </a:p>
+          <a:p>
+            <a:pPr lvl="1"/>
+            <a:r>
+              <a:rPr lang="en-GB"/>
+              <a:t>Second level</a:t>
+            </a:r>
+          </a:p>
+          <a:p>
+            <a:pPr lvl="2"/>
+            <a:r>
+              <a:rPr lang="en-GB"/>
+              <a:t>Third level</a:t>
+            </a:r>
+          </a:p>
+          <a:p>
+            <a:pPr lvl="3"/>
+            <a:r>
+              <a:rPr lang="en-GB"/>
+              <a:t>Fourth level</a:t>
+            </a:r>
+          </a:p>
+          <a:p>
+            <a:pPr lvl="4"/>
+            <a:r>
+              <a:rPr lang="en-GB"/>
+              <a:t>Fifth level</a:t>
+            </a:r>
+            <a:endParaRPr lang="it-IT"/>
+          </a:p>
+        </p:txBody>
+      </p:sp>
+      <p:sp>
+        <p:nvSpPr>
+          <p:cNvPr id="5" name="Rectangle 4">
+            <a:extLst>
+              <a:ext uri="{FF2B5EF4-FFF2-40B4-BE49-F238E27FC236}">
+                <a16:creationId xmlns:a16="http://schemas.microsoft.com/office/drawing/2014/main" id="{F0D3FD9D-035D-4317-87B9-2E07DC513C53}"/>
+              </a:ext>
+            </a:extLst>
+          </p:cNvPr>
+          <p:cNvSpPr>
+            <a:spLocks noGrp="1" noChangeArrowheads="1"/>
+          </p:cNvSpPr>
+          <p:nvPr>
+            <p:ph type="dt" sz="half" idx="10"/>
+          </p:nvPr>
+        </p:nvSpPr>
+        <p:spPr>
+          <a:ln/>
+        </p:spPr>
+        <p:txBody>
+          <a:bodyPr/>
+          <a:lstStyle>
+            <a:lvl1pPr>
+              <a:defRPr/>
+            </a:lvl1pPr>
+          </a:lstStyle>
+          <a:p>
+            <a:pPr>
+              <a:defRPr/>
+            </a:pPr>
+            <a:r>
+              <a:rPr lang="it-IT" altLang="it-IT"/>
+              <a:t>last update: Oct 2023</a:t>
+            </a:r>
+          </a:p>
+        </p:txBody>
+      </p:sp>
+      <p:sp>
+        <p:nvSpPr>
+          <p:cNvPr id="6" name="Rectangle 5">
+            <a:extLst>
+              <a:ext uri="{FF2B5EF4-FFF2-40B4-BE49-F238E27FC236}">
+                <a16:creationId xmlns:a16="http://schemas.microsoft.com/office/drawing/2014/main" id="{0056CC62-4927-46CE-8071-12D4280A824B}"/>
+              </a:ext>
+            </a:extLst>
+          </p:cNvPr>
+          <p:cNvSpPr>
+            <a:spLocks noGrp="1" noChangeArrowheads="1"/>
+          </p:cNvSpPr>
+          <p:nvPr>
+            <p:ph type="ftr" sz="quarter" idx="11"/>
+          </p:nvPr>
+        </p:nvSpPr>
+        <p:spPr>
+          <a:ln/>
+        </p:spPr>
+        <p:txBody>
+          <a:bodyPr/>
+          <a:lstStyle>
+            <a:lvl1pPr>
+              <a:defRPr/>
+            </a:lvl1pPr>
+          </a:lstStyle>
+          <a:p>
+            <a:pPr>
+              <a:defRPr/>
+            </a:pPr>
+            <a:r>
+              <a:rPr lang="en-US" altLang="it-IT"/>
+              <a:t>kathara – [ lab: load balancer - web switch - random ]</a:t>
+            </a:r>
+            <a:endParaRPr lang="it-IT" altLang="it-IT"/>
+          </a:p>
+        </p:txBody>
+      </p:sp>
+    </p:spTree>
+    <p:extLst>
+      <p:ext uri="{BB962C8B-B14F-4D97-AF65-F5344CB8AC3E}">
+        <p14:creationId xmlns:p14="http://schemas.microsoft.com/office/powerpoint/2010/main" val="868389188"/>
+      </p:ext>
+    </p:extLst>
+  </p:cSld>
+  <p:clrMapOvr>
+    <a:masterClrMapping/>
+  </p:clrMapOvr>
+</p:sldLayout>
+</file>
+
+<file path=ppt/slideLayouts/slideLayout18.xml><?xml version="1.0" encoding="utf-8"?>
+<p:sldLayout xmlns:a="http://schemas.openxmlformats.org/drawingml/2006/main" xmlns:r="http://schemas.openxmlformats.org/officeDocument/2006/relationships" xmlns:p="http://schemas.openxmlformats.org/presentationml/2006/main" type="titleOnly" preserve="1">
+  <p:cSld name="Solo titolo">
+    <p:spTree>
+      <p:nvGrpSpPr>
+        <p:cNvPr id="1" name=""/>
+        <p:cNvGrpSpPr/>
+        <p:nvPr/>
+      </p:nvGrpSpPr>
+      <p:grpSpPr>
+        <a:xfrm>
+          <a:off x="0" y="0"/>
+          <a:ext cx="0" cy="0"/>
+          <a:chOff x="0" y="0"/>
+          <a:chExt cx="0" cy="0"/>
+        </a:xfrm>
+      </p:grpSpPr>
+      <p:sp>
+        <p:nvSpPr>
+          <p:cNvPr id="2" name="Titolo 1"/>
+          <p:cNvSpPr>
+            <a:spLocks noGrp="1"/>
+          </p:cNvSpPr>
+          <p:nvPr>
+            <p:ph type="title"/>
+          </p:nvPr>
+        </p:nvSpPr>
+        <p:spPr/>
+        <p:txBody>
+          <a:bodyPr/>
+          <a:lstStyle/>
+          <a:p>
+            <a:r>
+              <a:rPr lang="en-GB"/>
+              <a:t>Click to edit Master title style</a:t>
+            </a:r>
+            <a:endParaRPr lang="it-IT"/>
+          </a:p>
+        </p:txBody>
+      </p:sp>
+      <p:sp>
+        <p:nvSpPr>
+          <p:cNvPr id="3" name="Rectangle 4">
+            <a:extLst>
+              <a:ext uri="{FF2B5EF4-FFF2-40B4-BE49-F238E27FC236}">
+                <a16:creationId xmlns:a16="http://schemas.microsoft.com/office/drawing/2014/main" id="{09E61840-3800-42E1-8104-908EC2290A80}"/>
+              </a:ext>
+            </a:extLst>
+          </p:cNvPr>
+          <p:cNvSpPr>
+            <a:spLocks noGrp="1" noChangeArrowheads="1"/>
+          </p:cNvSpPr>
+          <p:nvPr>
+            <p:ph type="dt" sz="half" idx="10"/>
+          </p:nvPr>
+        </p:nvSpPr>
+        <p:spPr>
+          <a:ln/>
+        </p:spPr>
+        <p:txBody>
+          <a:bodyPr/>
+          <a:lstStyle>
+            <a:lvl1pPr>
+              <a:defRPr/>
+            </a:lvl1pPr>
+          </a:lstStyle>
+          <a:p>
+            <a:pPr>
+              <a:defRPr/>
+            </a:pPr>
+            <a:r>
+              <a:rPr lang="it-IT" altLang="it-IT"/>
+              <a:t>last update: Oct 2023</a:t>
+            </a:r>
+          </a:p>
+        </p:txBody>
+      </p:sp>
+      <p:sp>
+        <p:nvSpPr>
+          <p:cNvPr id="4" name="Rectangle 5">
+            <a:extLst>
+              <a:ext uri="{FF2B5EF4-FFF2-40B4-BE49-F238E27FC236}">
+                <a16:creationId xmlns:a16="http://schemas.microsoft.com/office/drawing/2014/main" id="{BBDBC235-FCC8-44F7-AF2D-D19BB003DF74}"/>
+              </a:ext>
+            </a:extLst>
+          </p:cNvPr>
+          <p:cNvSpPr>
+            <a:spLocks noGrp="1" noChangeArrowheads="1"/>
+          </p:cNvSpPr>
+          <p:nvPr>
+            <p:ph type="ftr" sz="quarter" idx="11"/>
+          </p:nvPr>
+        </p:nvSpPr>
+        <p:spPr>
+          <a:ln/>
+        </p:spPr>
+        <p:txBody>
+          <a:bodyPr/>
+          <a:lstStyle>
+            <a:lvl1pPr>
+              <a:defRPr/>
+            </a:lvl1pPr>
+          </a:lstStyle>
+          <a:p>
+            <a:pPr>
+              <a:defRPr/>
+            </a:pPr>
+            <a:r>
+              <a:rPr lang="en-US" altLang="it-IT"/>
+              <a:t>kathara – [ lab: load balancer - web switch - random ]</a:t>
+            </a:r>
+            <a:endParaRPr lang="it-IT" altLang="it-IT"/>
+          </a:p>
+        </p:txBody>
+      </p:sp>
+    </p:spTree>
+    <p:extLst>
+      <p:ext uri="{BB962C8B-B14F-4D97-AF65-F5344CB8AC3E}">
+        <p14:creationId xmlns:p14="http://schemas.microsoft.com/office/powerpoint/2010/main" val="2831624073"/>
+      </p:ext>
+    </p:extLst>
+  </p:cSld>
+  <p:clrMapOvr>
+    <a:masterClrMapping/>
+  </p:clrMapOvr>
+</p:sldLayout>
+</file>
+
+<file path=ppt/slideLayouts/slideLayout19.xml><?xml version="1.0" encoding="utf-8"?>
+<p:sldLayout xmlns:a="http://schemas.openxmlformats.org/drawingml/2006/main" xmlns:r="http://schemas.openxmlformats.org/officeDocument/2006/relationships" xmlns:p="http://schemas.openxmlformats.org/presentationml/2006/main" type="blank" preserve="1">
+  <p:cSld name="Vuota">
+    <p:spTree>
+      <p:nvGrpSpPr>
+        <p:cNvPr id="1" name=""/>
+        <p:cNvGrpSpPr/>
+        <p:nvPr/>
+      </p:nvGrpSpPr>
+      <p:grpSpPr>
+        <a:xfrm>
+          <a:off x="0" y="0"/>
+          <a:ext cx="0" cy="0"/>
+          <a:chOff x="0" y="0"/>
+          <a:chExt cx="0" cy="0"/>
+        </a:xfrm>
+      </p:grpSpPr>
+      <p:sp>
+        <p:nvSpPr>
+          <p:cNvPr id="2" name="Rectangle 4">
+            <a:extLst>
+              <a:ext uri="{FF2B5EF4-FFF2-40B4-BE49-F238E27FC236}">
+                <a16:creationId xmlns:a16="http://schemas.microsoft.com/office/drawing/2014/main" id="{8210B621-DDDB-4969-8052-9E481273EFD3}"/>
+              </a:ext>
+            </a:extLst>
+          </p:cNvPr>
+          <p:cNvSpPr>
+            <a:spLocks noGrp="1" noChangeArrowheads="1"/>
+          </p:cNvSpPr>
+          <p:nvPr>
+            <p:ph type="dt" sz="half" idx="10"/>
+          </p:nvPr>
+        </p:nvSpPr>
+        <p:spPr>
+          <a:ln/>
+        </p:spPr>
+        <p:txBody>
+          <a:bodyPr/>
+          <a:lstStyle>
+            <a:lvl1pPr>
+              <a:defRPr/>
+            </a:lvl1pPr>
+          </a:lstStyle>
+          <a:p>
+            <a:pPr>
+              <a:defRPr/>
+            </a:pPr>
+            <a:r>
+              <a:rPr lang="it-IT" altLang="it-IT"/>
+              <a:t>last update: Oct 2023</a:t>
+            </a:r>
+          </a:p>
+        </p:txBody>
+      </p:sp>
+      <p:sp>
+        <p:nvSpPr>
+          <p:cNvPr id="3" name="Rectangle 5">
+            <a:extLst>
+              <a:ext uri="{FF2B5EF4-FFF2-40B4-BE49-F238E27FC236}">
+                <a16:creationId xmlns:a16="http://schemas.microsoft.com/office/drawing/2014/main" id="{DF427022-EF7C-4DDD-9245-E8A971AB8D5C}"/>
+              </a:ext>
+            </a:extLst>
+          </p:cNvPr>
+          <p:cNvSpPr>
+            <a:spLocks noGrp="1" noChangeArrowheads="1"/>
+          </p:cNvSpPr>
+          <p:nvPr>
+            <p:ph type="ftr" sz="quarter" idx="11"/>
+          </p:nvPr>
+        </p:nvSpPr>
+        <p:spPr>
+          <a:ln/>
+        </p:spPr>
+        <p:txBody>
+          <a:bodyPr/>
+          <a:lstStyle>
+            <a:lvl1pPr>
+              <a:defRPr/>
+            </a:lvl1pPr>
+          </a:lstStyle>
+          <a:p>
+            <a:pPr>
+              <a:defRPr/>
+            </a:pPr>
+            <a:r>
+              <a:rPr lang="en-US" altLang="it-IT"/>
+              <a:t>kathara – [ lab: load balancer - web switch - random ]</a:t>
+            </a:r>
+            <a:endParaRPr lang="it-IT" altLang="it-IT"/>
+          </a:p>
+        </p:txBody>
+      </p:sp>
+    </p:spTree>
+    <p:extLst>
+      <p:ext uri="{BB962C8B-B14F-4D97-AF65-F5344CB8AC3E}">
+        <p14:creationId xmlns:p14="http://schemas.microsoft.com/office/powerpoint/2010/main" val="1809123942"/>
       </p:ext>
     </p:extLst>
   </p:cSld>
@@ -2220,7 +3481,7 @@
             </a:pPr>
             <a:r>
               <a:rPr lang="it-IT" altLang="it-IT"/>
-              <a:t>last update: Nov 2019</a:t>
+              <a:t>last update: Oct 2023</a:t>
             </a:r>
           </a:p>
         </p:txBody>
@@ -2344,6 +3605,931 @@
     <p:extLst>
       <p:ext uri="{BB962C8B-B14F-4D97-AF65-F5344CB8AC3E}">
         <p14:creationId xmlns:p14="http://schemas.microsoft.com/office/powerpoint/2010/main" val="3226018608"/>
+      </p:ext>
+    </p:extLst>
+  </p:cSld>
+  <p:clrMapOvr>
+    <a:masterClrMapping/>
+  </p:clrMapOvr>
+</p:sldLayout>
+</file>
+
+<file path=ppt/slideLayouts/slideLayout20.xml><?xml version="1.0" encoding="utf-8"?>
+<p:sldLayout xmlns:a="http://schemas.openxmlformats.org/drawingml/2006/main" xmlns:r="http://schemas.openxmlformats.org/officeDocument/2006/relationships" xmlns:p="http://schemas.openxmlformats.org/presentationml/2006/main" type="objTx" preserve="1">
+  <p:cSld name="Contenuto con didascalia">
+    <p:spTree>
+      <p:nvGrpSpPr>
+        <p:cNvPr id="1" name=""/>
+        <p:cNvGrpSpPr/>
+        <p:nvPr/>
+      </p:nvGrpSpPr>
+      <p:grpSpPr>
+        <a:xfrm>
+          <a:off x="0" y="0"/>
+          <a:ext cx="0" cy="0"/>
+          <a:chOff x="0" y="0"/>
+          <a:chExt cx="0" cy="0"/>
+        </a:xfrm>
+      </p:grpSpPr>
+      <p:sp>
+        <p:nvSpPr>
+          <p:cNvPr id="2" name="Titolo 1"/>
+          <p:cNvSpPr>
+            <a:spLocks noGrp="1"/>
+          </p:cNvSpPr>
+          <p:nvPr>
+            <p:ph type="title"/>
+          </p:nvPr>
+        </p:nvSpPr>
+        <p:spPr>
+          <a:xfrm>
+            <a:off x="609601" y="273050"/>
+            <a:ext cx="4011247" cy="1162050"/>
+          </a:xfrm>
+        </p:spPr>
+        <p:txBody>
+          <a:bodyPr anchor="b"/>
+          <a:lstStyle>
+            <a:lvl1pPr algn="l">
+              <a:defRPr sz="2000" b="1"/>
+            </a:lvl1pPr>
+          </a:lstStyle>
+          <a:p>
+            <a:r>
+              <a:rPr lang="en-GB"/>
+              <a:t>Click to edit Master title style</a:t>
+            </a:r>
+            <a:endParaRPr lang="it-IT"/>
+          </a:p>
+        </p:txBody>
+      </p:sp>
+      <p:sp>
+        <p:nvSpPr>
+          <p:cNvPr id="3" name="Segnaposto contenuto 2"/>
+          <p:cNvSpPr>
+            <a:spLocks noGrp="1"/>
+          </p:cNvSpPr>
+          <p:nvPr>
+            <p:ph idx="1"/>
+          </p:nvPr>
+        </p:nvSpPr>
+        <p:spPr>
+          <a:xfrm>
+            <a:off x="4767386" y="273053"/>
+            <a:ext cx="6815015" cy="5853113"/>
+          </a:xfrm>
+        </p:spPr>
+        <p:txBody>
+          <a:bodyPr/>
+          <a:lstStyle>
+            <a:lvl1pPr>
+              <a:defRPr sz="3200"/>
+            </a:lvl1pPr>
+            <a:lvl2pPr>
+              <a:defRPr sz="2800"/>
+            </a:lvl2pPr>
+            <a:lvl3pPr>
+              <a:defRPr sz="2400"/>
+            </a:lvl3pPr>
+            <a:lvl4pPr>
+              <a:defRPr sz="2000"/>
+            </a:lvl4pPr>
+            <a:lvl5pPr>
+              <a:defRPr sz="2000"/>
+            </a:lvl5pPr>
+            <a:lvl6pPr>
+              <a:defRPr sz="2000"/>
+            </a:lvl6pPr>
+            <a:lvl7pPr>
+              <a:defRPr sz="2000"/>
+            </a:lvl7pPr>
+            <a:lvl8pPr>
+              <a:defRPr sz="2000"/>
+            </a:lvl8pPr>
+            <a:lvl9pPr>
+              <a:defRPr sz="2000"/>
+            </a:lvl9pPr>
+          </a:lstStyle>
+          <a:p>
+            <a:pPr lvl="0"/>
+            <a:r>
+              <a:rPr lang="en-GB"/>
+              <a:t>Click to edit Master text styles</a:t>
+            </a:r>
+          </a:p>
+          <a:p>
+            <a:pPr lvl="1"/>
+            <a:r>
+              <a:rPr lang="en-GB"/>
+              <a:t>Second level</a:t>
+            </a:r>
+          </a:p>
+          <a:p>
+            <a:pPr lvl="2"/>
+            <a:r>
+              <a:rPr lang="en-GB"/>
+              <a:t>Third level</a:t>
+            </a:r>
+          </a:p>
+          <a:p>
+            <a:pPr lvl="3"/>
+            <a:r>
+              <a:rPr lang="en-GB"/>
+              <a:t>Fourth level</a:t>
+            </a:r>
+          </a:p>
+          <a:p>
+            <a:pPr lvl="4"/>
+            <a:r>
+              <a:rPr lang="en-GB"/>
+              <a:t>Fifth level</a:t>
+            </a:r>
+            <a:endParaRPr lang="it-IT"/>
+          </a:p>
+        </p:txBody>
+      </p:sp>
+      <p:sp>
+        <p:nvSpPr>
+          <p:cNvPr id="4" name="Segnaposto testo 3"/>
+          <p:cNvSpPr>
+            <a:spLocks noGrp="1"/>
+          </p:cNvSpPr>
+          <p:nvPr>
+            <p:ph type="body" sz="half" idx="2"/>
+          </p:nvPr>
+        </p:nvSpPr>
+        <p:spPr>
+          <a:xfrm>
+            <a:off x="609601" y="1435103"/>
+            <a:ext cx="4011247" cy="4691063"/>
+          </a:xfrm>
+        </p:spPr>
+        <p:txBody>
+          <a:bodyPr/>
+          <a:lstStyle>
+            <a:lvl1pPr marL="0" indent="0">
+              <a:buNone/>
+              <a:defRPr sz="1400"/>
+            </a:lvl1pPr>
+            <a:lvl2pPr marL="457212" indent="0">
+              <a:buNone/>
+              <a:defRPr sz="1200"/>
+            </a:lvl2pPr>
+            <a:lvl3pPr marL="914423" indent="0">
+              <a:buNone/>
+              <a:defRPr sz="1000"/>
+            </a:lvl3pPr>
+            <a:lvl4pPr marL="1371634" indent="0">
+              <a:buNone/>
+              <a:defRPr sz="900"/>
+            </a:lvl4pPr>
+            <a:lvl5pPr marL="1828846" indent="0">
+              <a:buNone/>
+              <a:defRPr sz="900"/>
+            </a:lvl5pPr>
+            <a:lvl6pPr marL="2286057" indent="0">
+              <a:buNone/>
+              <a:defRPr sz="900"/>
+            </a:lvl6pPr>
+            <a:lvl7pPr marL="2743269" indent="0">
+              <a:buNone/>
+              <a:defRPr sz="900"/>
+            </a:lvl7pPr>
+            <a:lvl8pPr marL="3200480" indent="0">
+              <a:buNone/>
+              <a:defRPr sz="900"/>
+            </a:lvl8pPr>
+            <a:lvl9pPr marL="3657691" indent="0">
+              <a:buNone/>
+              <a:defRPr sz="900"/>
+            </a:lvl9pPr>
+          </a:lstStyle>
+          <a:p>
+            <a:pPr lvl="0"/>
+            <a:r>
+              <a:rPr lang="en-GB"/>
+              <a:t>Click to edit Master text styles</a:t>
+            </a:r>
+          </a:p>
+        </p:txBody>
+      </p:sp>
+      <p:sp>
+        <p:nvSpPr>
+          <p:cNvPr id="5" name="Rectangle 4">
+            <a:extLst>
+              <a:ext uri="{FF2B5EF4-FFF2-40B4-BE49-F238E27FC236}">
+                <a16:creationId xmlns:a16="http://schemas.microsoft.com/office/drawing/2014/main" id="{B6B7462A-E94B-4E5C-AF83-8E8FA72FC515}"/>
+              </a:ext>
+            </a:extLst>
+          </p:cNvPr>
+          <p:cNvSpPr>
+            <a:spLocks noGrp="1" noChangeArrowheads="1"/>
+          </p:cNvSpPr>
+          <p:nvPr>
+            <p:ph type="dt" sz="half" idx="10"/>
+          </p:nvPr>
+        </p:nvSpPr>
+        <p:spPr>
+          <a:ln/>
+        </p:spPr>
+        <p:txBody>
+          <a:bodyPr/>
+          <a:lstStyle>
+            <a:lvl1pPr>
+              <a:defRPr/>
+            </a:lvl1pPr>
+          </a:lstStyle>
+          <a:p>
+            <a:pPr>
+              <a:defRPr/>
+            </a:pPr>
+            <a:r>
+              <a:rPr lang="it-IT" altLang="it-IT"/>
+              <a:t>last update: Oct 2023</a:t>
+            </a:r>
+          </a:p>
+        </p:txBody>
+      </p:sp>
+      <p:sp>
+        <p:nvSpPr>
+          <p:cNvPr id="6" name="Rectangle 5">
+            <a:extLst>
+              <a:ext uri="{FF2B5EF4-FFF2-40B4-BE49-F238E27FC236}">
+                <a16:creationId xmlns:a16="http://schemas.microsoft.com/office/drawing/2014/main" id="{1ECA9AC3-825F-4AAC-8B76-9EC322D8ACC1}"/>
+              </a:ext>
+            </a:extLst>
+          </p:cNvPr>
+          <p:cNvSpPr>
+            <a:spLocks noGrp="1" noChangeArrowheads="1"/>
+          </p:cNvSpPr>
+          <p:nvPr>
+            <p:ph type="ftr" sz="quarter" idx="11"/>
+          </p:nvPr>
+        </p:nvSpPr>
+        <p:spPr>
+          <a:ln/>
+        </p:spPr>
+        <p:txBody>
+          <a:bodyPr/>
+          <a:lstStyle>
+            <a:lvl1pPr>
+              <a:defRPr/>
+            </a:lvl1pPr>
+          </a:lstStyle>
+          <a:p>
+            <a:pPr>
+              <a:defRPr/>
+            </a:pPr>
+            <a:r>
+              <a:rPr lang="en-US" altLang="it-IT"/>
+              <a:t>kathara – [ lab: load balancer - web switch - random ]</a:t>
+            </a:r>
+            <a:endParaRPr lang="it-IT" altLang="it-IT"/>
+          </a:p>
+        </p:txBody>
+      </p:sp>
+    </p:spTree>
+    <p:extLst>
+      <p:ext uri="{BB962C8B-B14F-4D97-AF65-F5344CB8AC3E}">
+        <p14:creationId xmlns:p14="http://schemas.microsoft.com/office/powerpoint/2010/main" val="2496672504"/>
+      </p:ext>
+    </p:extLst>
+  </p:cSld>
+  <p:clrMapOvr>
+    <a:masterClrMapping/>
+  </p:clrMapOvr>
+</p:sldLayout>
+</file>
+
+<file path=ppt/slideLayouts/slideLayout21.xml><?xml version="1.0" encoding="utf-8"?>
+<p:sldLayout xmlns:a="http://schemas.openxmlformats.org/drawingml/2006/main" xmlns:r="http://schemas.openxmlformats.org/officeDocument/2006/relationships" xmlns:p="http://schemas.openxmlformats.org/presentationml/2006/main" type="picTx" preserve="1">
+  <p:cSld name="Immagine con didascalia">
+    <p:spTree>
+      <p:nvGrpSpPr>
+        <p:cNvPr id="1" name=""/>
+        <p:cNvGrpSpPr/>
+        <p:nvPr/>
+      </p:nvGrpSpPr>
+      <p:grpSpPr>
+        <a:xfrm>
+          <a:off x="0" y="0"/>
+          <a:ext cx="0" cy="0"/>
+          <a:chOff x="0" y="0"/>
+          <a:chExt cx="0" cy="0"/>
+        </a:xfrm>
+      </p:grpSpPr>
+      <p:sp>
+        <p:nvSpPr>
+          <p:cNvPr id="2" name="Titolo 1"/>
+          <p:cNvSpPr>
+            <a:spLocks noGrp="1"/>
+          </p:cNvSpPr>
+          <p:nvPr>
+            <p:ph type="title"/>
+          </p:nvPr>
+        </p:nvSpPr>
+        <p:spPr>
+          <a:xfrm>
+            <a:off x="2389554" y="4800600"/>
+            <a:ext cx="7315200" cy="566738"/>
+          </a:xfrm>
+        </p:spPr>
+        <p:txBody>
+          <a:bodyPr anchor="b"/>
+          <a:lstStyle>
+            <a:lvl1pPr algn="l">
+              <a:defRPr sz="2000" b="1"/>
+            </a:lvl1pPr>
+          </a:lstStyle>
+          <a:p>
+            <a:r>
+              <a:rPr lang="en-GB"/>
+              <a:t>Click to edit Master title style</a:t>
+            </a:r>
+            <a:endParaRPr lang="it-IT"/>
+          </a:p>
+        </p:txBody>
+      </p:sp>
+      <p:sp>
+        <p:nvSpPr>
+          <p:cNvPr id="3" name="Segnaposto immagine 2"/>
+          <p:cNvSpPr>
+            <a:spLocks noGrp="1"/>
+          </p:cNvSpPr>
+          <p:nvPr>
+            <p:ph type="pic" idx="1"/>
+          </p:nvPr>
+        </p:nvSpPr>
+        <p:spPr>
+          <a:xfrm>
+            <a:off x="2389554" y="612775"/>
+            <a:ext cx="7315200" cy="4114800"/>
+          </a:xfrm>
+        </p:spPr>
+        <p:txBody>
+          <a:bodyPr/>
+          <a:lstStyle>
+            <a:lvl1pPr marL="0" indent="0">
+              <a:buNone/>
+              <a:defRPr sz="3200"/>
+            </a:lvl1pPr>
+            <a:lvl2pPr marL="457212" indent="0">
+              <a:buNone/>
+              <a:defRPr sz="2800"/>
+            </a:lvl2pPr>
+            <a:lvl3pPr marL="914423" indent="0">
+              <a:buNone/>
+              <a:defRPr sz="2400"/>
+            </a:lvl3pPr>
+            <a:lvl4pPr marL="1371634" indent="0">
+              <a:buNone/>
+              <a:defRPr sz="2000"/>
+            </a:lvl4pPr>
+            <a:lvl5pPr marL="1828846" indent="0">
+              <a:buNone/>
+              <a:defRPr sz="2000"/>
+            </a:lvl5pPr>
+            <a:lvl6pPr marL="2286057" indent="0">
+              <a:buNone/>
+              <a:defRPr sz="2000"/>
+            </a:lvl6pPr>
+            <a:lvl7pPr marL="2743269" indent="0">
+              <a:buNone/>
+              <a:defRPr sz="2000"/>
+            </a:lvl7pPr>
+            <a:lvl8pPr marL="3200480" indent="0">
+              <a:buNone/>
+              <a:defRPr sz="2000"/>
+            </a:lvl8pPr>
+            <a:lvl9pPr marL="3657691" indent="0">
+              <a:buNone/>
+              <a:defRPr sz="2000"/>
+            </a:lvl9pPr>
+          </a:lstStyle>
+          <a:p>
+            <a:pPr lvl="0"/>
+            <a:r>
+              <a:rPr lang="en-GB" noProof="0"/>
+              <a:t>Click icon to add picture</a:t>
+            </a:r>
+            <a:endParaRPr lang="it-IT" noProof="0"/>
+          </a:p>
+        </p:txBody>
+      </p:sp>
+      <p:sp>
+        <p:nvSpPr>
+          <p:cNvPr id="4" name="Segnaposto testo 3"/>
+          <p:cNvSpPr>
+            <a:spLocks noGrp="1"/>
+          </p:cNvSpPr>
+          <p:nvPr>
+            <p:ph type="body" sz="half" idx="2"/>
+          </p:nvPr>
+        </p:nvSpPr>
+        <p:spPr>
+          <a:xfrm>
+            <a:off x="2389554" y="5367338"/>
+            <a:ext cx="7315200" cy="804862"/>
+          </a:xfrm>
+        </p:spPr>
+        <p:txBody>
+          <a:bodyPr/>
+          <a:lstStyle>
+            <a:lvl1pPr marL="0" indent="0">
+              <a:buNone/>
+              <a:defRPr sz="1400"/>
+            </a:lvl1pPr>
+            <a:lvl2pPr marL="457212" indent="0">
+              <a:buNone/>
+              <a:defRPr sz="1200"/>
+            </a:lvl2pPr>
+            <a:lvl3pPr marL="914423" indent="0">
+              <a:buNone/>
+              <a:defRPr sz="1000"/>
+            </a:lvl3pPr>
+            <a:lvl4pPr marL="1371634" indent="0">
+              <a:buNone/>
+              <a:defRPr sz="900"/>
+            </a:lvl4pPr>
+            <a:lvl5pPr marL="1828846" indent="0">
+              <a:buNone/>
+              <a:defRPr sz="900"/>
+            </a:lvl5pPr>
+            <a:lvl6pPr marL="2286057" indent="0">
+              <a:buNone/>
+              <a:defRPr sz="900"/>
+            </a:lvl6pPr>
+            <a:lvl7pPr marL="2743269" indent="0">
+              <a:buNone/>
+              <a:defRPr sz="900"/>
+            </a:lvl7pPr>
+            <a:lvl8pPr marL="3200480" indent="0">
+              <a:buNone/>
+              <a:defRPr sz="900"/>
+            </a:lvl8pPr>
+            <a:lvl9pPr marL="3657691" indent="0">
+              <a:buNone/>
+              <a:defRPr sz="900"/>
+            </a:lvl9pPr>
+          </a:lstStyle>
+          <a:p>
+            <a:pPr lvl="0"/>
+            <a:r>
+              <a:rPr lang="en-GB"/>
+              <a:t>Click to edit Master text styles</a:t>
+            </a:r>
+          </a:p>
+        </p:txBody>
+      </p:sp>
+      <p:sp>
+        <p:nvSpPr>
+          <p:cNvPr id="5" name="Rectangle 4">
+            <a:extLst>
+              <a:ext uri="{FF2B5EF4-FFF2-40B4-BE49-F238E27FC236}">
+                <a16:creationId xmlns:a16="http://schemas.microsoft.com/office/drawing/2014/main" id="{1A58AB6D-2A9D-4F16-A910-0B79968AB2D1}"/>
+              </a:ext>
+            </a:extLst>
+          </p:cNvPr>
+          <p:cNvSpPr>
+            <a:spLocks noGrp="1" noChangeArrowheads="1"/>
+          </p:cNvSpPr>
+          <p:nvPr>
+            <p:ph type="dt" sz="half" idx="10"/>
+          </p:nvPr>
+        </p:nvSpPr>
+        <p:spPr>
+          <a:ln/>
+        </p:spPr>
+        <p:txBody>
+          <a:bodyPr/>
+          <a:lstStyle>
+            <a:lvl1pPr>
+              <a:defRPr/>
+            </a:lvl1pPr>
+          </a:lstStyle>
+          <a:p>
+            <a:pPr>
+              <a:defRPr/>
+            </a:pPr>
+            <a:r>
+              <a:rPr lang="it-IT" altLang="it-IT"/>
+              <a:t>last update: Oct 2023</a:t>
+            </a:r>
+          </a:p>
+        </p:txBody>
+      </p:sp>
+      <p:sp>
+        <p:nvSpPr>
+          <p:cNvPr id="6" name="Rectangle 5">
+            <a:extLst>
+              <a:ext uri="{FF2B5EF4-FFF2-40B4-BE49-F238E27FC236}">
+                <a16:creationId xmlns:a16="http://schemas.microsoft.com/office/drawing/2014/main" id="{86A098BE-69C9-4538-89C8-C00B289910E6}"/>
+              </a:ext>
+            </a:extLst>
+          </p:cNvPr>
+          <p:cNvSpPr>
+            <a:spLocks noGrp="1" noChangeArrowheads="1"/>
+          </p:cNvSpPr>
+          <p:nvPr>
+            <p:ph type="ftr" sz="quarter" idx="11"/>
+          </p:nvPr>
+        </p:nvSpPr>
+        <p:spPr>
+          <a:ln/>
+        </p:spPr>
+        <p:txBody>
+          <a:bodyPr/>
+          <a:lstStyle>
+            <a:lvl1pPr>
+              <a:defRPr/>
+            </a:lvl1pPr>
+          </a:lstStyle>
+          <a:p>
+            <a:pPr>
+              <a:defRPr/>
+            </a:pPr>
+            <a:r>
+              <a:rPr lang="en-US" altLang="it-IT"/>
+              <a:t>kathara – [ lab: load balancer - web switch - random ]</a:t>
+            </a:r>
+            <a:endParaRPr lang="it-IT" altLang="it-IT"/>
+          </a:p>
+        </p:txBody>
+      </p:sp>
+    </p:spTree>
+    <p:extLst>
+      <p:ext uri="{BB962C8B-B14F-4D97-AF65-F5344CB8AC3E}">
+        <p14:creationId xmlns:p14="http://schemas.microsoft.com/office/powerpoint/2010/main" val="2232892864"/>
+      </p:ext>
+    </p:extLst>
+  </p:cSld>
+  <p:clrMapOvr>
+    <a:masterClrMapping/>
+  </p:clrMapOvr>
+</p:sldLayout>
+</file>
+
+<file path=ppt/slideLayouts/slideLayout22.xml><?xml version="1.0" encoding="utf-8"?>
+<p:sldLayout xmlns:a="http://schemas.openxmlformats.org/drawingml/2006/main" xmlns:r="http://schemas.openxmlformats.org/officeDocument/2006/relationships" xmlns:p="http://schemas.openxmlformats.org/presentationml/2006/main" type="vertTx" preserve="1">
+  <p:cSld name="Titolo e testo verticale">
+    <p:spTree>
+      <p:nvGrpSpPr>
+        <p:cNvPr id="1" name=""/>
+        <p:cNvGrpSpPr/>
+        <p:nvPr/>
+      </p:nvGrpSpPr>
+      <p:grpSpPr>
+        <a:xfrm>
+          <a:off x="0" y="0"/>
+          <a:ext cx="0" cy="0"/>
+          <a:chOff x="0" y="0"/>
+          <a:chExt cx="0" cy="0"/>
+        </a:xfrm>
+      </p:grpSpPr>
+      <p:sp>
+        <p:nvSpPr>
+          <p:cNvPr id="2" name="Titolo 1"/>
+          <p:cNvSpPr>
+            <a:spLocks noGrp="1"/>
+          </p:cNvSpPr>
+          <p:nvPr>
+            <p:ph type="title"/>
+          </p:nvPr>
+        </p:nvSpPr>
+        <p:spPr/>
+        <p:txBody>
+          <a:bodyPr/>
+          <a:lstStyle/>
+          <a:p>
+            <a:r>
+              <a:rPr lang="en-GB"/>
+              <a:t>Click to edit Master title style</a:t>
+            </a:r>
+            <a:endParaRPr lang="it-IT"/>
+          </a:p>
+        </p:txBody>
+      </p:sp>
+      <p:sp>
+        <p:nvSpPr>
+          <p:cNvPr id="3" name="Segnaposto testo verticale 2"/>
+          <p:cNvSpPr>
+            <a:spLocks noGrp="1"/>
+          </p:cNvSpPr>
+          <p:nvPr>
+            <p:ph type="body" orient="vert" idx="1"/>
+          </p:nvPr>
+        </p:nvSpPr>
+        <p:spPr/>
+        <p:txBody>
+          <a:bodyPr vert="eaVert"/>
+          <a:lstStyle/>
+          <a:p>
+            <a:pPr lvl="0"/>
+            <a:r>
+              <a:rPr lang="en-GB"/>
+              <a:t>Click to edit Master text styles</a:t>
+            </a:r>
+          </a:p>
+          <a:p>
+            <a:pPr lvl="1"/>
+            <a:r>
+              <a:rPr lang="en-GB"/>
+              <a:t>Second level</a:t>
+            </a:r>
+          </a:p>
+          <a:p>
+            <a:pPr lvl="2"/>
+            <a:r>
+              <a:rPr lang="en-GB"/>
+              <a:t>Third level</a:t>
+            </a:r>
+          </a:p>
+          <a:p>
+            <a:pPr lvl="3"/>
+            <a:r>
+              <a:rPr lang="en-GB"/>
+              <a:t>Fourth level</a:t>
+            </a:r>
+          </a:p>
+          <a:p>
+            <a:pPr lvl="4"/>
+            <a:r>
+              <a:rPr lang="en-GB"/>
+              <a:t>Fifth level</a:t>
+            </a:r>
+            <a:endParaRPr lang="it-IT"/>
+          </a:p>
+        </p:txBody>
+      </p:sp>
+      <p:sp>
+        <p:nvSpPr>
+          <p:cNvPr id="4" name="Rectangle 4">
+            <a:extLst>
+              <a:ext uri="{FF2B5EF4-FFF2-40B4-BE49-F238E27FC236}">
+                <a16:creationId xmlns:a16="http://schemas.microsoft.com/office/drawing/2014/main" id="{5486F16B-0B58-45B6-9061-CA60B6CB76B3}"/>
+              </a:ext>
+            </a:extLst>
+          </p:cNvPr>
+          <p:cNvSpPr>
+            <a:spLocks noGrp="1" noChangeArrowheads="1"/>
+          </p:cNvSpPr>
+          <p:nvPr>
+            <p:ph type="dt" sz="half" idx="10"/>
+          </p:nvPr>
+        </p:nvSpPr>
+        <p:spPr>
+          <a:ln/>
+        </p:spPr>
+        <p:txBody>
+          <a:bodyPr/>
+          <a:lstStyle>
+            <a:lvl1pPr>
+              <a:defRPr/>
+            </a:lvl1pPr>
+          </a:lstStyle>
+          <a:p>
+            <a:pPr>
+              <a:defRPr/>
+            </a:pPr>
+            <a:r>
+              <a:rPr lang="it-IT" altLang="it-IT"/>
+              <a:t>last update: Oct 2023</a:t>
+            </a:r>
+          </a:p>
+        </p:txBody>
+      </p:sp>
+      <p:sp>
+        <p:nvSpPr>
+          <p:cNvPr id="5" name="Rectangle 5">
+            <a:extLst>
+              <a:ext uri="{FF2B5EF4-FFF2-40B4-BE49-F238E27FC236}">
+                <a16:creationId xmlns:a16="http://schemas.microsoft.com/office/drawing/2014/main" id="{2D754CCF-D619-4891-8E0C-E8A44AB624BA}"/>
+              </a:ext>
+            </a:extLst>
+          </p:cNvPr>
+          <p:cNvSpPr>
+            <a:spLocks noGrp="1" noChangeArrowheads="1"/>
+          </p:cNvSpPr>
+          <p:nvPr>
+            <p:ph type="ftr" sz="quarter" idx="11"/>
+          </p:nvPr>
+        </p:nvSpPr>
+        <p:spPr>
+          <a:ln/>
+        </p:spPr>
+        <p:txBody>
+          <a:bodyPr/>
+          <a:lstStyle>
+            <a:lvl1pPr>
+              <a:defRPr/>
+            </a:lvl1pPr>
+          </a:lstStyle>
+          <a:p>
+            <a:pPr>
+              <a:defRPr/>
+            </a:pPr>
+            <a:r>
+              <a:rPr lang="en-US" altLang="it-IT"/>
+              <a:t>kathara – [ lab: load balancer - web switch - random ]</a:t>
+            </a:r>
+            <a:endParaRPr lang="it-IT" altLang="it-IT"/>
+          </a:p>
+        </p:txBody>
+      </p:sp>
+    </p:spTree>
+    <p:extLst>
+      <p:ext uri="{BB962C8B-B14F-4D97-AF65-F5344CB8AC3E}">
+        <p14:creationId xmlns:p14="http://schemas.microsoft.com/office/powerpoint/2010/main" val="1512559287"/>
+      </p:ext>
+    </p:extLst>
+  </p:cSld>
+  <p:clrMapOvr>
+    <a:masterClrMapping/>
+  </p:clrMapOvr>
+</p:sldLayout>
+</file>
+
+<file path=ppt/slideLayouts/slideLayout23.xml><?xml version="1.0" encoding="utf-8"?>
+<p:sldLayout xmlns:a="http://schemas.openxmlformats.org/drawingml/2006/main" xmlns:r="http://schemas.openxmlformats.org/officeDocument/2006/relationships" xmlns:p="http://schemas.openxmlformats.org/presentationml/2006/main" type="vertTitleAndTx" preserve="1">
+  <p:cSld name="1_Titolo e testo verticale">
+    <p:spTree>
+      <p:nvGrpSpPr>
+        <p:cNvPr id="1" name=""/>
+        <p:cNvGrpSpPr/>
+        <p:nvPr/>
+      </p:nvGrpSpPr>
+      <p:grpSpPr>
+        <a:xfrm>
+          <a:off x="0" y="0"/>
+          <a:ext cx="0" cy="0"/>
+          <a:chOff x="0" y="0"/>
+          <a:chExt cx="0" cy="0"/>
+        </a:xfrm>
+      </p:grpSpPr>
+      <p:sp>
+        <p:nvSpPr>
+          <p:cNvPr id="2" name="Titolo verticale 1"/>
+          <p:cNvSpPr>
+            <a:spLocks noGrp="1"/>
+          </p:cNvSpPr>
+          <p:nvPr>
+            <p:ph type="title" orient="vert"/>
+          </p:nvPr>
+        </p:nvSpPr>
+        <p:spPr>
+          <a:xfrm>
+            <a:off x="8839200" y="274641"/>
+            <a:ext cx="2743200" cy="5851525"/>
+          </a:xfrm>
+        </p:spPr>
+        <p:txBody>
+          <a:bodyPr vert="eaVert"/>
+          <a:lstStyle/>
+          <a:p>
+            <a:r>
+              <a:rPr lang="en-GB"/>
+              <a:t>Click to edit Master title style</a:t>
+            </a:r>
+            <a:endParaRPr lang="it-IT"/>
+          </a:p>
+        </p:txBody>
+      </p:sp>
+      <p:sp>
+        <p:nvSpPr>
+          <p:cNvPr id="3" name="Segnaposto testo verticale 2"/>
+          <p:cNvSpPr>
+            <a:spLocks noGrp="1"/>
+          </p:cNvSpPr>
+          <p:nvPr>
+            <p:ph type="body" orient="vert" idx="1"/>
+          </p:nvPr>
+        </p:nvSpPr>
+        <p:spPr>
+          <a:xfrm>
+            <a:off x="609601" y="274641"/>
+            <a:ext cx="8042031" cy="5851525"/>
+          </a:xfrm>
+        </p:spPr>
+        <p:txBody>
+          <a:bodyPr vert="eaVert"/>
+          <a:lstStyle/>
+          <a:p>
+            <a:pPr lvl="0"/>
+            <a:r>
+              <a:rPr lang="en-GB"/>
+              <a:t>Click to edit Master text styles</a:t>
+            </a:r>
+          </a:p>
+          <a:p>
+            <a:pPr lvl="1"/>
+            <a:r>
+              <a:rPr lang="en-GB"/>
+              <a:t>Second level</a:t>
+            </a:r>
+          </a:p>
+          <a:p>
+            <a:pPr lvl="2"/>
+            <a:r>
+              <a:rPr lang="en-GB"/>
+              <a:t>Third level</a:t>
+            </a:r>
+          </a:p>
+          <a:p>
+            <a:pPr lvl="3"/>
+            <a:r>
+              <a:rPr lang="en-GB"/>
+              <a:t>Fourth level</a:t>
+            </a:r>
+          </a:p>
+          <a:p>
+            <a:pPr lvl="4"/>
+            <a:r>
+              <a:rPr lang="en-GB"/>
+              <a:t>Fifth level</a:t>
+            </a:r>
+            <a:endParaRPr lang="it-IT"/>
+          </a:p>
+        </p:txBody>
+      </p:sp>
+      <p:sp>
+        <p:nvSpPr>
+          <p:cNvPr id="4" name="Rectangle 4">
+            <a:extLst>
+              <a:ext uri="{FF2B5EF4-FFF2-40B4-BE49-F238E27FC236}">
+                <a16:creationId xmlns:a16="http://schemas.microsoft.com/office/drawing/2014/main" id="{06ABEC1F-57AF-4AF1-B41E-3F8C58106046}"/>
+              </a:ext>
+            </a:extLst>
+          </p:cNvPr>
+          <p:cNvSpPr>
+            <a:spLocks noGrp="1" noChangeArrowheads="1"/>
+          </p:cNvSpPr>
+          <p:nvPr>
+            <p:ph type="dt" sz="half" idx="10"/>
+          </p:nvPr>
+        </p:nvSpPr>
+        <p:spPr>
+          <a:ln/>
+        </p:spPr>
+        <p:txBody>
+          <a:bodyPr/>
+          <a:lstStyle>
+            <a:lvl1pPr>
+              <a:defRPr/>
+            </a:lvl1pPr>
+          </a:lstStyle>
+          <a:p>
+            <a:pPr>
+              <a:defRPr/>
+            </a:pPr>
+            <a:r>
+              <a:rPr lang="it-IT" altLang="it-IT"/>
+              <a:t>last update: Oct 2023</a:t>
+            </a:r>
+          </a:p>
+        </p:txBody>
+      </p:sp>
+      <p:sp>
+        <p:nvSpPr>
+          <p:cNvPr id="5" name="Rectangle 5">
+            <a:extLst>
+              <a:ext uri="{FF2B5EF4-FFF2-40B4-BE49-F238E27FC236}">
+                <a16:creationId xmlns:a16="http://schemas.microsoft.com/office/drawing/2014/main" id="{CAC44205-C96E-4D3D-B0E4-CEBDE5B2D649}"/>
+              </a:ext>
+            </a:extLst>
+          </p:cNvPr>
+          <p:cNvSpPr>
+            <a:spLocks noGrp="1" noChangeArrowheads="1"/>
+          </p:cNvSpPr>
+          <p:nvPr>
+            <p:ph type="ftr" sz="quarter" idx="11"/>
+          </p:nvPr>
+        </p:nvSpPr>
+        <p:spPr>
+          <a:ln/>
+        </p:spPr>
+        <p:txBody>
+          <a:bodyPr/>
+          <a:lstStyle>
+            <a:lvl1pPr>
+              <a:defRPr/>
+            </a:lvl1pPr>
+          </a:lstStyle>
+          <a:p>
+            <a:pPr>
+              <a:defRPr/>
+            </a:pPr>
+            <a:r>
+              <a:rPr lang="en-US" altLang="it-IT"/>
+              <a:t>kathara – [ lab: load balancer - web switch - random ]</a:t>
+            </a:r>
+            <a:endParaRPr lang="it-IT" altLang="it-IT"/>
+          </a:p>
+        </p:txBody>
+      </p:sp>
+    </p:spTree>
+    <p:extLst>
+      <p:ext uri="{BB962C8B-B14F-4D97-AF65-F5344CB8AC3E}">
+        <p14:creationId xmlns:p14="http://schemas.microsoft.com/office/powerpoint/2010/main" val="2774151012"/>
       </p:ext>
     </p:extLst>
   </p:cSld>
@@ -2430,7 +4616,7 @@
             </a:pPr>
             <a:r>
               <a:rPr lang="it-IT" altLang="it-IT"/>
-              <a:t>last update: Nov 2019</a:t>
+              <a:t>last update: Oct 2023</a:t>
             </a:r>
           </a:p>
         </p:txBody>
@@ -2644,7 +4830,7 @@
             </a:pPr>
             <a:r>
               <a:rPr lang="it-IT" altLang="it-IT"/>
-              <a:t>last update: Nov 2019</a:t>
+              <a:t>last update: Oct 2023</a:t>
             </a:r>
           </a:p>
         </p:txBody>
@@ -2942,7 +5128,7 @@
             </a:pPr>
             <a:r>
               <a:rPr lang="it-IT" altLang="it-IT"/>
-              <a:t>last update: Nov 2019</a:t>
+              <a:t>last update: Oct 2023</a:t>
             </a:r>
           </a:p>
         </p:txBody>
@@ -3374,7 +5560,7 @@
             </a:pPr>
             <a:r>
               <a:rPr lang="it-IT" altLang="it-IT"/>
-              <a:t>last update: Nov 2019</a:t>
+              <a:t>last update: Oct 2023</a:t>
             </a:r>
           </a:p>
         </p:txBody>
@@ -3502,7 +5688,7 @@
             </a:pPr>
             <a:r>
               <a:rPr lang="it-IT" altLang="it-IT"/>
-              <a:t>last update: Nov 2019</a:t>
+              <a:t>last update: Oct 2023</a:t>
             </a:r>
           </a:p>
         </p:txBody>
@@ -3607,7 +5793,7 @@
             </a:pPr>
             <a:r>
               <a:rPr lang="it-IT" altLang="it-IT"/>
-              <a:t>last update: Nov 2019</a:t>
+              <a:t>last update: Oct 2023</a:t>
             </a:r>
           </a:p>
         </p:txBody>
@@ -3894,7 +6080,7 @@
             </a:pPr>
             <a:r>
               <a:rPr lang="it-IT" altLang="it-IT"/>
-              <a:t>last update: Nov 2019</a:t>
+              <a:t>last update: Oct 2023</a:t>
             </a:r>
           </a:p>
         </p:txBody>
@@ -4183,7 +6369,7 @@
             </a:pPr>
             <a:r>
               <a:rPr lang="it-IT" altLang="it-IT"/>
-              <a:t>last update: Nov 2019</a:t>
+              <a:t>last update: Oct 2023</a:t>
             </a:r>
           </a:p>
         </p:txBody>
@@ -4824,6 +7010,926 @@
 </p:sldMaster>
 </file>
 
+<file path=ppt/slideMasters/slideMaster2.xml><?xml version="1.0" encoding="utf-8"?>
+<p:sldMaster xmlns:a="http://schemas.openxmlformats.org/drawingml/2006/main" xmlns:r="http://schemas.openxmlformats.org/officeDocument/2006/relationships" xmlns:p="http://schemas.openxmlformats.org/presentationml/2006/main" preserve="1">
+  <p:cSld>
+    <p:bg>
+      <p:bgPr>
+        <a:solidFill>
+          <a:schemeClr val="bg1"/>
+        </a:solidFill>
+        <a:effectLst/>
+      </p:bgPr>
+    </p:bg>
+    <p:spTree>
+      <p:nvGrpSpPr>
+        <p:cNvPr id="1" name=""/>
+        <p:cNvGrpSpPr/>
+        <p:nvPr/>
+      </p:nvGrpSpPr>
+      <p:grpSpPr>
+        <a:xfrm>
+          <a:off x="0" y="0"/>
+          <a:ext cx="0" cy="0"/>
+          <a:chOff x="0" y="0"/>
+          <a:chExt cx="0" cy="0"/>
+        </a:xfrm>
+      </p:grpSpPr>
+      <p:sp>
+        <p:nvSpPr>
+          <p:cNvPr id="1026" name="Rectangle 2">
+            <a:extLst>
+              <a:ext uri="{FF2B5EF4-FFF2-40B4-BE49-F238E27FC236}">
+                <a16:creationId xmlns:a16="http://schemas.microsoft.com/office/drawing/2014/main" id="{C44DAC59-5E6E-45D0-8524-3E061722C9EC}"/>
+              </a:ext>
+            </a:extLst>
+          </p:cNvPr>
+          <p:cNvSpPr>
+            <a:spLocks noGrp="1" noChangeArrowheads="1"/>
+          </p:cNvSpPr>
+          <p:nvPr>
+            <p:ph type="title"/>
+          </p:nvPr>
+        </p:nvSpPr>
+        <p:spPr bwMode="auto">
+          <a:xfrm>
+            <a:off x="609600" y="116632"/>
+            <a:ext cx="10972800" cy="1143000"/>
+          </a:xfrm>
+          <a:prstGeom prst="rect">
+            <a:avLst/>
+          </a:prstGeom>
+          <a:noFill/>
+          <a:ln>
+            <a:noFill/>
+          </a:ln>
+          <a:extLst>
+            <a:ext uri="{909E8E84-426E-40DD-AFC4-6F175D3DCCD1}">
+              <a14:hiddenFill xmlns:a14="http://schemas.microsoft.com/office/drawing/2010/main">
+                <a:solidFill>
+                  <a:srgbClr val="FFFFFF"/>
+                </a:solidFill>
+              </a14:hiddenFill>
+            </a:ext>
+            <a:ext uri="{91240B29-F687-4F45-9708-019B960494DF}">
+              <a14:hiddenLine xmlns:a14="http://schemas.microsoft.com/office/drawing/2010/main" w="9525">
+                <a:solidFill>
+                  <a:srgbClr val="000000"/>
+                </a:solidFill>
+                <a:miter lim="800000"/>
+                <a:headEnd/>
+                <a:tailEnd/>
+              </a14:hiddenLine>
+            </a:ext>
+          </a:extLst>
+        </p:spPr>
+        <p:txBody>
+          <a:bodyPr vert="horz" wrap="square" lIns="91440" tIns="45720" rIns="91440" bIns="45720" numCol="1" anchor="ctr" anchorCtr="0" compatLnSpc="1">
+            <a:prstTxWarp prst="textNoShape">
+              <a:avLst/>
+            </a:prstTxWarp>
+          </a:bodyPr>
+          <a:lstStyle/>
+          <a:p>
+            <a:pPr lvl="0"/>
+            <a:r>
+              <a:rPr lang="it-IT" altLang="it-IT" dirty="0"/>
+              <a:t>Fare clic per modificare lo stile del titolo</a:t>
+            </a:r>
+          </a:p>
+        </p:txBody>
+      </p:sp>
+      <p:sp>
+        <p:nvSpPr>
+          <p:cNvPr id="1027" name="Rectangle 3">
+            <a:extLst>
+              <a:ext uri="{FF2B5EF4-FFF2-40B4-BE49-F238E27FC236}">
+                <a16:creationId xmlns:a16="http://schemas.microsoft.com/office/drawing/2014/main" id="{7F11B519-1465-43CA-9B06-0B1C84B88C96}"/>
+              </a:ext>
+            </a:extLst>
+          </p:cNvPr>
+          <p:cNvSpPr>
+            <a:spLocks noGrp="1" noChangeArrowheads="1"/>
+          </p:cNvSpPr>
+          <p:nvPr>
+            <p:ph type="body" idx="1"/>
+          </p:nvPr>
+        </p:nvSpPr>
+        <p:spPr bwMode="auto">
+          <a:xfrm>
+            <a:off x="609600" y="1412777"/>
+            <a:ext cx="10972800" cy="4713390"/>
+          </a:xfrm>
+          <a:prstGeom prst="rect">
+            <a:avLst/>
+          </a:prstGeom>
+          <a:noFill/>
+          <a:ln>
+            <a:noFill/>
+          </a:ln>
+          <a:extLst>
+            <a:ext uri="{909E8E84-426E-40DD-AFC4-6F175D3DCCD1}">
+              <a14:hiddenFill xmlns:a14="http://schemas.microsoft.com/office/drawing/2010/main">
+                <a:solidFill>
+                  <a:srgbClr val="FFFFFF"/>
+                </a:solidFill>
+              </a14:hiddenFill>
+            </a:ext>
+            <a:ext uri="{91240B29-F687-4F45-9708-019B960494DF}">
+              <a14:hiddenLine xmlns:a14="http://schemas.microsoft.com/office/drawing/2010/main" w="9525">
+                <a:solidFill>
+                  <a:srgbClr val="000000"/>
+                </a:solidFill>
+                <a:miter lim="800000"/>
+                <a:headEnd/>
+                <a:tailEnd/>
+              </a14:hiddenLine>
+            </a:ext>
+          </a:extLst>
+        </p:spPr>
+        <p:txBody>
+          <a:bodyPr vert="horz" wrap="square" lIns="91440" tIns="45720" rIns="91440" bIns="45720" numCol="1" anchor="t" anchorCtr="0" compatLnSpc="1">
+            <a:prstTxWarp prst="textNoShape">
+              <a:avLst/>
+            </a:prstTxWarp>
+          </a:bodyPr>
+          <a:lstStyle/>
+          <a:p>
+            <a:pPr lvl="0"/>
+            <a:r>
+              <a:rPr lang="it-IT" altLang="it-IT" dirty="0"/>
+              <a:t>Fare clic per modificare gli stili del testo dello schema</a:t>
+            </a:r>
+          </a:p>
+          <a:p>
+            <a:pPr lvl="1"/>
+            <a:r>
+              <a:rPr lang="it-IT" altLang="it-IT" dirty="0"/>
+              <a:t>Secondo livello</a:t>
+            </a:r>
+          </a:p>
+          <a:p>
+            <a:pPr lvl="2"/>
+            <a:r>
+              <a:rPr lang="it-IT" altLang="it-IT" dirty="0"/>
+              <a:t>Terzo livello</a:t>
+            </a:r>
+          </a:p>
+          <a:p>
+            <a:pPr lvl="3"/>
+            <a:r>
+              <a:rPr lang="it-IT" altLang="it-IT" dirty="0"/>
+              <a:t>Quarto livello</a:t>
+            </a:r>
+          </a:p>
+          <a:p>
+            <a:pPr lvl="4"/>
+            <a:r>
+              <a:rPr lang="it-IT" altLang="it-IT" dirty="0"/>
+              <a:t>Quinto livello</a:t>
+            </a:r>
+          </a:p>
+        </p:txBody>
+      </p:sp>
+      <p:sp>
+        <p:nvSpPr>
+          <p:cNvPr id="303108" name="Rectangle 4">
+            <a:extLst>
+              <a:ext uri="{FF2B5EF4-FFF2-40B4-BE49-F238E27FC236}">
+                <a16:creationId xmlns:a16="http://schemas.microsoft.com/office/drawing/2014/main" id="{9F6A8ACC-B973-483A-9EBB-30DD75AA7EB2}"/>
+              </a:ext>
+            </a:extLst>
+          </p:cNvPr>
+          <p:cNvSpPr>
+            <a:spLocks noGrp="1" noChangeArrowheads="1"/>
+          </p:cNvSpPr>
+          <p:nvPr>
+            <p:ph type="dt" sz="half" idx="2"/>
+          </p:nvPr>
+        </p:nvSpPr>
+        <p:spPr bwMode="auto">
+          <a:xfrm>
+            <a:off x="9265138" y="6453191"/>
+            <a:ext cx="2782277" cy="333375"/>
+          </a:xfrm>
+          <a:prstGeom prst="rect">
+            <a:avLst/>
+          </a:prstGeom>
+          <a:noFill/>
+          <a:ln w="9525">
+            <a:noFill/>
+            <a:miter lim="800000"/>
+            <a:headEnd/>
+            <a:tailEnd/>
+          </a:ln>
+          <a:effectLst/>
+        </p:spPr>
+        <p:txBody>
+          <a:bodyPr vert="horz" wrap="square" lIns="91440" tIns="45720" rIns="91440" bIns="45720" numCol="1" anchor="t" anchorCtr="0" compatLnSpc="1">
+            <a:prstTxWarp prst="textNoShape">
+              <a:avLst/>
+            </a:prstTxWarp>
+          </a:bodyPr>
+          <a:lstStyle>
+            <a:lvl1pPr algn="r" eaLnBrk="1" hangingPunct="1">
+              <a:defRPr sz="1400" dirty="0">
+                <a:latin typeface="+mn-lt"/>
+              </a:defRPr>
+            </a:lvl1pPr>
+          </a:lstStyle>
+          <a:p>
+            <a:pPr>
+              <a:defRPr/>
+            </a:pPr>
+            <a:r>
+              <a:rPr lang="it-IT" altLang="it-IT"/>
+              <a:t>last update: Oct 2023</a:t>
+            </a:r>
+          </a:p>
+        </p:txBody>
+      </p:sp>
+      <p:sp>
+        <p:nvSpPr>
+          <p:cNvPr id="303109" name="Rectangle 5">
+            <a:extLst>
+              <a:ext uri="{FF2B5EF4-FFF2-40B4-BE49-F238E27FC236}">
+                <a16:creationId xmlns:a16="http://schemas.microsoft.com/office/drawing/2014/main" id="{6276769E-8AF7-4AB3-B25A-CA8C5C6A001F}"/>
+              </a:ext>
+            </a:extLst>
+          </p:cNvPr>
+          <p:cNvSpPr>
+            <a:spLocks noGrp="1" noChangeArrowheads="1"/>
+          </p:cNvSpPr>
+          <p:nvPr>
+            <p:ph type="ftr" sz="quarter" idx="3"/>
+          </p:nvPr>
+        </p:nvSpPr>
+        <p:spPr bwMode="auto">
+          <a:xfrm>
+            <a:off x="3120295" y="6453191"/>
+            <a:ext cx="5951415" cy="333375"/>
+          </a:xfrm>
+          <a:prstGeom prst="rect">
+            <a:avLst/>
+          </a:prstGeom>
+          <a:noFill/>
+          <a:ln w="9525">
+            <a:noFill/>
+            <a:miter lim="800000"/>
+            <a:headEnd/>
+            <a:tailEnd/>
+          </a:ln>
+          <a:effectLst/>
+        </p:spPr>
+        <p:txBody>
+          <a:bodyPr vert="horz" wrap="square" lIns="91440" tIns="45720" rIns="91440" bIns="45720" numCol="1" anchor="t" anchorCtr="0" compatLnSpc="1">
+            <a:prstTxWarp prst="textNoShape">
+              <a:avLst/>
+            </a:prstTxWarp>
+          </a:bodyPr>
+          <a:lstStyle>
+            <a:lvl1pPr algn="ctr" eaLnBrk="1" hangingPunct="1">
+              <a:defRPr sz="1400" dirty="0" err="1">
+                <a:latin typeface="+mn-lt"/>
+              </a:defRPr>
+            </a:lvl1pPr>
+          </a:lstStyle>
+          <a:p>
+            <a:pPr>
+              <a:defRPr/>
+            </a:pPr>
+            <a:r>
+              <a:rPr lang="en-US" altLang="it-IT"/>
+              <a:t>kathara – [ lab: load balancer - web switch - random ]</a:t>
+            </a:r>
+            <a:endParaRPr lang="it-IT" altLang="it-IT"/>
+          </a:p>
+        </p:txBody>
+      </p:sp>
+      <p:sp>
+        <p:nvSpPr>
+          <p:cNvPr id="1030" name="Rectangle 6">
+            <a:extLst>
+              <a:ext uri="{FF2B5EF4-FFF2-40B4-BE49-F238E27FC236}">
+                <a16:creationId xmlns:a16="http://schemas.microsoft.com/office/drawing/2014/main" id="{053844C4-97BD-413F-90CB-BB662D34AACA}"/>
+              </a:ext>
+            </a:extLst>
+          </p:cNvPr>
+          <p:cNvSpPr>
+            <a:spLocks noChangeArrowheads="1"/>
+          </p:cNvSpPr>
+          <p:nvPr/>
+        </p:nvSpPr>
+        <p:spPr bwMode="auto">
+          <a:xfrm>
+            <a:off x="144584" y="6453191"/>
+            <a:ext cx="2279007" cy="333375"/>
+          </a:xfrm>
+          <a:prstGeom prst="rect">
+            <a:avLst/>
+          </a:prstGeom>
+          <a:noFill/>
+          <a:ln>
+            <a:noFill/>
+          </a:ln>
+          <a:extLst>
+            <a:ext uri="{909E8E84-426E-40DD-AFC4-6F175D3DCCD1}">
+              <a14:hiddenFill xmlns:a14="http://schemas.microsoft.com/office/drawing/2010/main">
+                <a:solidFill>
+                  <a:srgbClr val="FFFFFF"/>
+                </a:solidFill>
+              </a14:hiddenFill>
+            </a:ext>
+            <a:ext uri="{91240B29-F687-4F45-9708-019B960494DF}">
+              <a14:hiddenLine xmlns:a14="http://schemas.microsoft.com/office/drawing/2010/main" w="9525">
+                <a:solidFill>
+                  <a:srgbClr val="000000"/>
+                </a:solidFill>
+                <a:miter lim="800000"/>
+                <a:headEnd/>
+                <a:tailEnd/>
+              </a14:hiddenLine>
+            </a:ext>
+          </a:extLst>
+        </p:spPr>
+        <p:txBody>
+          <a:bodyPr/>
+          <a:lstStyle>
+            <a:lvl1pPr>
+              <a:defRPr>
+                <a:solidFill>
+                  <a:schemeClr val="tx1"/>
+                </a:solidFill>
+                <a:latin typeface="Arial" panose="020B0604020202020204" pitchFamily="34" charset="0"/>
+              </a:defRPr>
+            </a:lvl1pPr>
+            <a:lvl2pPr marL="742950" indent="-285750">
+              <a:defRPr>
+                <a:solidFill>
+                  <a:schemeClr val="tx1"/>
+                </a:solidFill>
+                <a:latin typeface="Arial" panose="020B0604020202020204" pitchFamily="34" charset="0"/>
+              </a:defRPr>
+            </a:lvl2pPr>
+            <a:lvl3pPr marL="1143000" indent="-228600">
+              <a:defRPr>
+                <a:solidFill>
+                  <a:schemeClr val="tx1"/>
+                </a:solidFill>
+                <a:latin typeface="Arial" panose="020B0604020202020204" pitchFamily="34" charset="0"/>
+              </a:defRPr>
+            </a:lvl3pPr>
+            <a:lvl4pPr marL="1600200" indent="-228600">
+              <a:defRPr>
+                <a:solidFill>
+                  <a:schemeClr val="tx1"/>
+                </a:solidFill>
+                <a:latin typeface="Arial" panose="020B0604020202020204" pitchFamily="34" charset="0"/>
+              </a:defRPr>
+            </a:lvl4pPr>
+            <a:lvl5pPr marL="2057400" indent="-228600">
+              <a:defRPr>
+                <a:solidFill>
+                  <a:schemeClr val="tx1"/>
+                </a:solidFill>
+                <a:latin typeface="Arial" panose="020B0604020202020204" pitchFamily="34" charset="0"/>
+              </a:defRPr>
+            </a:lvl5pPr>
+            <a:lvl6pPr marL="2514600" indent="-228600" eaLnBrk="0" fontAlgn="base" hangingPunct="0">
+              <a:spcBef>
+                <a:spcPct val="0"/>
+              </a:spcBef>
+              <a:spcAft>
+                <a:spcPct val="0"/>
+              </a:spcAft>
+              <a:defRPr>
+                <a:solidFill>
+                  <a:schemeClr val="tx1"/>
+                </a:solidFill>
+                <a:latin typeface="Arial" panose="020B0604020202020204" pitchFamily="34" charset="0"/>
+              </a:defRPr>
+            </a:lvl6pPr>
+            <a:lvl7pPr marL="2971800" indent="-228600" eaLnBrk="0" fontAlgn="base" hangingPunct="0">
+              <a:spcBef>
+                <a:spcPct val="0"/>
+              </a:spcBef>
+              <a:spcAft>
+                <a:spcPct val="0"/>
+              </a:spcAft>
+              <a:defRPr>
+                <a:solidFill>
+                  <a:schemeClr val="tx1"/>
+                </a:solidFill>
+                <a:latin typeface="Arial" panose="020B0604020202020204" pitchFamily="34" charset="0"/>
+              </a:defRPr>
+            </a:lvl7pPr>
+            <a:lvl8pPr marL="3429000" indent="-228600" eaLnBrk="0" fontAlgn="base" hangingPunct="0">
+              <a:spcBef>
+                <a:spcPct val="0"/>
+              </a:spcBef>
+              <a:spcAft>
+                <a:spcPct val="0"/>
+              </a:spcAft>
+              <a:defRPr>
+                <a:solidFill>
+                  <a:schemeClr val="tx1"/>
+                </a:solidFill>
+                <a:latin typeface="Arial" panose="020B0604020202020204" pitchFamily="34" charset="0"/>
+              </a:defRPr>
+            </a:lvl8pPr>
+            <a:lvl9pPr marL="3886200" indent="-228600" eaLnBrk="0" fontAlgn="base" hangingPunct="0">
+              <a:spcBef>
+                <a:spcPct val="0"/>
+              </a:spcBef>
+              <a:spcAft>
+                <a:spcPct val="0"/>
+              </a:spcAft>
+              <a:defRPr>
+                <a:solidFill>
+                  <a:schemeClr val="tx1"/>
+                </a:solidFill>
+                <a:latin typeface="Arial" panose="020B0604020202020204" pitchFamily="34" charset="0"/>
+              </a:defRPr>
+            </a:lvl9pPr>
+          </a:lstStyle>
+          <a:p>
+            <a:pPr eaLnBrk="1" hangingPunct="1">
+              <a:lnSpc>
+                <a:spcPct val="90000"/>
+              </a:lnSpc>
+            </a:pPr>
+            <a:r>
+              <a:rPr lang="en-US" altLang="it-IT" sz="900" dirty="0">
+                <a:solidFill>
+                  <a:schemeClr val="bg2"/>
+                </a:solidFill>
+                <a:cs typeface="Arial" panose="020B0604020202020204" pitchFamily="34" charset="0"/>
+              </a:rPr>
+              <a:t>© Computer Networks Research Group Roma Tre</a:t>
+            </a:r>
+          </a:p>
+        </p:txBody>
+      </p:sp>
+      <p:pic>
+        <p:nvPicPr>
+          <p:cNvPr id="3" name="Picture 2" descr="A group of cubes with different colors&#10;&#10;Description automatically generated">
+            <a:extLst>
+              <a:ext uri="{FF2B5EF4-FFF2-40B4-BE49-F238E27FC236}">
+                <a16:creationId xmlns:a16="http://schemas.microsoft.com/office/drawing/2014/main" id="{04BC26E2-2780-755F-DAB8-E568CC768E79}"/>
+              </a:ext>
+            </a:extLst>
+          </p:cNvPr>
+          <p:cNvPicPr>
+            <a:picLocks noChangeAspect="1"/>
+          </p:cNvPicPr>
+          <p:nvPr/>
+        </p:nvPicPr>
+        <p:blipFill>
+          <a:blip r:embed="rId13">
+            <a:extLst>
+              <a:ext uri="{28A0092B-C50C-407E-A947-70E740481C1C}">
+                <a14:useLocalDpi xmlns:a14="http://schemas.microsoft.com/office/drawing/2010/main" val="0"/>
+              </a:ext>
+            </a:extLst>
+          </a:blip>
+          <a:stretch>
+            <a:fillRect/>
+          </a:stretch>
+        </p:blipFill>
+        <p:spPr>
+          <a:xfrm>
+            <a:off x="223458" y="200174"/>
+            <a:ext cx="1264030" cy="852562"/>
+          </a:xfrm>
+          <a:prstGeom prst="rect">
+            <a:avLst/>
+          </a:prstGeom>
+        </p:spPr>
+      </p:pic>
+    </p:spTree>
+    <p:extLst>
+      <p:ext uri="{BB962C8B-B14F-4D97-AF65-F5344CB8AC3E}">
+        <p14:creationId xmlns:p14="http://schemas.microsoft.com/office/powerpoint/2010/main" val="207517209"/>
+      </p:ext>
+    </p:extLst>
+  </p:cSld>
+  <p:clrMap bg1="lt1" tx1="dk1" bg2="lt2" tx2="dk2" accent1="accent1" accent2="accent2" accent3="accent3" accent4="accent4" accent5="accent5" accent6="accent6" hlink="hlink" folHlink="folHlink"/>
+  <p:sldLayoutIdLst>
+    <p:sldLayoutId id="2147483723" r:id="rId1"/>
+    <p:sldLayoutId id="2147483724" r:id="rId2"/>
+    <p:sldLayoutId id="2147483725" r:id="rId3"/>
+    <p:sldLayoutId id="2147483726" r:id="rId4"/>
+    <p:sldLayoutId id="2147483727" r:id="rId5"/>
+    <p:sldLayoutId id="2147483728" r:id="rId6"/>
+    <p:sldLayoutId id="2147483729" r:id="rId7"/>
+    <p:sldLayoutId id="2147483730" r:id="rId8"/>
+    <p:sldLayoutId id="2147483731" r:id="rId9"/>
+    <p:sldLayoutId id="2147483732" r:id="rId10"/>
+    <p:sldLayoutId id="2147483733" r:id="rId11"/>
+  </p:sldLayoutIdLst>
+  <p:hf sldNum="0" hdr="0"/>
+  <p:txStyles>
+    <p:titleStyle>
+      <a:lvl1pPr algn="ctr" rtl="0" eaLnBrk="1" fontAlgn="base" hangingPunct="1">
+        <a:spcBef>
+          <a:spcPct val="0"/>
+        </a:spcBef>
+        <a:spcAft>
+          <a:spcPct val="0"/>
+        </a:spcAft>
+        <a:defRPr sz="4401">
+          <a:solidFill>
+            <a:schemeClr val="tx2"/>
+          </a:solidFill>
+          <a:latin typeface="+mj-lt"/>
+          <a:ea typeface="+mj-ea"/>
+          <a:cs typeface="+mj-cs"/>
+        </a:defRPr>
+      </a:lvl1pPr>
+      <a:lvl2pPr algn="ctr" rtl="0" eaLnBrk="1" fontAlgn="base" hangingPunct="1">
+        <a:spcBef>
+          <a:spcPct val="0"/>
+        </a:spcBef>
+        <a:spcAft>
+          <a:spcPct val="0"/>
+        </a:spcAft>
+        <a:defRPr sz="4401">
+          <a:solidFill>
+            <a:schemeClr val="tx2"/>
+          </a:solidFill>
+          <a:latin typeface="Tahoma" pitchFamily="34" charset="0"/>
+        </a:defRPr>
+      </a:lvl2pPr>
+      <a:lvl3pPr algn="ctr" rtl="0" eaLnBrk="1" fontAlgn="base" hangingPunct="1">
+        <a:spcBef>
+          <a:spcPct val="0"/>
+        </a:spcBef>
+        <a:spcAft>
+          <a:spcPct val="0"/>
+        </a:spcAft>
+        <a:defRPr sz="4401">
+          <a:solidFill>
+            <a:schemeClr val="tx2"/>
+          </a:solidFill>
+          <a:latin typeface="Tahoma" pitchFamily="34" charset="0"/>
+        </a:defRPr>
+      </a:lvl3pPr>
+      <a:lvl4pPr algn="ctr" rtl="0" eaLnBrk="1" fontAlgn="base" hangingPunct="1">
+        <a:spcBef>
+          <a:spcPct val="0"/>
+        </a:spcBef>
+        <a:spcAft>
+          <a:spcPct val="0"/>
+        </a:spcAft>
+        <a:defRPr sz="4401">
+          <a:solidFill>
+            <a:schemeClr val="tx2"/>
+          </a:solidFill>
+          <a:latin typeface="Tahoma" pitchFamily="34" charset="0"/>
+        </a:defRPr>
+      </a:lvl4pPr>
+      <a:lvl5pPr algn="ctr" rtl="0" eaLnBrk="1" fontAlgn="base" hangingPunct="1">
+        <a:spcBef>
+          <a:spcPct val="0"/>
+        </a:spcBef>
+        <a:spcAft>
+          <a:spcPct val="0"/>
+        </a:spcAft>
+        <a:defRPr sz="4401">
+          <a:solidFill>
+            <a:schemeClr val="tx2"/>
+          </a:solidFill>
+          <a:latin typeface="Tahoma" pitchFamily="34" charset="0"/>
+        </a:defRPr>
+      </a:lvl5pPr>
+      <a:lvl6pPr marL="457212" algn="ctr" rtl="0" eaLnBrk="1" fontAlgn="base" hangingPunct="1">
+        <a:spcBef>
+          <a:spcPct val="0"/>
+        </a:spcBef>
+        <a:spcAft>
+          <a:spcPct val="0"/>
+        </a:spcAft>
+        <a:defRPr sz="4401">
+          <a:solidFill>
+            <a:schemeClr val="tx2"/>
+          </a:solidFill>
+          <a:latin typeface="Tahoma" pitchFamily="34" charset="0"/>
+        </a:defRPr>
+      </a:lvl6pPr>
+      <a:lvl7pPr marL="914423" algn="ctr" rtl="0" eaLnBrk="1" fontAlgn="base" hangingPunct="1">
+        <a:spcBef>
+          <a:spcPct val="0"/>
+        </a:spcBef>
+        <a:spcAft>
+          <a:spcPct val="0"/>
+        </a:spcAft>
+        <a:defRPr sz="4401">
+          <a:solidFill>
+            <a:schemeClr val="tx2"/>
+          </a:solidFill>
+          <a:latin typeface="Tahoma" pitchFamily="34" charset="0"/>
+        </a:defRPr>
+      </a:lvl7pPr>
+      <a:lvl8pPr marL="1371634" algn="ctr" rtl="0" eaLnBrk="1" fontAlgn="base" hangingPunct="1">
+        <a:spcBef>
+          <a:spcPct val="0"/>
+        </a:spcBef>
+        <a:spcAft>
+          <a:spcPct val="0"/>
+        </a:spcAft>
+        <a:defRPr sz="4401">
+          <a:solidFill>
+            <a:schemeClr val="tx2"/>
+          </a:solidFill>
+          <a:latin typeface="Tahoma" pitchFamily="34" charset="0"/>
+        </a:defRPr>
+      </a:lvl8pPr>
+      <a:lvl9pPr marL="1828846" algn="ctr" rtl="0" eaLnBrk="1" fontAlgn="base" hangingPunct="1">
+        <a:spcBef>
+          <a:spcPct val="0"/>
+        </a:spcBef>
+        <a:spcAft>
+          <a:spcPct val="0"/>
+        </a:spcAft>
+        <a:defRPr sz="4401">
+          <a:solidFill>
+            <a:schemeClr val="tx2"/>
+          </a:solidFill>
+          <a:latin typeface="Tahoma" pitchFamily="34" charset="0"/>
+        </a:defRPr>
+      </a:lvl9pPr>
+    </p:titleStyle>
+    <p:bodyStyle>
+      <a:lvl1pPr marL="342908" indent="-342908" algn="l" rtl="0" eaLnBrk="1" fontAlgn="base" hangingPunct="1">
+        <a:spcBef>
+          <a:spcPct val="20000"/>
+        </a:spcBef>
+        <a:spcAft>
+          <a:spcPct val="0"/>
+        </a:spcAft>
+        <a:buClr>
+          <a:schemeClr val="tx2"/>
+        </a:buClr>
+        <a:buSzPct val="70000"/>
+        <a:buFont typeface="Wingdings" panose="05000000000000000000" pitchFamily="2" charset="2"/>
+        <a:buChar char="n"/>
+        <a:defRPr sz="3200">
+          <a:solidFill>
+            <a:schemeClr val="tx1"/>
+          </a:solidFill>
+          <a:latin typeface="+mn-lt"/>
+          <a:ea typeface="+mn-ea"/>
+          <a:cs typeface="+mn-cs"/>
+        </a:defRPr>
+      </a:lvl1pPr>
+      <a:lvl2pPr marL="742969" indent="-285757" algn="l" rtl="0" eaLnBrk="1" fontAlgn="base" hangingPunct="1">
+        <a:spcBef>
+          <a:spcPct val="20000"/>
+        </a:spcBef>
+        <a:spcAft>
+          <a:spcPct val="0"/>
+        </a:spcAft>
+        <a:buClr>
+          <a:schemeClr val="accent1"/>
+        </a:buClr>
+        <a:buSzPct val="70000"/>
+        <a:buFont typeface="Wingdings" panose="05000000000000000000" pitchFamily="2" charset="2"/>
+        <a:buChar char="n"/>
+        <a:defRPr sz="2800">
+          <a:solidFill>
+            <a:schemeClr val="tx1"/>
+          </a:solidFill>
+          <a:latin typeface="+mn-lt"/>
+        </a:defRPr>
+      </a:lvl2pPr>
+      <a:lvl3pPr marL="1143028" indent="-228606" algn="l" rtl="0" eaLnBrk="1" fontAlgn="base" hangingPunct="1">
+        <a:spcBef>
+          <a:spcPct val="20000"/>
+        </a:spcBef>
+        <a:spcAft>
+          <a:spcPct val="0"/>
+        </a:spcAft>
+        <a:buClr>
+          <a:srgbClr val="66CC00"/>
+        </a:buClr>
+        <a:buSzPct val="70000"/>
+        <a:buFont typeface="Wingdings" panose="05000000000000000000" pitchFamily="2" charset="2"/>
+        <a:buChar char="n"/>
+        <a:defRPr sz="2400">
+          <a:solidFill>
+            <a:schemeClr val="tx1"/>
+          </a:solidFill>
+          <a:latin typeface="+mn-lt"/>
+        </a:defRPr>
+      </a:lvl3pPr>
+      <a:lvl4pPr marL="1600240" indent="-228606" algn="l" rtl="0" eaLnBrk="1" fontAlgn="base" hangingPunct="1">
+        <a:spcBef>
+          <a:spcPct val="20000"/>
+        </a:spcBef>
+        <a:spcAft>
+          <a:spcPct val="0"/>
+        </a:spcAft>
+        <a:buSzPct val="70000"/>
+        <a:buFont typeface="Wingdings" panose="05000000000000000000" pitchFamily="2" charset="2"/>
+        <a:buChar char="l"/>
+        <a:defRPr sz="2000">
+          <a:solidFill>
+            <a:schemeClr val="tx1"/>
+          </a:solidFill>
+          <a:latin typeface="+mn-lt"/>
+        </a:defRPr>
+      </a:lvl4pPr>
+      <a:lvl5pPr marL="2057452" indent="-228606" algn="l" rtl="0" eaLnBrk="1" fontAlgn="base" hangingPunct="1">
+        <a:spcBef>
+          <a:spcPct val="20000"/>
+        </a:spcBef>
+        <a:spcAft>
+          <a:spcPct val="0"/>
+        </a:spcAft>
+        <a:buFont typeface="Arial" panose="020B0604020202020204" pitchFamily="34" charset="0"/>
+        <a:buChar char="–"/>
+        <a:defRPr sz="2000">
+          <a:solidFill>
+            <a:schemeClr val="tx1"/>
+          </a:solidFill>
+          <a:latin typeface="+mn-lt"/>
+        </a:defRPr>
+      </a:lvl5pPr>
+      <a:lvl6pPr marL="2514663" indent="-228606" algn="l" rtl="0" eaLnBrk="1" fontAlgn="base" hangingPunct="1">
+        <a:spcBef>
+          <a:spcPct val="20000"/>
+        </a:spcBef>
+        <a:spcAft>
+          <a:spcPct val="0"/>
+        </a:spcAft>
+        <a:buFont typeface="Arial" charset="0"/>
+        <a:buChar char="–"/>
+        <a:defRPr sz="2000">
+          <a:solidFill>
+            <a:schemeClr val="tx1"/>
+          </a:solidFill>
+          <a:latin typeface="+mn-lt"/>
+        </a:defRPr>
+      </a:lvl6pPr>
+      <a:lvl7pPr marL="2971874" indent="-228606" algn="l" rtl="0" eaLnBrk="1" fontAlgn="base" hangingPunct="1">
+        <a:spcBef>
+          <a:spcPct val="20000"/>
+        </a:spcBef>
+        <a:spcAft>
+          <a:spcPct val="0"/>
+        </a:spcAft>
+        <a:buFont typeface="Arial" charset="0"/>
+        <a:buChar char="–"/>
+        <a:defRPr sz="2000">
+          <a:solidFill>
+            <a:schemeClr val="tx1"/>
+          </a:solidFill>
+          <a:latin typeface="+mn-lt"/>
+        </a:defRPr>
+      </a:lvl7pPr>
+      <a:lvl8pPr marL="3429086" indent="-228606" algn="l" rtl="0" eaLnBrk="1" fontAlgn="base" hangingPunct="1">
+        <a:spcBef>
+          <a:spcPct val="20000"/>
+        </a:spcBef>
+        <a:spcAft>
+          <a:spcPct val="0"/>
+        </a:spcAft>
+        <a:buFont typeface="Arial" charset="0"/>
+        <a:buChar char="–"/>
+        <a:defRPr sz="2000">
+          <a:solidFill>
+            <a:schemeClr val="tx1"/>
+          </a:solidFill>
+          <a:latin typeface="+mn-lt"/>
+        </a:defRPr>
+      </a:lvl8pPr>
+      <a:lvl9pPr marL="3886297" indent="-228606" algn="l" rtl="0" eaLnBrk="1" fontAlgn="base" hangingPunct="1">
+        <a:spcBef>
+          <a:spcPct val="20000"/>
+        </a:spcBef>
+        <a:spcAft>
+          <a:spcPct val="0"/>
+        </a:spcAft>
+        <a:buFont typeface="Arial" charset="0"/>
+        <a:buChar char="–"/>
+        <a:defRPr sz="2000">
+          <a:solidFill>
+            <a:schemeClr val="tx1"/>
+          </a:solidFill>
+          <a:latin typeface="+mn-lt"/>
+        </a:defRPr>
+      </a:lvl9pPr>
+    </p:bodyStyle>
+    <p:otherStyle>
+      <a:defPPr>
+        <a:defRPr lang="it-IT"/>
+      </a:defPPr>
+      <a:lvl1pPr marL="0" algn="l" defTabSz="914423" rtl="0" eaLnBrk="1" latinLnBrk="0" hangingPunct="1">
+        <a:defRPr sz="1800" kern="1200">
+          <a:solidFill>
+            <a:schemeClr val="tx1"/>
+          </a:solidFill>
+          <a:latin typeface="+mn-lt"/>
+          <a:ea typeface="+mn-ea"/>
+          <a:cs typeface="+mn-cs"/>
+        </a:defRPr>
+      </a:lvl1pPr>
+      <a:lvl2pPr marL="457212" algn="l" defTabSz="914423" rtl="0" eaLnBrk="1" latinLnBrk="0" hangingPunct="1">
+        <a:defRPr sz="1800" kern="1200">
+          <a:solidFill>
+            <a:schemeClr val="tx1"/>
+          </a:solidFill>
+          <a:latin typeface="+mn-lt"/>
+          <a:ea typeface="+mn-ea"/>
+          <a:cs typeface="+mn-cs"/>
+        </a:defRPr>
+      </a:lvl2pPr>
+      <a:lvl3pPr marL="914423" algn="l" defTabSz="914423" rtl="0" eaLnBrk="1" latinLnBrk="0" hangingPunct="1">
+        <a:defRPr sz="1800" kern="1200">
+          <a:solidFill>
+            <a:schemeClr val="tx1"/>
+          </a:solidFill>
+          <a:latin typeface="+mn-lt"/>
+          <a:ea typeface="+mn-ea"/>
+          <a:cs typeface="+mn-cs"/>
+        </a:defRPr>
+      </a:lvl3pPr>
+      <a:lvl4pPr marL="1371634" algn="l" defTabSz="914423" rtl="0" eaLnBrk="1" latinLnBrk="0" hangingPunct="1">
+        <a:defRPr sz="1800" kern="1200">
+          <a:solidFill>
+            <a:schemeClr val="tx1"/>
+          </a:solidFill>
+          <a:latin typeface="+mn-lt"/>
+          <a:ea typeface="+mn-ea"/>
+          <a:cs typeface="+mn-cs"/>
+        </a:defRPr>
+      </a:lvl4pPr>
+      <a:lvl5pPr marL="1828846" algn="l" defTabSz="914423" rtl="0" eaLnBrk="1" latinLnBrk="0" hangingPunct="1">
+        <a:defRPr sz="1800" kern="1200">
+          <a:solidFill>
+            <a:schemeClr val="tx1"/>
+          </a:solidFill>
+          <a:latin typeface="+mn-lt"/>
+          <a:ea typeface="+mn-ea"/>
+          <a:cs typeface="+mn-cs"/>
+        </a:defRPr>
+      </a:lvl5pPr>
+      <a:lvl6pPr marL="2286057" algn="l" defTabSz="914423" rtl="0" eaLnBrk="1" latinLnBrk="0" hangingPunct="1">
+        <a:defRPr sz="1800" kern="1200">
+          <a:solidFill>
+            <a:schemeClr val="tx1"/>
+          </a:solidFill>
+          <a:latin typeface="+mn-lt"/>
+          <a:ea typeface="+mn-ea"/>
+          <a:cs typeface="+mn-cs"/>
+        </a:defRPr>
+      </a:lvl6pPr>
+      <a:lvl7pPr marL="2743269" algn="l" defTabSz="914423" rtl="0" eaLnBrk="1" latinLnBrk="0" hangingPunct="1">
+        <a:defRPr sz="1800" kern="1200">
+          <a:solidFill>
+            <a:schemeClr val="tx1"/>
+          </a:solidFill>
+          <a:latin typeface="+mn-lt"/>
+          <a:ea typeface="+mn-ea"/>
+          <a:cs typeface="+mn-cs"/>
+        </a:defRPr>
+      </a:lvl7pPr>
+      <a:lvl8pPr marL="3200480" algn="l" defTabSz="914423" rtl="0" eaLnBrk="1" latinLnBrk="0" hangingPunct="1">
+        <a:defRPr sz="1800" kern="1200">
+          <a:solidFill>
+            <a:schemeClr val="tx1"/>
+          </a:solidFill>
+          <a:latin typeface="+mn-lt"/>
+          <a:ea typeface="+mn-ea"/>
+          <a:cs typeface="+mn-cs"/>
+        </a:defRPr>
+      </a:lvl8pPr>
+      <a:lvl9pPr marL="3657691" algn="l" defTabSz="914423" rtl="0" eaLnBrk="1" latinLnBrk="0" hangingPunct="1">
+        <a:defRPr sz="1800" kern="1200">
+          <a:solidFill>
+            <a:schemeClr val="tx1"/>
+          </a:solidFill>
+          <a:latin typeface="+mn-lt"/>
+          <a:ea typeface="+mn-ea"/>
+          <a:cs typeface="+mn-cs"/>
+        </a:defRPr>
+      </a:lvl9pPr>
+    </p:otherStyle>
+  </p:txStyles>
+  <p:extLst>
+    <p:ext uri="{27BBF7A9-308A-43DC-89C8-2F10F3537804}">
+      <p15:sldGuideLst xmlns:p15="http://schemas.microsoft.com/office/powerpoint/2012/main">
+        <p15:guide id="1" orient="horz" pos="890">
+          <p15:clr>
+            <a:srgbClr val="F26B43"/>
+          </p15:clr>
+        </p15:guide>
+      </p15:sldGuideLst>
+    </p:ext>
+  </p:extLst>
+</p:sldMaster>
+</file>
+
 <file path=ppt/slides/slide1.xml><?xml version="1.0" encoding="utf-8"?>
 <p:sld xmlns:a="http://schemas.openxmlformats.org/drawingml/2006/main" xmlns:r="http://schemas.openxmlformats.org/officeDocument/2006/relationships" xmlns:p="http://schemas.openxmlformats.org/presentationml/2006/main">
   <p:cSld>
@@ -4916,7 +8022,13 @@
           <p:cNvGraphicFramePr>
             <a:graphicFrameLocks noGrp="1"/>
           </p:cNvGraphicFramePr>
-          <p:nvPr/>
+          <p:nvPr>
+            <p:extLst>
+              <p:ext uri="{D42A27DB-BD31-4B8C-83A1-F6EECF244321}">
+                <p14:modId xmlns:p14="http://schemas.microsoft.com/office/powerpoint/2010/main" val="893635848"/>
+              </p:ext>
+            </p:extLst>
+          </p:nvPr>
         </p:nvGraphicFramePr>
         <p:xfrm>
           <a:off x="2651125" y="4149725"/>
@@ -5329,7 +8441,7 @@
                           <a:effectLst/>
                           <a:latin typeface="Tahoma" panose="020B0604030504040204" pitchFamily="34" charset="0"/>
                         </a:rPr>
-                        <a:t>1.1</a:t>
+                        <a:t>1.2</a:t>
                       </a:r>
                     </a:p>
                   </a:txBody>
@@ -7327,9 +10439,118 @@
               </a:lnSpc>
             </a:pPr>
             <a:r>
-              <a:rPr lang="it-IT" altLang="it-IT" sz="2800"/>
-              <a:t>once you have accessed one of the VIPs, you get a page stating which is the physical server that has served it</a:t>
-            </a:r>
+              <a:rPr lang="it-IT" altLang="it-IT" dirty="0"/>
+              <a:t>once </a:t>
+            </a:r>
+            <a:r>
+              <a:rPr lang="it-IT" altLang="it-IT" dirty="0" err="1"/>
+              <a:t>you</a:t>
+            </a:r>
+            <a:r>
+              <a:rPr lang="it-IT" altLang="it-IT" dirty="0"/>
+              <a:t> </a:t>
+            </a:r>
+            <a:r>
+              <a:rPr lang="it-IT" altLang="it-IT" dirty="0" err="1"/>
+              <a:t>have</a:t>
+            </a:r>
+            <a:r>
+              <a:rPr lang="it-IT" altLang="it-IT" dirty="0"/>
+              <a:t> </a:t>
+            </a:r>
+            <a:r>
+              <a:rPr lang="it-IT" altLang="it-IT" dirty="0" err="1"/>
+              <a:t>accessed</a:t>
+            </a:r>
+            <a:r>
+              <a:rPr lang="it-IT" altLang="it-IT" dirty="0"/>
+              <a:t> one of the </a:t>
+            </a:r>
+            <a:r>
+              <a:rPr lang="it-IT" altLang="it-IT" dirty="0" err="1"/>
+              <a:t>VIPs</a:t>
+            </a:r>
+            <a:r>
+              <a:rPr lang="it-IT" altLang="it-IT" dirty="0"/>
+              <a:t>, </a:t>
+            </a:r>
+            <a:r>
+              <a:rPr lang="it-IT" altLang="it-IT" dirty="0" err="1"/>
+              <a:t>you</a:t>
+            </a:r>
+            <a:r>
+              <a:rPr lang="it-IT" altLang="it-IT" dirty="0"/>
+              <a:t> </a:t>
+            </a:r>
+            <a:r>
+              <a:rPr lang="it-IT" altLang="it-IT" dirty="0" err="1"/>
+              <a:t>get</a:t>
+            </a:r>
+            <a:r>
+              <a:rPr lang="it-IT" altLang="it-IT" dirty="0"/>
+              <a:t> a page </a:t>
+            </a:r>
+            <a:r>
+              <a:rPr lang="it-IT" altLang="it-IT" dirty="0" err="1"/>
+              <a:t>stating</a:t>
+            </a:r>
+            <a:r>
+              <a:rPr lang="it-IT" altLang="it-IT" dirty="0"/>
+              <a:t> </a:t>
+            </a:r>
+            <a:r>
+              <a:rPr lang="it-IT" altLang="it-IT" dirty="0" err="1"/>
+              <a:t>which</a:t>
+            </a:r>
+            <a:r>
+              <a:rPr lang="it-IT" altLang="it-IT" dirty="0"/>
+              <a:t> </a:t>
+            </a:r>
+            <a:r>
+              <a:rPr lang="it-IT" altLang="it-IT" dirty="0" err="1"/>
+              <a:t>is</a:t>
+            </a:r>
+            <a:r>
+              <a:rPr lang="it-IT" altLang="it-IT" dirty="0"/>
+              <a:t> the </a:t>
+            </a:r>
+            <a:r>
+              <a:rPr lang="it-IT" altLang="it-IT" dirty="0" err="1"/>
+              <a:t>physical</a:t>
+            </a:r>
+            <a:r>
+              <a:rPr lang="it-IT" altLang="it-IT" dirty="0"/>
+              <a:t> server </a:t>
+            </a:r>
+            <a:r>
+              <a:rPr lang="it-IT" altLang="it-IT" dirty="0" err="1"/>
+              <a:t>that</a:t>
+            </a:r>
+            <a:r>
+              <a:rPr lang="it-IT" altLang="it-IT" dirty="0"/>
+              <a:t> </a:t>
+            </a:r>
+            <a:r>
+              <a:rPr lang="it-IT" altLang="it-IT" dirty="0" err="1"/>
+              <a:t>has</a:t>
+            </a:r>
+            <a:r>
+              <a:rPr lang="it-IT" altLang="it-IT" dirty="0"/>
+              <a:t> </a:t>
+            </a:r>
+            <a:r>
+              <a:rPr lang="it-IT" altLang="it-IT" dirty="0" err="1"/>
+              <a:t>served</a:t>
+            </a:r>
+            <a:r>
+              <a:rPr lang="it-IT" altLang="it-IT" dirty="0"/>
+              <a:t> </a:t>
+            </a:r>
+            <a:r>
+              <a:rPr lang="it-IT" altLang="it-IT" dirty="0" err="1"/>
+              <a:t>it</a:t>
+            </a:r>
+            <a:endParaRPr lang="it-IT" altLang="it-IT" dirty="0"/>
           </a:p>
           <a:p>
             <a:pPr eaLnBrk="1" hangingPunct="1">
@@ -7338,18 +10559,42 @@
               </a:lnSpc>
             </a:pPr>
             <a:r>
-              <a:rPr lang="it-IT" altLang="it-IT" sz="2800"/>
-              <a:t>load balancing can be checked by reloading the page (</a:t>
-            </a:r>
-            <a:r>
-              <a:rPr lang="it-IT" altLang="it-IT" sz="2800" b="1">
+              <a:rPr lang="it-IT" altLang="it-IT" dirty="0"/>
+              <a:t>load balancing can be </a:t>
+            </a:r>
+            <a:r>
+              <a:rPr lang="it-IT" altLang="it-IT" dirty="0" err="1"/>
+              <a:t>checked</a:t>
+            </a:r>
+            <a:r>
+              <a:rPr lang="it-IT" altLang="it-IT" dirty="0"/>
+              <a:t> by </a:t>
+            </a:r>
+            <a:r>
+              <a:rPr lang="it-IT" altLang="it-IT" dirty="0" err="1"/>
+              <a:t>reloading</a:t>
+            </a:r>
+            <a:r>
+              <a:rPr lang="it-IT" altLang="it-IT" dirty="0"/>
+              <a:t> the page (</a:t>
+            </a:r>
+            <a:r>
+              <a:rPr lang="it-IT" altLang="it-IT" b="1" dirty="0" err="1">
                 <a:latin typeface="Courier New" panose="02070309020205020404" pitchFamily="49" charset="0"/>
               </a:rPr>
               <a:t>ctrl+R</a:t>
             </a:r>
             <a:r>
-              <a:rPr lang="it-IT" altLang="it-IT" sz="2800"/>
-              <a:t>), but...</a:t>
+              <a:rPr lang="it-IT" altLang="it-IT" dirty="0"/>
+              <a:t>), </a:t>
+            </a:r>
+            <a:r>
+              <a:rPr lang="it-IT" altLang="it-IT" dirty="0" err="1"/>
+              <a:t>but</a:t>
+            </a:r>
+            <a:r>
+              <a:rPr lang="it-IT" altLang="it-IT" dirty="0"/>
+              <a:t>...</a:t>
             </a:r>
           </a:p>
           <a:p>
@@ -7359,8 +10604,32 @@
               </a:lnSpc>
             </a:pPr>
             <a:r>
-              <a:rPr lang="it-IT" altLang="it-IT" sz="2400"/>
-              <a:t>...by default all HTTP requests use the same connection (HTTP 1.1)!</a:t>
+              <a:rPr lang="it-IT" altLang="it-IT" dirty="0"/>
+              <a:t>...by default </a:t>
+            </a:r>
+            <a:r>
+              <a:rPr lang="it-IT" altLang="it-IT" dirty="0" err="1"/>
+              <a:t>all</a:t>
+            </a:r>
+            <a:r>
+              <a:rPr lang="it-IT" altLang="it-IT" dirty="0"/>
+              <a:t> HTTP </a:t>
+            </a:r>
+            <a:r>
+              <a:rPr lang="it-IT" altLang="it-IT" dirty="0" err="1"/>
+              <a:t>requests</a:t>
+            </a:r>
+            <a:r>
+              <a:rPr lang="it-IT" altLang="it-IT" dirty="0"/>
+              <a:t> use the </a:t>
+            </a:r>
+            <a:r>
+              <a:rPr lang="it-IT" altLang="it-IT" dirty="0" err="1"/>
+              <a:t>same</a:t>
+            </a:r>
+            <a:r>
+              <a:rPr lang="it-IT" altLang="it-IT" dirty="0"/>
+              <a:t> connection (HTTP 1.1)!</a:t>
             </a:r>
           </a:p>
           <a:p>
@@ -7370,8 +10639,76 @@
               </a:lnSpc>
             </a:pPr>
             <a:r>
-              <a:rPr lang="it-IT" altLang="it-IT" sz="2400"/>
-              <a:t>since iptables tracks TCP connections, all HTTP requests within the same connection are directed to the same physical server</a:t>
+              <a:rPr lang="it-IT" altLang="it-IT" dirty="0" err="1"/>
+              <a:t>since</a:t>
+            </a:r>
+            <a:r>
+              <a:rPr lang="it-IT" altLang="it-IT" dirty="0"/>
+              <a:t> </a:t>
+            </a:r>
+            <a:r>
+              <a:rPr lang="it-IT" altLang="it-IT" dirty="0" err="1"/>
+              <a:t>iptables</a:t>
+            </a:r>
+            <a:r>
+              <a:rPr lang="it-IT" altLang="it-IT" dirty="0"/>
+              <a:t> tracks TCP connections, </a:t>
+            </a:r>
+            <a:r>
+              <a:rPr lang="it-IT" altLang="it-IT" dirty="0" err="1"/>
+              <a:t>all</a:t>
+            </a:r>
+            <a:r>
+              <a:rPr lang="it-IT" altLang="it-IT" dirty="0"/>
+              <a:t> HTTP </a:t>
+            </a:r>
+            <a:r>
+              <a:rPr lang="it-IT" altLang="it-IT" dirty="0" err="1"/>
+              <a:t>requests</a:t>
+            </a:r>
+            <a:r>
+              <a:rPr lang="it-IT" altLang="it-IT" dirty="0"/>
+              <a:t> </a:t>
+            </a:r>
+            <a:r>
+              <a:rPr lang="it-IT" altLang="it-IT" dirty="0" err="1"/>
+              <a:t>within</a:t>
+            </a:r>
+            <a:r>
+              <a:rPr lang="it-IT" altLang="it-IT" dirty="0"/>
+              <a:t> the </a:t>
+            </a:r>
+            <a:r>
+              <a:rPr lang="it-IT" altLang="it-IT" dirty="0" err="1"/>
+              <a:t>same</a:t>
+            </a:r>
+            <a:r>
+              <a:rPr lang="it-IT" altLang="it-IT" dirty="0"/>
+              <a:t> connection are </a:t>
+            </a:r>
+            <a:r>
+              <a:rPr lang="it-IT" altLang="it-IT" dirty="0" err="1"/>
+              <a:t>directed</a:t>
+            </a:r>
+            <a:r>
+              <a:rPr lang="it-IT" altLang="it-IT" dirty="0"/>
+              <a:t> to the </a:t>
+            </a:r>
+            <a:r>
+              <a:rPr lang="it-IT" altLang="it-IT" dirty="0" err="1"/>
+              <a:t>same</a:t>
+            </a:r>
+            <a:r>
+              <a:rPr lang="it-IT" altLang="it-IT" dirty="0"/>
+              <a:t> </a:t>
+            </a:r>
+            <a:r>
+              <a:rPr lang="it-IT" altLang="it-IT" dirty="0" err="1"/>
+              <a:t>physical</a:t>
+            </a:r>
+            <a:r>
+              <a:rPr lang="it-IT" altLang="it-IT" dirty="0"/>
+              <a:t> server</a:t>
             </a:r>
           </a:p>
           <a:p>
@@ -7381,11 +10718,51 @@
               </a:lnSpc>
             </a:pPr>
             <a:r>
-              <a:rPr lang="it-IT" altLang="it-IT" sz="2400"/>
-              <a:t>to really appreciate load balancing you need to close and re-open links</a:t>
-            </a:r>
-            <a:endParaRPr lang="it-IT" altLang="it-IT" sz="2400" b="1">
+              <a:rPr lang="it-IT" altLang="it-IT" dirty="0"/>
+              <a:t>to </a:t>
+            </a:r>
+            <a:r>
+              <a:rPr lang="it-IT" altLang="it-IT" dirty="0" err="1"/>
+              <a:t>really</a:t>
+            </a:r>
+            <a:r>
+              <a:rPr lang="it-IT" altLang="it-IT" dirty="0"/>
+              <a:t> </a:t>
+            </a:r>
+            <a:r>
+              <a:rPr lang="it-IT" altLang="it-IT" dirty="0" err="1"/>
+              <a:t>appreciate</a:t>
+            </a:r>
+            <a:r>
+              <a:rPr lang="it-IT" altLang="it-IT" dirty="0"/>
+              <a:t> load balancing </a:t>
+            </a:r>
+            <a:r>
+              <a:rPr lang="it-IT" altLang="it-IT" dirty="0" err="1"/>
+              <a:t>you</a:t>
+            </a:r>
+            <a:r>
+              <a:rPr lang="it-IT" altLang="it-IT" dirty="0"/>
+              <a:t> </a:t>
+            </a:r>
+            <a:r>
+              <a:rPr lang="it-IT" altLang="it-IT" dirty="0" err="1"/>
+              <a:t>need</a:t>
+            </a:r>
+            <a:r>
+              <a:rPr lang="it-IT" altLang="it-IT" dirty="0"/>
+              <a:t> to close and re-open </a:t>
+            </a:r>
+            <a:r>
+              <a:rPr lang="it-IT" altLang="it-IT" dirty="0">
+                <a:latin typeface="Courier New" panose="02070309020205020404" pitchFamily="49" charset="0"/>
+                <a:cs typeface="Courier New" panose="02070309020205020404" pitchFamily="49" charset="0"/>
+              </a:rPr>
+              <a:t>links</a:t>
+            </a:r>
+            <a:endParaRPr lang="it-IT" altLang="it-IT" b="1" dirty="0">
               <a:latin typeface="Courier New" panose="02070309020205020404" pitchFamily="49" charset="0"/>
+              <a:cs typeface="Courier New" panose="02070309020205020404" pitchFamily="49" charset="0"/>
             </a:endParaRPr>
           </a:p>
         </p:txBody>
@@ -7416,7 +10793,7 @@
             </a:pPr>
             <a:r>
               <a:rPr lang="it-IT" altLang="it-IT"/>
-              <a:t>last update: Nov 2019</a:t>
+              <a:t>last update: Oct 2023</a:t>
             </a:r>
           </a:p>
         </p:txBody>
@@ -7537,7 +10914,7 @@
             </a:pPr>
             <a:r>
               <a:rPr lang="it-IT"/>
-              <a:t>last update: Nov 2019</a:t>
+              <a:t>last update: Oct 2023</a:t>
             </a:r>
           </a:p>
         </p:txBody>
@@ -9194,7 +12571,7 @@
             </a:pPr>
             <a:r>
               <a:rPr lang="it-IT" altLang="it-IT"/>
-              <a:t>last update: Nov 2019</a:t>
+              <a:t>last update: Oct 2023</a:t>
             </a:r>
           </a:p>
         </p:txBody>
@@ -22651,7 +26028,7 @@
               </a:lnSpc>
             </a:pPr>
             <a:r>
-              <a:rPr lang="it-IT" altLang="it-IT" sz="2800"/>
+              <a:rPr lang="it-IT" altLang="it-IT" dirty="0"/>
               <a:t>servers</a:t>
             </a:r>
           </a:p>
@@ -22662,8 +26039,20 @@
               </a:lnSpc>
             </a:pPr>
             <a:r>
-              <a:rPr lang="it-IT" altLang="it-IT" sz="2400"/>
-              <a:t>offer a simple HTML default page</a:t>
+              <a:rPr lang="it-IT" altLang="it-IT" dirty="0" err="1"/>
+              <a:t>offer</a:t>
+            </a:r>
+            <a:r>
+              <a:rPr lang="it-IT" altLang="it-IT" dirty="0"/>
+              <a:t> a </a:t>
+            </a:r>
+            <a:r>
+              <a:rPr lang="it-IT" altLang="it-IT" dirty="0" err="1"/>
+              <a:t>simple</a:t>
+            </a:r>
+            <a:r>
+              <a:rPr lang="it-IT" altLang="it-IT" dirty="0"/>
+              <a:t> HTML default page</a:t>
             </a:r>
           </a:p>
           <a:p>
@@ -22673,9 +26062,66 @@
               </a:lnSpc>
             </a:pPr>
             <a:r>
-              <a:rPr lang="it-IT" altLang="it-IT" sz="2400"/>
-              <a:t>each physical server hosts a different page, so that they can be easily distinguished</a:t>
-            </a:r>
+              <a:rPr lang="it-IT" altLang="it-IT" dirty="0" err="1"/>
+              <a:t>each</a:t>
+            </a:r>
+            <a:r>
+              <a:rPr lang="it-IT" altLang="it-IT" dirty="0"/>
+              <a:t> </a:t>
+            </a:r>
+            <a:r>
+              <a:rPr lang="it-IT" altLang="it-IT" dirty="0" err="1"/>
+              <a:t>physical</a:t>
+            </a:r>
+            <a:r>
+              <a:rPr lang="it-IT" altLang="it-IT" dirty="0"/>
+              <a:t> server </a:t>
+            </a:r>
+            <a:r>
+              <a:rPr lang="it-IT" altLang="it-IT" dirty="0" err="1"/>
+              <a:t>hosts</a:t>
+            </a:r>
+            <a:r>
+              <a:rPr lang="it-IT" altLang="it-IT" dirty="0"/>
+              <a:t> a </a:t>
+            </a:r>
+            <a:r>
+              <a:rPr lang="it-IT" altLang="it-IT" dirty="0" err="1"/>
+              <a:t>different</a:t>
+            </a:r>
+            <a:r>
+              <a:rPr lang="it-IT" altLang="it-IT" dirty="0"/>
+              <a:t> page, so </a:t>
+            </a:r>
+            <a:r>
+              <a:rPr lang="it-IT" altLang="it-IT" dirty="0" err="1"/>
+              <a:t>that</a:t>
+            </a:r>
+            <a:r>
+              <a:rPr lang="it-IT" altLang="it-IT" dirty="0"/>
+              <a:t> </a:t>
+            </a:r>
+            <a:r>
+              <a:rPr lang="it-IT" altLang="it-IT" dirty="0" err="1"/>
+              <a:t>they</a:t>
+            </a:r>
+            <a:r>
+              <a:rPr lang="it-IT" altLang="it-IT" dirty="0"/>
+              <a:t> can be </a:t>
+            </a:r>
+            <a:r>
+              <a:rPr lang="it-IT" altLang="it-IT" dirty="0" err="1"/>
+              <a:t>easily</a:t>
+            </a:r>
+            <a:r>
+              <a:rPr lang="it-IT" altLang="it-IT" dirty="0"/>
+              <a:t> </a:t>
+            </a:r>
+            <a:r>
+              <a:rPr lang="it-IT" altLang="it-IT" dirty="0" err="1"/>
+              <a:t>distinguished</a:t>
+            </a:r>
+            <a:endParaRPr lang="it-IT" altLang="it-IT" dirty="0"/>
           </a:p>
           <a:p>
             <a:pPr eaLnBrk="1" hangingPunct="1">
@@ -22684,7 +26130,7 @@
               </a:lnSpc>
             </a:pPr>
             <a:r>
-              <a:rPr lang="it-IT" altLang="it-IT" sz="2800"/>
+              <a:rPr lang="it-IT" altLang="it-IT" dirty="0"/>
               <a:t>web switch</a:t>
             </a:r>
           </a:p>
@@ -22695,8 +26141,32 @@
               </a:lnSpc>
             </a:pPr>
             <a:r>
-              <a:rPr lang="it-IT" altLang="it-IT" sz="2400"/>
-              <a:t>web switch implements a policy for directing requests to the servers</a:t>
+              <a:rPr lang="it-IT" altLang="it-IT" dirty="0"/>
+              <a:t>web switch </a:t>
+            </a:r>
+            <a:r>
+              <a:rPr lang="it-IT" altLang="it-IT" dirty="0" err="1"/>
+              <a:t>implements</a:t>
+            </a:r>
+            <a:r>
+              <a:rPr lang="it-IT" altLang="it-IT" dirty="0"/>
+              <a:t> a policy for </a:t>
+            </a:r>
+            <a:r>
+              <a:rPr lang="it-IT" altLang="it-IT" dirty="0" err="1"/>
+              <a:t>directing</a:t>
+            </a:r>
+            <a:r>
+              <a:rPr lang="it-IT" altLang="it-IT" dirty="0"/>
+              <a:t> </a:t>
+            </a:r>
+            <a:r>
+              <a:rPr lang="it-IT" altLang="it-IT" dirty="0" err="1"/>
+              <a:t>requests</a:t>
+            </a:r>
+            <a:r>
+              <a:rPr lang="it-IT" altLang="it-IT" dirty="0"/>
+              <a:t> to the servers</a:t>
             </a:r>
           </a:p>
           <a:p>
@@ -22706,12 +26176,36 @@
               </a:lnSpc>
             </a:pPr>
             <a:r>
-              <a:rPr lang="it-IT" altLang="it-IT" sz="2000" b="1"/>
+              <a:rPr lang="it-IT" altLang="it-IT" b="1" dirty="0" err="1"/>
               <a:t>ws_random</a:t>
             </a:r>
             <a:r>
-              <a:rPr lang="it-IT" altLang="it-IT" sz="2000"/>
-              <a:t>: sends each request to a random server</a:t>
+              <a:rPr lang="it-IT" altLang="it-IT" dirty="0"/>
+              <a:t>: </a:t>
+            </a:r>
+            <a:r>
+              <a:rPr lang="it-IT" altLang="it-IT" dirty="0" err="1"/>
+              <a:t>sends</a:t>
+            </a:r>
+            <a:r>
+              <a:rPr lang="it-IT" altLang="it-IT" dirty="0"/>
+              <a:t> </a:t>
+            </a:r>
+            <a:r>
+              <a:rPr lang="it-IT" altLang="it-IT" dirty="0" err="1"/>
+              <a:t>each</a:t>
+            </a:r>
+            <a:r>
+              <a:rPr lang="it-IT" altLang="it-IT" dirty="0"/>
+              <a:t> </a:t>
+            </a:r>
+            <a:r>
+              <a:rPr lang="it-IT" altLang="it-IT" dirty="0" err="1"/>
+              <a:t>request</a:t>
+            </a:r>
+            <a:r>
+              <a:rPr lang="it-IT" altLang="it-IT" dirty="0"/>
+              <a:t> to a random server</a:t>
             </a:r>
           </a:p>
           <a:p>
@@ -22721,7 +26215,7 @@
               </a:lnSpc>
             </a:pPr>
             <a:r>
-              <a:rPr lang="it-IT" altLang="it-IT" sz="2800"/>
+              <a:rPr lang="it-IT" altLang="it-IT" dirty="0"/>
               <a:t>clients</a:t>
             </a:r>
           </a:p>
@@ -22732,17 +26226,29 @@
               </a:lnSpc>
             </a:pPr>
             <a:r>
-              <a:rPr lang="it-IT" altLang="it-IT" sz="2400"/>
-              <a:t>host a simple web browser (</a:t>
-            </a:r>
-            <a:r>
-              <a:rPr lang="it-IT" altLang="it-IT" sz="2400" b="1">
+              <a:rPr lang="it-IT" altLang="it-IT" dirty="0" err="1"/>
+              <a:t>host</a:t>
+            </a:r>
+            <a:r>
+              <a:rPr lang="it-IT" altLang="it-IT" dirty="0"/>
+              <a:t> a </a:t>
+            </a:r>
+            <a:r>
+              <a:rPr lang="it-IT" altLang="it-IT" dirty="0" err="1"/>
+              <a:t>simple</a:t>
+            </a:r>
+            <a:r>
+              <a:rPr lang="it-IT" altLang="it-IT" dirty="0"/>
+              <a:t> web browser (</a:t>
+            </a:r>
+            <a:r>
+              <a:rPr lang="it-IT" altLang="it-IT" b="1" dirty="0">
                 <a:latin typeface="Courier New" panose="02070309020205020404" pitchFamily="49" charset="0"/>
               </a:rPr>
               <a:t>links</a:t>
             </a:r>
             <a:r>
-              <a:rPr lang="it-IT" altLang="it-IT" sz="2400"/>
+              <a:rPr lang="it-IT" altLang="it-IT" dirty="0"/>
               <a:t>)</a:t>
             </a:r>
           </a:p>
@@ -22774,7 +26280,7 @@
             </a:pPr>
             <a:r>
               <a:rPr lang="it-IT" altLang="it-IT"/>
-              <a:t>last update: Nov 2019</a:t>
+              <a:t>last update: Oct 2023</a:t>
             </a:r>
           </a:p>
         </p:txBody>
@@ -22888,11 +26394,47 @@
           <a:p>
             <a:pPr eaLnBrk="1" hangingPunct="1"/>
             <a:r>
-              <a:rPr lang="it-IT" altLang="it-IT"/>
-              <a:t>each server has a different IP address in the subnet </a:t>
-            </a:r>
-            <a:r>
-              <a:rPr lang="it-IT" altLang="it-IT" b="1">
+              <a:rPr lang="it-IT" altLang="it-IT" dirty="0" err="1"/>
+              <a:t>each</a:t>
+            </a:r>
+            <a:r>
+              <a:rPr lang="it-IT" altLang="it-IT" dirty="0"/>
+              <a:t> server </a:t>
+            </a:r>
+            <a:r>
+              <a:rPr lang="it-IT" altLang="it-IT" dirty="0" err="1"/>
+              <a:t>has</a:t>
+            </a:r>
+            <a:r>
+              <a:rPr lang="it-IT" altLang="it-IT" dirty="0"/>
+              <a:t> a </a:t>
+            </a:r>
+            <a:r>
+              <a:rPr lang="it-IT" altLang="it-IT" dirty="0" err="1"/>
+              <a:t>different</a:t>
+            </a:r>
+            <a:r>
+              <a:rPr lang="it-IT" altLang="it-IT" dirty="0"/>
+              <a:t> IP </a:t>
+            </a:r>
+            <a:r>
+              <a:rPr lang="it-IT" altLang="it-IT" dirty="0" err="1"/>
+              <a:t>address</a:t>
+            </a:r>
+            <a:r>
+              <a:rPr lang="it-IT" altLang="it-IT" dirty="0"/>
+              <a:t> in the </a:t>
+            </a:r>
+            <a:r>
+              <a:rPr lang="it-IT" altLang="it-IT" dirty="0" err="1"/>
+              <a:t>subnet</a:t>
+            </a:r>
+            <a:r>
+              <a:rPr lang="it-IT" altLang="it-IT" dirty="0"/>
+              <a:t> </a:t>
+            </a:r>
+            <a:r>
+              <a:rPr lang="it-IT" altLang="it-IT" b="1" dirty="0">
                 <a:latin typeface="Courier New" panose="02070309020205020404" pitchFamily="49" charset="0"/>
               </a:rPr>
               <a:t>10.0.0.0/24</a:t>
@@ -22901,15 +26443,40 @@
           <a:p>
             <a:pPr eaLnBrk="1" hangingPunct="1"/>
             <a:r>
-              <a:rPr lang="it-IT" altLang="it-IT"/>
-              <a:t>no special configuration, just a simple HTML default page in </a:t>
-            </a:r>
-            <a:r>
-              <a:rPr lang="it-IT" altLang="it-IT" b="1">
+              <a:rPr lang="it-IT" altLang="it-IT" dirty="0"/>
+              <a:t>no special </a:t>
+            </a:r>
+            <a:r>
+              <a:rPr lang="it-IT" altLang="it-IT" dirty="0" err="1"/>
+              <a:t>configuration</a:t>
+            </a:r>
+            <a:r>
+              <a:rPr lang="it-IT" altLang="it-IT" dirty="0"/>
+              <a:t>, just a </a:t>
+            </a:r>
+            <a:r>
+              <a:rPr lang="it-IT" altLang="it-IT" dirty="0" err="1"/>
+              <a:t>simple</a:t>
+            </a:r>
+            <a:r>
+              <a:rPr lang="it-IT" altLang="it-IT" dirty="0"/>
+              <a:t> HTML default page in </a:t>
+            </a:r>
+            <a:r>
+              <a:rPr lang="it-IT" altLang="it-IT" b="1" dirty="0">
                 <a:latin typeface="Courier New" panose="02070309020205020404" pitchFamily="49" charset="0"/>
               </a:rPr>
-              <a:t>/var/www/index.html</a:t>
-            </a:r>
+              <a:t>/var/www/</a:t>
+            </a:r>
+            <a:r>
+              <a:rPr lang="it-IT" altLang="it-IT" b="1" dirty="0" err="1">
+                <a:latin typeface="Courier New" panose="02070309020205020404" pitchFamily="49" charset="0"/>
+              </a:rPr>
+              <a:t>index.html</a:t>
+            </a:r>
+            <a:endParaRPr lang="it-IT" altLang="it-IT" b="1" dirty="0">
+              <a:latin typeface="Courier New" panose="02070309020205020404" pitchFamily="49" charset="0"/>
+            </a:endParaRPr>
           </a:p>
         </p:txBody>
       </p:sp>
@@ -22939,7 +26506,7 @@
             </a:pPr>
             <a:r>
               <a:rPr lang="it-IT" altLang="it-IT"/>
-              <a:t>last update: Nov 2019</a:t>
+              <a:t>last update: Oct 2023</a:t>
             </a:r>
           </a:p>
         </p:txBody>
@@ -23053,37 +26620,150 @@
           <a:p>
             <a:pPr eaLnBrk="1" hangingPunct="1"/>
             <a:r>
-              <a:rPr lang="it-IT" altLang="it-IT"/>
-              <a:t>each web switch has two interfaces</a:t>
-            </a:r>
+              <a:rPr lang="it-IT" altLang="it-IT" dirty="0" err="1"/>
+              <a:t>each</a:t>
+            </a:r>
+            <a:r>
+              <a:rPr lang="it-IT" altLang="it-IT" dirty="0"/>
+              <a:t> web switch </a:t>
+            </a:r>
+            <a:r>
+              <a:rPr lang="it-IT" altLang="it-IT" dirty="0" err="1"/>
+              <a:t>has</a:t>
+            </a:r>
+            <a:r>
+              <a:rPr lang="it-IT" altLang="it-IT" dirty="0"/>
+              <a:t> </a:t>
+            </a:r>
+            <a:r>
+              <a:rPr lang="it-IT" altLang="it-IT" dirty="0" err="1"/>
+              <a:t>two</a:t>
+            </a:r>
+            <a:r>
+              <a:rPr lang="it-IT" altLang="it-IT" dirty="0"/>
+              <a:t> </a:t>
+            </a:r>
+            <a:r>
+              <a:rPr lang="it-IT" altLang="it-IT" dirty="0" err="1"/>
+              <a:t>interfaces</a:t>
+            </a:r>
+            <a:endParaRPr lang="it-IT" altLang="it-IT" dirty="0"/>
           </a:p>
           <a:p>
             <a:pPr lvl="1" eaLnBrk="1" hangingPunct="1"/>
             <a:r>
-              <a:rPr lang="it-IT" altLang="it-IT"/>
-              <a:t>one facing the internal network, with an IP address in the same subnet as the servers</a:t>
+              <a:rPr lang="it-IT" altLang="it-IT" dirty="0"/>
+              <a:t>one </a:t>
+            </a:r>
+            <a:r>
+              <a:rPr lang="it-IT" altLang="it-IT" dirty="0" err="1"/>
+              <a:t>facing</a:t>
+            </a:r>
+            <a:r>
+              <a:rPr lang="it-IT" altLang="it-IT" dirty="0"/>
+              <a:t> the </a:t>
+            </a:r>
+            <a:r>
+              <a:rPr lang="it-IT" altLang="it-IT" dirty="0" err="1"/>
+              <a:t>internal</a:t>
+            </a:r>
+            <a:r>
+              <a:rPr lang="it-IT" altLang="it-IT" dirty="0"/>
+              <a:t> network, with an IP </a:t>
+            </a:r>
+            <a:r>
+              <a:rPr lang="it-IT" altLang="it-IT" dirty="0" err="1"/>
+              <a:t>address</a:t>
+            </a:r>
+            <a:r>
+              <a:rPr lang="it-IT" altLang="it-IT" dirty="0"/>
+              <a:t> in the </a:t>
+            </a:r>
+            <a:r>
+              <a:rPr lang="it-IT" altLang="it-IT" dirty="0" err="1"/>
+              <a:t>same</a:t>
+            </a:r>
+            <a:r>
+              <a:rPr lang="it-IT" altLang="it-IT" dirty="0"/>
+              <a:t> </a:t>
+            </a:r>
+            <a:r>
+              <a:rPr lang="it-IT" altLang="it-IT" dirty="0" err="1"/>
+              <a:t>subnet</a:t>
+            </a:r>
+            <a:r>
+              <a:rPr lang="it-IT" altLang="it-IT" dirty="0"/>
+              <a:t> </a:t>
+            </a:r>
+            <a:r>
+              <a:rPr lang="it-IT" altLang="it-IT" dirty="0" err="1"/>
+              <a:t>as</a:t>
+            </a:r>
+            <a:r>
+              <a:rPr lang="it-IT" altLang="it-IT" dirty="0"/>
+              <a:t> the servers</a:t>
             </a:r>
           </a:p>
           <a:p>
             <a:pPr lvl="1" eaLnBrk="1" hangingPunct="1"/>
             <a:r>
-              <a:rPr lang="it-IT" altLang="it-IT"/>
-              <a:t>one facing the external network, exposing a single </a:t>
-            </a:r>
-            <a:r>
-              <a:rPr lang="it-IT" altLang="it-IT">
+              <a:rPr lang="it-IT" altLang="it-IT" dirty="0"/>
+              <a:t>one </a:t>
+            </a:r>
+            <a:r>
+              <a:rPr lang="it-IT" altLang="it-IT" dirty="0" err="1"/>
+              <a:t>facing</a:t>
+            </a:r>
+            <a:r>
+              <a:rPr lang="it-IT" altLang="it-IT" dirty="0"/>
+              <a:t> the </a:t>
+            </a:r>
+            <a:r>
+              <a:rPr lang="it-IT" altLang="it-IT" dirty="0" err="1"/>
+              <a:t>external</a:t>
+            </a:r>
+            <a:r>
+              <a:rPr lang="it-IT" altLang="it-IT" dirty="0"/>
+              <a:t> network, </a:t>
+            </a:r>
+            <a:r>
+              <a:rPr lang="it-IT" altLang="it-IT" dirty="0" err="1"/>
+              <a:t>exposing</a:t>
+            </a:r>
+            <a:r>
+              <a:rPr lang="it-IT" altLang="it-IT" dirty="0"/>
+              <a:t> a single </a:t>
+            </a:r>
+            <a:r>
+              <a:rPr lang="it-IT" altLang="it-IT" dirty="0" err="1">
                 <a:solidFill>
                   <a:schemeClr val="accent1"/>
                 </a:solidFill>
               </a:rPr>
-              <a:t>virtual IP address</a:t>
-            </a:r>
-            <a:r>
-              <a:rPr lang="it-IT" altLang="it-IT"/>
+              <a:t>virtual</a:t>
+            </a:r>
+            <a:r>
+              <a:rPr lang="it-IT" altLang="it-IT" dirty="0">
+                <a:solidFill>
+                  <a:schemeClr val="accent1"/>
+                </a:solidFill>
+              </a:rPr>
+              <a:t> IP </a:t>
+            </a:r>
+            <a:r>
+              <a:rPr lang="it-IT" altLang="it-IT" dirty="0" err="1">
+                <a:solidFill>
+                  <a:schemeClr val="accent1"/>
+                </a:solidFill>
+              </a:rPr>
+              <a:t>address</a:t>
+            </a:r>
+            <a:r>
+              <a:rPr lang="it-IT" altLang="it-IT" dirty="0"/>
               <a:t> (</a:t>
             </a:r>
             <a:r>
-              <a:rPr lang="it-IT" altLang="it-IT">
+              <a:rPr lang="it-IT" altLang="it-IT" dirty="0">
                 <a:solidFill>
                   <a:schemeClr val="accent1"/>
                 </a:solidFill>
@@ -23091,17 +26771,73 @@
               <a:t>VIP</a:t>
             </a:r>
             <a:r>
-              <a:rPr lang="it-IT" altLang="it-IT"/>
+              <a:rPr lang="it-IT" altLang="it-IT" dirty="0"/>
               <a:t>) to the clients</a:t>
             </a:r>
           </a:p>
           <a:p>
             <a:pPr eaLnBrk="1" hangingPunct="1"/>
             <a:r>
-              <a:rPr lang="it-IT" altLang="it-IT"/>
-              <a:t>clients only see VIPs of the web switch: they do not know how many servers are in the farm</a:t>
-            </a:r>
-            <a:endParaRPr lang="it-IT" altLang="it-IT" b="1">
+              <a:rPr lang="it-IT" altLang="it-IT" dirty="0"/>
+              <a:t>clients </a:t>
+            </a:r>
+            <a:r>
+              <a:rPr lang="it-IT" altLang="it-IT" dirty="0" err="1"/>
+              <a:t>only</a:t>
+            </a:r>
+            <a:r>
+              <a:rPr lang="it-IT" altLang="it-IT" dirty="0"/>
+              <a:t> </a:t>
+            </a:r>
+            <a:r>
+              <a:rPr lang="it-IT" altLang="it-IT" dirty="0" err="1"/>
+              <a:t>see</a:t>
+            </a:r>
+            <a:r>
+              <a:rPr lang="it-IT" altLang="it-IT" dirty="0"/>
+              <a:t> </a:t>
+            </a:r>
+            <a:r>
+              <a:rPr lang="it-IT" altLang="it-IT" dirty="0" err="1"/>
+              <a:t>VIPs</a:t>
+            </a:r>
+            <a:r>
+              <a:rPr lang="it-IT" altLang="it-IT" dirty="0"/>
+              <a:t> of the web switch: </a:t>
+            </a:r>
+            <a:r>
+              <a:rPr lang="it-IT" altLang="it-IT" dirty="0" err="1"/>
+              <a:t>they</a:t>
+            </a:r>
+            <a:r>
+              <a:rPr lang="it-IT" altLang="it-IT" dirty="0"/>
+              <a:t> do </a:t>
+            </a:r>
+            <a:r>
+              <a:rPr lang="it-IT" altLang="it-IT" dirty="0" err="1"/>
+              <a:t>not</a:t>
+            </a:r>
+            <a:r>
+              <a:rPr lang="it-IT" altLang="it-IT" dirty="0"/>
+              <a:t> know </a:t>
+            </a:r>
+            <a:r>
+              <a:rPr lang="it-IT" altLang="it-IT" dirty="0" err="1"/>
+              <a:t>how</a:t>
+            </a:r>
+            <a:r>
+              <a:rPr lang="it-IT" altLang="it-IT" dirty="0"/>
+              <a:t> </a:t>
+            </a:r>
+            <a:r>
+              <a:rPr lang="it-IT" altLang="it-IT" dirty="0" err="1"/>
+              <a:t>many</a:t>
+            </a:r>
+            <a:r>
+              <a:rPr lang="it-IT" altLang="it-IT" dirty="0"/>
+              <a:t> servers are in the farm</a:t>
+            </a:r>
+            <a:endParaRPr lang="it-IT" altLang="it-IT" b="1" dirty="0">
               <a:latin typeface="Courier New" panose="02070309020205020404" pitchFamily="49" charset="0"/>
             </a:endParaRPr>
           </a:p>
@@ -23133,7 +26869,7 @@
             </a:pPr>
             <a:r>
               <a:rPr lang="it-IT" altLang="it-IT"/>
-              <a:t>last update: Nov 2019</a:t>
+              <a:t>last update: Oct 2023</a:t>
             </a:r>
           </a:p>
         </p:txBody>
@@ -23289,7 +27025,7 @@
             </a:pPr>
             <a:r>
               <a:rPr lang="it-IT" altLang="it-IT"/>
-              <a:t>last update: Nov 2019</a:t>
+              <a:t>last update: Oct 2023</a:t>
             </a:r>
           </a:p>
         </p:txBody>
@@ -23340,7 +27076,7 @@
         </p:nvGrpSpPr>
         <p:grpSpPr>
           <a:xfrm>
-            <a:off x="1055439" y="2782890"/>
+            <a:off x="1055439" y="2998914"/>
             <a:ext cx="10081121" cy="1510206"/>
             <a:chOff x="1055439" y="2782890"/>
             <a:chExt cx="10081121" cy="1510206"/>
@@ -24530,7 +28266,7 @@
             </a:pPr>
             <a:r>
               <a:rPr lang="it-IT" altLang="it-IT"/>
-              <a:t>last update: Nov 2019</a:t>
+              <a:t>last update: Oct 2023</a:t>
             </a:r>
           </a:p>
         </p:txBody>
@@ -25345,9 +29081,118 @@
               </a:lnSpc>
             </a:pPr>
             <a:r>
-              <a:rPr lang="it-IT" altLang="it-IT" sz="2800"/>
-              <a:t>once you have accessed one of the VIPs, you get a page stating which is the physical server that has served it</a:t>
-            </a:r>
+              <a:rPr lang="it-IT" altLang="it-IT" dirty="0"/>
+              <a:t>once </a:t>
+            </a:r>
+            <a:r>
+              <a:rPr lang="it-IT" altLang="it-IT" dirty="0" err="1"/>
+              <a:t>you</a:t>
+            </a:r>
+            <a:r>
+              <a:rPr lang="it-IT" altLang="it-IT" dirty="0"/>
+              <a:t> </a:t>
+            </a:r>
+            <a:r>
+              <a:rPr lang="it-IT" altLang="it-IT" dirty="0" err="1"/>
+              <a:t>have</a:t>
+            </a:r>
+            <a:r>
+              <a:rPr lang="it-IT" altLang="it-IT" dirty="0"/>
+              <a:t> </a:t>
+            </a:r>
+            <a:r>
+              <a:rPr lang="it-IT" altLang="it-IT" dirty="0" err="1"/>
+              <a:t>accessed</a:t>
+            </a:r>
+            <a:r>
+              <a:rPr lang="it-IT" altLang="it-IT" dirty="0"/>
+              <a:t> one of the </a:t>
+            </a:r>
+            <a:r>
+              <a:rPr lang="it-IT" altLang="it-IT" dirty="0" err="1"/>
+              <a:t>VIPs</a:t>
+            </a:r>
+            <a:r>
+              <a:rPr lang="it-IT" altLang="it-IT" dirty="0"/>
+              <a:t>, </a:t>
+            </a:r>
+            <a:r>
+              <a:rPr lang="it-IT" altLang="it-IT" dirty="0" err="1"/>
+              <a:t>you</a:t>
+            </a:r>
+            <a:r>
+              <a:rPr lang="it-IT" altLang="it-IT" dirty="0"/>
+              <a:t> </a:t>
+            </a:r>
+            <a:r>
+              <a:rPr lang="it-IT" altLang="it-IT" dirty="0" err="1"/>
+              <a:t>get</a:t>
+            </a:r>
+            <a:r>
+              <a:rPr lang="it-IT" altLang="it-IT" dirty="0"/>
+              <a:t> a page </a:t>
+            </a:r>
+            <a:r>
+              <a:rPr lang="it-IT" altLang="it-IT" dirty="0" err="1"/>
+              <a:t>stating</a:t>
+            </a:r>
+            <a:r>
+              <a:rPr lang="it-IT" altLang="it-IT" dirty="0"/>
+              <a:t> </a:t>
+            </a:r>
+            <a:r>
+              <a:rPr lang="it-IT" altLang="it-IT" dirty="0" err="1"/>
+              <a:t>which</a:t>
+            </a:r>
+            <a:r>
+              <a:rPr lang="it-IT" altLang="it-IT" dirty="0"/>
+              <a:t> </a:t>
+            </a:r>
+            <a:r>
+              <a:rPr lang="it-IT" altLang="it-IT" dirty="0" err="1"/>
+              <a:t>is</a:t>
+            </a:r>
+            <a:r>
+              <a:rPr lang="it-IT" altLang="it-IT" dirty="0"/>
+              <a:t> the </a:t>
+            </a:r>
+            <a:r>
+              <a:rPr lang="it-IT" altLang="it-IT" dirty="0" err="1"/>
+              <a:t>physical</a:t>
+            </a:r>
+            <a:r>
+              <a:rPr lang="it-IT" altLang="it-IT" dirty="0"/>
+              <a:t> server </a:t>
+            </a:r>
+            <a:r>
+              <a:rPr lang="it-IT" altLang="it-IT" dirty="0" err="1"/>
+              <a:t>that</a:t>
+            </a:r>
+            <a:r>
+              <a:rPr lang="it-IT" altLang="it-IT" dirty="0"/>
+              <a:t> </a:t>
+            </a:r>
+            <a:r>
+              <a:rPr lang="it-IT" altLang="it-IT" dirty="0" err="1"/>
+              <a:t>has</a:t>
+            </a:r>
+            <a:r>
+              <a:rPr lang="it-IT" altLang="it-IT" dirty="0"/>
+              <a:t> </a:t>
+            </a:r>
+            <a:r>
+              <a:rPr lang="it-IT" altLang="it-IT" dirty="0" err="1"/>
+              <a:t>served</a:t>
+            </a:r>
+            <a:r>
+              <a:rPr lang="it-IT" altLang="it-IT" dirty="0"/>
+              <a:t> </a:t>
+            </a:r>
+            <a:r>
+              <a:rPr lang="it-IT" altLang="it-IT" dirty="0" err="1"/>
+              <a:t>it</a:t>
+            </a:r>
+            <a:endParaRPr lang="it-IT" altLang="it-IT" dirty="0"/>
           </a:p>
           <a:p>
             <a:pPr eaLnBrk="1" hangingPunct="1">
@@ -25356,18 +29201,42 @@
               </a:lnSpc>
             </a:pPr>
             <a:r>
-              <a:rPr lang="it-IT" altLang="it-IT" sz="2800"/>
-              <a:t>load balancing can be checked by reloading the page (</a:t>
-            </a:r>
-            <a:r>
-              <a:rPr lang="it-IT" altLang="it-IT" sz="2800" b="1">
+              <a:rPr lang="it-IT" altLang="it-IT" dirty="0"/>
+              <a:t>load balancing can be </a:t>
+            </a:r>
+            <a:r>
+              <a:rPr lang="it-IT" altLang="it-IT" dirty="0" err="1"/>
+              <a:t>checked</a:t>
+            </a:r>
+            <a:r>
+              <a:rPr lang="it-IT" altLang="it-IT" dirty="0"/>
+              <a:t> by </a:t>
+            </a:r>
+            <a:r>
+              <a:rPr lang="it-IT" altLang="it-IT" dirty="0" err="1"/>
+              <a:t>reloading</a:t>
+            </a:r>
+            <a:r>
+              <a:rPr lang="it-IT" altLang="it-IT" dirty="0"/>
+              <a:t> the page (</a:t>
+            </a:r>
+            <a:r>
+              <a:rPr lang="it-IT" altLang="it-IT" b="1" dirty="0" err="1">
                 <a:latin typeface="Courier New" panose="02070309020205020404" pitchFamily="49" charset="0"/>
               </a:rPr>
               <a:t>ctrl+R</a:t>
             </a:r>
             <a:r>
-              <a:rPr lang="it-IT" altLang="it-IT" sz="2800"/>
-              <a:t>), but...</a:t>
+              <a:rPr lang="it-IT" altLang="it-IT" dirty="0"/>
+              <a:t>), </a:t>
+            </a:r>
+            <a:r>
+              <a:rPr lang="it-IT" altLang="it-IT" dirty="0" err="1"/>
+              <a:t>but</a:t>
+            </a:r>
+            <a:r>
+              <a:rPr lang="it-IT" altLang="it-IT" dirty="0"/>
+              <a:t>...</a:t>
             </a:r>
           </a:p>
         </p:txBody>
@@ -25398,7 +29267,7 @@
             </a:pPr>
             <a:r>
               <a:rPr lang="it-IT" altLang="it-IT"/>
-              <a:t>last update: Nov 2019</a:t>
+              <a:t>last update: Oct 2023</a:t>
             </a:r>
           </a:p>
         </p:txBody>
@@ -26309,9 +30178,9 @@
 </file>
 
 <file path=ppt/theme/theme2.xml><?xml version="1.0" encoding="utf-8"?>
-<a:theme xmlns:a="http://schemas.openxmlformats.org/drawingml/2006/main" name="Tema di Office">
+<a:theme xmlns:a="http://schemas.openxmlformats.org/drawingml/2006/main" name="1_slides-template">
   <a:themeElements>
-    <a:clrScheme name="">
+    <a:clrScheme name="slides-template 14">
       <a:dk1>
         <a:srgbClr val="000000"/>
       </a:dk1>
@@ -26319,16 +30188,16 @@
         <a:srgbClr val="FFFFFF"/>
       </a:lt1>
       <a:dk2>
-        <a:srgbClr val="000000"/>
+        <a:srgbClr val="FF0000"/>
       </a:dk2>
       <a:lt2>
         <a:srgbClr val="808080"/>
       </a:lt2>
       <a:accent1>
-        <a:srgbClr val="BBE0E3"/>
+        <a:srgbClr val="483FFF"/>
       </a:accent1>
       <a:accent2>
-        <a:srgbClr val="333399"/>
+        <a:srgbClr val="FCEA04"/>
       </a:accent2>
       <a:accent3>
         <a:srgbClr val="FFFFFF"/>
@@ -26337,10 +30206,10 @@
         <a:srgbClr val="000000"/>
       </a:accent4>
       <a:accent5>
-        <a:srgbClr val="DAEDEF"/>
+        <a:srgbClr val="B1AFFF"/>
       </a:accent5>
       <a:accent6>
-        <a:srgbClr val="2D2D8A"/>
+        <a:srgbClr val="E4D403"/>
       </a:accent6>
       <a:hlink>
         <a:srgbClr val="009999"/>
@@ -26349,110 +30218,16 @@
         <a:srgbClr val="99CC00"/>
       </a:folHlink>
     </a:clrScheme>
-    <a:fontScheme name="Office">
+    <a:fontScheme name="slides-template">
       <a:majorFont>
-        <a:latin typeface="Calibri Light" panose="020F0302020204030204"/>
+        <a:latin typeface="Tahoma"/>
         <a:ea typeface=""/>
         <a:cs typeface=""/>
-        <a:font script="Jpan" typeface="游ゴシック Light"/>
-        <a:font script="Hang" typeface="맑은 고딕"/>
-        <a:font script="Hans" typeface="等线 Light"/>
-        <a:font script="Hant" typeface="新細明體"/>
-        <a:font script="Arab" typeface="Times New Roman"/>
-        <a:font script="Hebr" typeface="Times New Roman"/>
-        <a:font script="Thai" typeface="Angsana New"/>
-        <a:font script="Ethi" typeface="Nyala"/>
-        <a:font script="Beng" typeface="Vrinda"/>
-        <a:font script="Gujr" typeface="Shruti"/>
-        <a:font script="Khmr" typeface="MoolBoran"/>
-        <a:font script="Knda" typeface="Tunga"/>
-        <a:font script="Guru" typeface="Raavi"/>
-        <a:font script="Cans" typeface="Euphemia"/>
-        <a:font script="Cher" typeface="Plantagenet Cherokee"/>
-        <a:font script="Yiii" typeface="Microsoft Yi Baiti"/>
-        <a:font script="Tibt" typeface="Microsoft Himalaya"/>
-        <a:font script="Thaa" typeface="MV Boli"/>
-        <a:font script="Deva" typeface="Mangal"/>
-        <a:font script="Telu" typeface="Gautami"/>
-        <a:font script="Taml" typeface="Latha"/>
-        <a:font script="Syrc" typeface="Estrangelo Edessa"/>
-        <a:font script="Orya" typeface="Kalinga"/>
-        <a:font script="Mlym" typeface="Kartika"/>
-        <a:font script="Laoo" typeface="DokChampa"/>
-        <a:font script="Sinh" typeface="Iskoola Pota"/>
-        <a:font script="Mong" typeface="Mongolian Baiti"/>
-        <a:font script="Viet" typeface="Times New Roman"/>
-        <a:font script="Uigh" typeface="Microsoft Uighur"/>
-        <a:font script="Geor" typeface="Sylfaen"/>
-        <a:font script="Armn" typeface="Arial"/>
-        <a:font script="Bugi" typeface="Leelawadee UI"/>
-        <a:font script="Bopo" typeface="Microsoft JhengHei"/>
-        <a:font script="Java" typeface="Javanese Text"/>
-        <a:font script="Lisu" typeface="Segoe UI"/>
-        <a:font script="Mymr" typeface="Myanmar Text"/>
-        <a:font script="Nkoo" typeface="Ebrima"/>
-        <a:font script="Olck" typeface="Nirmala UI"/>
-        <a:font script="Osma" typeface="Ebrima"/>
-        <a:font script="Phag" typeface="Phagspa"/>
-        <a:font script="Syrn" typeface="Estrangelo Edessa"/>
-        <a:font script="Syrj" typeface="Estrangelo Edessa"/>
-        <a:font script="Syre" typeface="Estrangelo Edessa"/>
-        <a:font script="Sora" typeface="Nirmala UI"/>
-        <a:font script="Tale" typeface="Microsoft Tai Le"/>
-        <a:font script="Talu" typeface="Microsoft New Tai Lue"/>
-        <a:font script="Tfng" typeface="Ebrima"/>
       </a:majorFont>
       <a:minorFont>
-        <a:latin typeface="Calibri" panose="020F0502020204030204"/>
+        <a:latin typeface="Tahoma"/>
         <a:ea typeface=""/>
         <a:cs typeface=""/>
-        <a:font script="Jpan" typeface="游ゴシック"/>
-        <a:font script="Hang" typeface="맑은 고딕"/>
-        <a:font script="Hans" typeface="等线"/>
-        <a:font script="Hant" typeface="新細明體"/>
-        <a:font script="Arab" typeface="Arial"/>
-        <a:font script="Hebr" typeface="Arial"/>
-        <a:font script="Thai" typeface="Cordia New"/>
-        <a:font script="Ethi" typeface="Nyala"/>
-        <a:font script="Beng" typeface="Vrinda"/>
-        <a:font script="Gujr" typeface="Shruti"/>
-        <a:font script="Khmr" typeface="DaunPenh"/>
-        <a:font script="Knda" typeface="Tunga"/>
-        <a:font script="Guru" typeface="Raavi"/>
-        <a:font script="Cans" typeface="Euphemia"/>
-        <a:font script="Cher" typeface="Plantagenet Cherokee"/>
-        <a:font script="Yiii" typeface="Microsoft Yi Baiti"/>
-        <a:font script="Tibt" typeface="Microsoft Himalaya"/>
-        <a:font script="Thaa" typeface="MV Boli"/>
-        <a:font script="Deva" typeface="Mangal"/>
-        <a:font script="Telu" typeface="Gautami"/>
-        <a:font script="Taml" typeface="Latha"/>
-        <a:font script="Syrc" typeface="Estrangelo Edessa"/>
-        <a:font script="Orya" typeface="Kalinga"/>
-        <a:font script="Mlym" typeface="Kartika"/>
-        <a:font script="Laoo" typeface="DokChampa"/>
-        <a:font script="Sinh" typeface="Iskoola Pota"/>
-        <a:font script="Mong" typeface="Mongolian Baiti"/>
-        <a:font script="Viet" typeface="Arial"/>
-        <a:font script="Uigh" typeface="Microsoft Uighur"/>
-        <a:font script="Geor" typeface="Sylfaen"/>
-        <a:font script="Armn" typeface="Arial"/>
-        <a:font script="Bugi" typeface="Leelawadee UI"/>
-        <a:font script="Bopo" typeface="Microsoft JhengHei"/>
-        <a:font script="Java" typeface="Javanese Text"/>
-        <a:font script="Lisu" typeface="Segoe UI"/>
-        <a:font script="Mymr" typeface="Myanmar Text"/>
-        <a:font script="Nkoo" typeface="Ebrima"/>
-        <a:font script="Olck" typeface="Nirmala UI"/>
-        <a:font script="Osma" typeface="Ebrima"/>
-        <a:font script="Phag" typeface="Phagspa"/>
-        <a:font script="Syrn" typeface="Estrangelo Edessa"/>
-        <a:font script="Syrj" typeface="Estrangelo Edessa"/>
-        <a:font script="Syre" typeface="Estrangelo Edessa"/>
-        <a:font script="Sora" typeface="Nirmala UI"/>
-        <a:font script="Tale" typeface="Microsoft Tai Le"/>
-        <a:font script="Talu" typeface="Microsoft New Tai Lue"/>
-        <a:font script="Tfng" typeface="Ebrima"/>
       </a:minorFont>
     </a:fontScheme>
     <a:fmtScheme name="Office">
@@ -26464,140 +30239,744 @@
           <a:gsLst>
             <a:gs pos="0">
               <a:schemeClr val="phClr">
-                <a:lumMod val="110000"/>
-                <a:satMod val="105000"/>
-                <a:tint val="67000"/>
+                <a:tint val="50000"/>
+                <a:satMod val="300000"/>
               </a:schemeClr>
             </a:gs>
-            <a:gs pos="50000">
+            <a:gs pos="35000">
               <a:schemeClr val="phClr">
-                <a:lumMod val="105000"/>
-                <a:satMod val="103000"/>
-                <a:tint val="73000"/>
+                <a:tint val="37000"/>
+                <a:satMod val="300000"/>
               </a:schemeClr>
             </a:gs>
             <a:gs pos="100000">
               <a:schemeClr val="phClr">
-                <a:lumMod val="105000"/>
-                <a:satMod val="109000"/>
-                <a:tint val="81000"/>
+                <a:tint val="15000"/>
+                <a:satMod val="350000"/>
               </a:schemeClr>
             </a:gs>
           </a:gsLst>
-          <a:lin ang="5400000" scaled="0"/>
+          <a:lin ang="16200000" scaled="1"/>
         </a:gradFill>
         <a:gradFill rotWithShape="1">
           <a:gsLst>
             <a:gs pos="0">
               <a:schemeClr val="phClr">
-                <a:satMod val="103000"/>
-                <a:lumMod val="102000"/>
-                <a:tint val="94000"/>
+                <a:shade val="51000"/>
+                <a:satMod val="130000"/>
               </a:schemeClr>
             </a:gs>
-            <a:gs pos="50000">
+            <a:gs pos="80000">
               <a:schemeClr val="phClr">
-                <a:satMod val="110000"/>
-                <a:lumMod val="100000"/>
-                <a:shade val="100000"/>
+                <a:shade val="93000"/>
+                <a:satMod val="130000"/>
               </a:schemeClr>
             </a:gs>
             <a:gs pos="100000">
               <a:schemeClr val="phClr">
-                <a:lumMod val="99000"/>
-                <a:satMod val="120000"/>
-                <a:shade val="78000"/>
+                <a:shade val="94000"/>
+                <a:satMod val="135000"/>
               </a:schemeClr>
             </a:gs>
           </a:gsLst>
-          <a:lin ang="5400000" scaled="0"/>
+          <a:lin ang="16200000" scaled="0"/>
         </a:gradFill>
       </a:fillStyleLst>
       <a:lnStyleLst>
-        <a:ln w="6350" cap="flat" cmpd="sng" algn="ctr">
+        <a:ln w="9525" cap="flat" cmpd="sng" algn="ctr">
+          <a:solidFill>
+            <a:schemeClr val="phClr">
+              <a:shade val="95000"/>
+              <a:satMod val="105000"/>
+            </a:schemeClr>
+          </a:solidFill>
+          <a:prstDash val="solid"/>
+        </a:ln>
+        <a:ln w="25400" cap="flat" cmpd="sng" algn="ctr">
           <a:solidFill>
             <a:schemeClr val="phClr"/>
           </a:solidFill>
           <a:prstDash val="solid"/>
-          <a:miter lim="800000"/>
         </a:ln>
-        <a:ln w="12700" cap="flat" cmpd="sng" algn="ctr">
+        <a:ln w="38100" cap="flat" cmpd="sng" algn="ctr">
           <a:solidFill>
             <a:schemeClr val="phClr"/>
           </a:solidFill>
           <a:prstDash val="solid"/>
-          <a:miter lim="800000"/>
-        </a:ln>
-        <a:ln w="19050" cap="flat" cmpd="sng" algn="ctr">
-          <a:solidFill>
-            <a:schemeClr val="phClr"/>
-          </a:solidFill>
-          <a:prstDash val="solid"/>
-          <a:miter lim="800000"/>
         </a:ln>
       </a:lnStyleLst>
       <a:effectStyleLst>
         <a:effectStyle>
-          <a:effectLst/>
-        </a:effectStyle>
-        <a:effectStyle>
-          <a:effectLst/>
+          <a:effectLst>
+            <a:outerShdw blurRad="40000" dist="20000" dir="5400000" rotWithShape="0">
+              <a:srgbClr val="000000">
+                <a:alpha val="38000"/>
+              </a:srgbClr>
+            </a:outerShdw>
+          </a:effectLst>
         </a:effectStyle>
         <a:effectStyle>
           <a:effectLst>
-            <a:outerShdw blurRad="57150" dist="19050" dir="5400000" algn="ctr" rotWithShape="0">
+            <a:outerShdw blurRad="40000" dist="23000" dir="5400000" rotWithShape="0">
               <a:srgbClr val="000000">
-                <a:alpha val="63000"/>
+                <a:alpha val="35000"/>
               </a:srgbClr>
             </a:outerShdw>
           </a:effectLst>
+        </a:effectStyle>
+        <a:effectStyle>
+          <a:effectLst>
+            <a:outerShdw blurRad="40000" dist="23000" dir="5400000" rotWithShape="0">
+              <a:srgbClr val="000000">
+                <a:alpha val="35000"/>
+              </a:srgbClr>
+            </a:outerShdw>
+          </a:effectLst>
+          <a:scene3d>
+            <a:camera prst="orthographicFront">
+              <a:rot lat="0" lon="0" rev="0"/>
+            </a:camera>
+            <a:lightRig rig="threePt" dir="t">
+              <a:rot lat="0" lon="0" rev="1200000"/>
+            </a:lightRig>
+          </a:scene3d>
+          <a:sp3d>
+            <a:bevelT w="63500" h="25400"/>
+          </a:sp3d>
         </a:effectStyle>
       </a:effectStyleLst>
       <a:bgFillStyleLst>
         <a:solidFill>
           <a:schemeClr val="phClr"/>
         </a:solidFill>
-        <a:solidFill>
-          <a:schemeClr val="phClr">
-            <a:tint val="95000"/>
-            <a:satMod val="170000"/>
-          </a:schemeClr>
-        </a:solidFill>
         <a:gradFill rotWithShape="1">
           <a:gsLst>
             <a:gs pos="0">
               <a:schemeClr val="phClr">
-                <a:tint val="93000"/>
-                <a:satMod val="150000"/>
-                <a:shade val="98000"/>
-                <a:lumMod val="102000"/>
+                <a:tint val="40000"/>
+                <a:satMod val="350000"/>
               </a:schemeClr>
             </a:gs>
-            <a:gs pos="50000">
+            <a:gs pos="40000">
               <a:schemeClr val="phClr">
-                <a:tint val="98000"/>
-                <a:satMod val="130000"/>
-                <a:shade val="90000"/>
-                <a:lumMod val="103000"/>
+                <a:tint val="45000"/>
+                <a:shade val="99000"/>
+                <a:satMod val="350000"/>
               </a:schemeClr>
             </a:gs>
             <a:gs pos="100000">
               <a:schemeClr val="phClr">
-                <a:shade val="63000"/>
-                <a:satMod val="120000"/>
+                <a:shade val="20000"/>
+                <a:satMod val="255000"/>
               </a:schemeClr>
             </a:gs>
           </a:gsLst>
-          <a:lin ang="5400000" scaled="0"/>
+          <a:path path="circle">
+            <a:fillToRect l="50000" t="-80000" r="50000" b="180000"/>
+          </a:path>
+        </a:gradFill>
+        <a:gradFill rotWithShape="1">
+          <a:gsLst>
+            <a:gs pos="0">
+              <a:schemeClr val="phClr">
+                <a:tint val="80000"/>
+                <a:satMod val="300000"/>
+              </a:schemeClr>
+            </a:gs>
+            <a:gs pos="100000">
+              <a:schemeClr val="phClr">
+                <a:shade val="30000"/>
+                <a:satMod val="200000"/>
+              </a:schemeClr>
+            </a:gs>
+          </a:gsLst>
+          <a:path path="circle">
+            <a:fillToRect l="50000" t="50000" r="50000" b="50000"/>
+          </a:path>
         </a:gradFill>
       </a:bgFillStyleLst>
     </a:fmtScheme>
   </a:themeElements>
   <a:objectDefaults/>
-  <a:extraClrSchemeLst/>
+  <a:extraClrSchemeLst>
+    <a:extraClrScheme>
+      <a:clrScheme name="slides-template 1">
+        <a:dk1>
+          <a:srgbClr val="000000"/>
+        </a:dk1>
+        <a:lt1>
+          <a:srgbClr val="FFFFFF"/>
+        </a:lt1>
+        <a:dk2>
+          <a:srgbClr val="000000"/>
+        </a:dk2>
+        <a:lt2>
+          <a:srgbClr val="808080"/>
+        </a:lt2>
+        <a:accent1>
+          <a:srgbClr val="BBE0E3"/>
+        </a:accent1>
+        <a:accent2>
+          <a:srgbClr val="333399"/>
+        </a:accent2>
+        <a:accent3>
+          <a:srgbClr val="FFFFFF"/>
+        </a:accent3>
+        <a:accent4>
+          <a:srgbClr val="000000"/>
+        </a:accent4>
+        <a:accent5>
+          <a:srgbClr val="DAEDEF"/>
+        </a:accent5>
+        <a:accent6>
+          <a:srgbClr val="2D2D8A"/>
+        </a:accent6>
+        <a:hlink>
+          <a:srgbClr val="009999"/>
+        </a:hlink>
+        <a:folHlink>
+          <a:srgbClr val="99CC00"/>
+        </a:folHlink>
+      </a:clrScheme>
+      <a:clrMap bg1="lt1" tx1="dk1" bg2="lt2" tx2="dk2" accent1="accent1" accent2="accent2" accent3="accent3" accent4="accent4" accent5="accent5" accent6="accent6" hlink="hlink" folHlink="folHlink"/>
+    </a:extraClrScheme>
+    <a:extraClrScheme>
+      <a:clrScheme name="slides-template 2">
+        <a:dk1>
+          <a:srgbClr val="000000"/>
+        </a:dk1>
+        <a:lt1>
+          <a:srgbClr val="FFFFFF"/>
+        </a:lt1>
+        <a:dk2>
+          <a:srgbClr val="000000"/>
+        </a:dk2>
+        <a:lt2>
+          <a:srgbClr val="969696"/>
+        </a:lt2>
+        <a:accent1>
+          <a:srgbClr val="FBDF53"/>
+        </a:accent1>
+        <a:accent2>
+          <a:srgbClr val="FF9966"/>
+        </a:accent2>
+        <a:accent3>
+          <a:srgbClr val="FFFFFF"/>
+        </a:accent3>
+        <a:accent4>
+          <a:srgbClr val="000000"/>
+        </a:accent4>
+        <a:accent5>
+          <a:srgbClr val="FDECB3"/>
+        </a:accent5>
+        <a:accent6>
+          <a:srgbClr val="E78A5C"/>
+        </a:accent6>
+        <a:hlink>
+          <a:srgbClr val="CC3300"/>
+        </a:hlink>
+        <a:folHlink>
+          <a:srgbClr val="996600"/>
+        </a:folHlink>
+      </a:clrScheme>
+      <a:clrMap bg1="lt1" tx1="dk1" bg2="lt2" tx2="dk2" accent1="accent1" accent2="accent2" accent3="accent3" accent4="accent4" accent5="accent5" accent6="accent6" hlink="hlink" folHlink="folHlink"/>
+    </a:extraClrScheme>
+    <a:extraClrScheme>
+      <a:clrScheme name="slides-template 3">
+        <a:dk1>
+          <a:srgbClr val="000000"/>
+        </a:dk1>
+        <a:lt1>
+          <a:srgbClr val="FFFFFF"/>
+        </a:lt1>
+        <a:dk2>
+          <a:srgbClr val="000000"/>
+        </a:dk2>
+        <a:lt2>
+          <a:srgbClr val="808080"/>
+        </a:lt2>
+        <a:accent1>
+          <a:srgbClr val="99CCFF"/>
+        </a:accent1>
+        <a:accent2>
+          <a:srgbClr val="CCCCFF"/>
+        </a:accent2>
+        <a:accent3>
+          <a:srgbClr val="FFFFFF"/>
+        </a:accent3>
+        <a:accent4>
+          <a:srgbClr val="000000"/>
+        </a:accent4>
+        <a:accent5>
+          <a:srgbClr val="CAE2FF"/>
+        </a:accent5>
+        <a:accent6>
+          <a:srgbClr val="B9B9E7"/>
+        </a:accent6>
+        <a:hlink>
+          <a:srgbClr val="3333CC"/>
+        </a:hlink>
+        <a:folHlink>
+          <a:srgbClr val="AF67FF"/>
+        </a:folHlink>
+      </a:clrScheme>
+      <a:clrMap bg1="lt1" tx1="dk1" bg2="lt2" tx2="dk2" accent1="accent1" accent2="accent2" accent3="accent3" accent4="accent4" accent5="accent5" accent6="accent6" hlink="hlink" folHlink="folHlink"/>
+    </a:extraClrScheme>
+    <a:extraClrScheme>
+      <a:clrScheme name="slides-template 4">
+        <a:dk1>
+          <a:srgbClr val="000000"/>
+        </a:dk1>
+        <a:lt1>
+          <a:srgbClr val="DEF6F1"/>
+        </a:lt1>
+        <a:dk2>
+          <a:srgbClr val="000000"/>
+        </a:dk2>
+        <a:lt2>
+          <a:srgbClr val="969696"/>
+        </a:lt2>
+        <a:accent1>
+          <a:srgbClr val="FFFFFF"/>
+        </a:accent1>
+        <a:accent2>
+          <a:srgbClr val="8DC6FF"/>
+        </a:accent2>
+        <a:accent3>
+          <a:srgbClr val="ECFAF7"/>
+        </a:accent3>
+        <a:accent4>
+          <a:srgbClr val="000000"/>
+        </a:accent4>
+        <a:accent5>
+          <a:srgbClr val="FFFFFF"/>
+        </a:accent5>
+        <a:accent6>
+          <a:srgbClr val="7FB3E7"/>
+        </a:accent6>
+        <a:hlink>
+          <a:srgbClr val="0066CC"/>
+        </a:hlink>
+        <a:folHlink>
+          <a:srgbClr val="00A800"/>
+        </a:folHlink>
+      </a:clrScheme>
+      <a:clrMap bg1="lt1" tx1="dk1" bg2="lt2" tx2="dk2" accent1="accent1" accent2="accent2" accent3="accent3" accent4="accent4" accent5="accent5" accent6="accent6" hlink="hlink" folHlink="folHlink"/>
+    </a:extraClrScheme>
+    <a:extraClrScheme>
+      <a:clrScheme name="slides-template 5">
+        <a:dk1>
+          <a:srgbClr val="000000"/>
+        </a:dk1>
+        <a:lt1>
+          <a:srgbClr val="FFFFD9"/>
+        </a:lt1>
+        <a:dk2>
+          <a:srgbClr val="000000"/>
+        </a:dk2>
+        <a:lt2>
+          <a:srgbClr val="777777"/>
+        </a:lt2>
+        <a:accent1>
+          <a:srgbClr val="FFFFF7"/>
+        </a:accent1>
+        <a:accent2>
+          <a:srgbClr val="33CCCC"/>
+        </a:accent2>
+        <a:accent3>
+          <a:srgbClr val="FFFFE9"/>
+        </a:accent3>
+        <a:accent4>
+          <a:srgbClr val="000000"/>
+        </a:accent4>
+        <a:accent5>
+          <a:srgbClr val="FFFFFA"/>
+        </a:accent5>
+        <a:accent6>
+          <a:srgbClr val="2DB9B9"/>
+        </a:accent6>
+        <a:hlink>
+          <a:srgbClr val="FF5050"/>
+        </a:hlink>
+        <a:folHlink>
+          <a:srgbClr val="FF9900"/>
+        </a:folHlink>
+      </a:clrScheme>
+      <a:clrMap bg1="lt1" tx1="dk1" bg2="lt2" tx2="dk2" accent1="accent1" accent2="accent2" accent3="accent3" accent4="accent4" accent5="accent5" accent6="accent6" hlink="hlink" folHlink="folHlink"/>
+    </a:extraClrScheme>
+    <a:extraClrScheme>
+      <a:clrScheme name="slides-template 6">
+        <a:dk1>
+          <a:srgbClr val="005A58"/>
+        </a:dk1>
+        <a:lt1>
+          <a:srgbClr val="FFFFFF"/>
+        </a:lt1>
+        <a:dk2>
+          <a:srgbClr val="008080"/>
+        </a:dk2>
+        <a:lt2>
+          <a:srgbClr val="FFFF99"/>
+        </a:lt2>
+        <a:accent1>
+          <a:srgbClr val="006462"/>
+        </a:accent1>
+        <a:accent2>
+          <a:srgbClr val="6D6FC7"/>
+        </a:accent2>
+        <a:accent3>
+          <a:srgbClr val="AAC0C0"/>
+        </a:accent3>
+        <a:accent4>
+          <a:srgbClr val="DADADA"/>
+        </a:accent4>
+        <a:accent5>
+          <a:srgbClr val="AAB8B7"/>
+        </a:accent5>
+        <a:accent6>
+          <a:srgbClr val="6264B4"/>
+        </a:accent6>
+        <a:hlink>
+          <a:srgbClr val="00FFFF"/>
+        </a:hlink>
+        <a:folHlink>
+          <a:srgbClr val="00FF00"/>
+        </a:folHlink>
+      </a:clrScheme>
+      <a:clrMap bg1="dk2" tx1="lt1" bg2="dk1" tx2="lt2" accent1="accent1" accent2="accent2" accent3="accent3" accent4="accent4" accent5="accent5" accent6="accent6" hlink="hlink" folHlink="folHlink"/>
+    </a:extraClrScheme>
+    <a:extraClrScheme>
+      <a:clrScheme name="slides-template 7">
+        <a:dk1>
+          <a:srgbClr val="5C1F00"/>
+        </a:dk1>
+        <a:lt1>
+          <a:srgbClr val="FFFFFF"/>
+        </a:lt1>
+        <a:dk2>
+          <a:srgbClr val="800000"/>
+        </a:dk2>
+        <a:lt2>
+          <a:srgbClr val="DFD293"/>
+        </a:lt2>
+        <a:accent1>
+          <a:srgbClr val="CC3300"/>
+        </a:accent1>
+        <a:accent2>
+          <a:srgbClr val="BE7960"/>
+        </a:accent2>
+        <a:accent3>
+          <a:srgbClr val="C0AAAA"/>
+        </a:accent3>
+        <a:accent4>
+          <a:srgbClr val="DADADA"/>
+        </a:accent4>
+        <a:accent5>
+          <a:srgbClr val="E2ADAA"/>
+        </a:accent5>
+        <a:accent6>
+          <a:srgbClr val="AC6D56"/>
+        </a:accent6>
+        <a:hlink>
+          <a:srgbClr val="FFFF99"/>
+        </a:hlink>
+        <a:folHlink>
+          <a:srgbClr val="D3A219"/>
+        </a:folHlink>
+      </a:clrScheme>
+      <a:clrMap bg1="dk2" tx1="lt1" bg2="dk1" tx2="lt2" accent1="accent1" accent2="accent2" accent3="accent3" accent4="accent4" accent5="accent5" accent6="accent6" hlink="hlink" folHlink="folHlink"/>
+    </a:extraClrScheme>
+    <a:extraClrScheme>
+      <a:clrScheme name="slides-template 8">
+        <a:dk1>
+          <a:srgbClr val="003366"/>
+        </a:dk1>
+        <a:lt1>
+          <a:srgbClr val="FFFFFF"/>
+        </a:lt1>
+        <a:dk2>
+          <a:srgbClr val="000099"/>
+        </a:dk2>
+        <a:lt2>
+          <a:srgbClr val="CCFFFF"/>
+        </a:lt2>
+        <a:accent1>
+          <a:srgbClr val="3366CC"/>
+        </a:accent1>
+        <a:accent2>
+          <a:srgbClr val="00B000"/>
+        </a:accent2>
+        <a:accent3>
+          <a:srgbClr val="AAAACA"/>
+        </a:accent3>
+        <a:accent4>
+          <a:srgbClr val="DADADA"/>
+        </a:accent4>
+        <a:accent5>
+          <a:srgbClr val="ADB8E2"/>
+        </a:accent5>
+        <a:accent6>
+          <a:srgbClr val="009F00"/>
+        </a:accent6>
+        <a:hlink>
+          <a:srgbClr val="66CCFF"/>
+        </a:hlink>
+        <a:folHlink>
+          <a:srgbClr val="FFE701"/>
+        </a:folHlink>
+      </a:clrScheme>
+      <a:clrMap bg1="dk2" tx1="lt1" bg2="dk1" tx2="lt2" accent1="accent1" accent2="accent2" accent3="accent3" accent4="accent4" accent5="accent5" accent6="accent6" hlink="hlink" folHlink="folHlink"/>
+    </a:extraClrScheme>
+    <a:extraClrScheme>
+      <a:clrScheme name="slides-template 9">
+        <a:dk1>
+          <a:srgbClr val="336699"/>
+        </a:dk1>
+        <a:lt1>
+          <a:srgbClr val="FFFFFF"/>
+        </a:lt1>
+        <a:dk2>
+          <a:srgbClr val="000000"/>
+        </a:dk2>
+        <a:lt2>
+          <a:srgbClr val="E3EBF1"/>
+        </a:lt2>
+        <a:accent1>
+          <a:srgbClr val="003399"/>
+        </a:accent1>
+        <a:accent2>
+          <a:srgbClr val="468A4B"/>
+        </a:accent2>
+        <a:accent3>
+          <a:srgbClr val="AAAAAA"/>
+        </a:accent3>
+        <a:accent4>
+          <a:srgbClr val="DADADA"/>
+        </a:accent4>
+        <a:accent5>
+          <a:srgbClr val="AAADCA"/>
+        </a:accent5>
+        <a:accent6>
+          <a:srgbClr val="3F7D43"/>
+        </a:accent6>
+        <a:hlink>
+          <a:srgbClr val="66CCFF"/>
+        </a:hlink>
+        <a:folHlink>
+          <a:srgbClr val="F0E500"/>
+        </a:folHlink>
+      </a:clrScheme>
+      <a:clrMap bg1="dk2" tx1="lt1" bg2="dk1" tx2="lt2" accent1="accent1" accent2="accent2" accent3="accent3" accent4="accent4" accent5="accent5" accent6="accent6" hlink="hlink" folHlink="folHlink"/>
+    </a:extraClrScheme>
+    <a:extraClrScheme>
+      <a:clrScheme name="slides-template 10">
+        <a:dk1>
+          <a:srgbClr val="777777"/>
+        </a:dk1>
+        <a:lt1>
+          <a:srgbClr val="FFFFFF"/>
+        </a:lt1>
+        <a:dk2>
+          <a:srgbClr val="686B5D"/>
+        </a:dk2>
+        <a:lt2>
+          <a:srgbClr val="D1D1CB"/>
+        </a:lt2>
+        <a:accent1>
+          <a:srgbClr val="909082"/>
+        </a:accent1>
+        <a:accent2>
+          <a:srgbClr val="809EA8"/>
+        </a:accent2>
+        <a:accent3>
+          <a:srgbClr val="B9BAB6"/>
+        </a:accent3>
+        <a:accent4>
+          <a:srgbClr val="DADADA"/>
+        </a:accent4>
+        <a:accent5>
+          <a:srgbClr val="C6C6C1"/>
+        </a:accent5>
+        <a:accent6>
+          <a:srgbClr val="738F98"/>
+        </a:accent6>
+        <a:hlink>
+          <a:srgbClr val="FFCC66"/>
+        </a:hlink>
+        <a:folHlink>
+          <a:srgbClr val="E9DCB9"/>
+        </a:folHlink>
+      </a:clrScheme>
+      <a:clrMap bg1="dk2" tx1="lt1" bg2="dk1" tx2="lt2" accent1="accent1" accent2="accent2" accent3="accent3" accent4="accent4" accent5="accent5" accent6="accent6" hlink="hlink" folHlink="folHlink"/>
+    </a:extraClrScheme>
+    <a:extraClrScheme>
+      <a:clrScheme name="slides-template 11">
+        <a:dk1>
+          <a:srgbClr val="3E3E5C"/>
+        </a:dk1>
+        <a:lt1>
+          <a:srgbClr val="FFFFFF"/>
+        </a:lt1>
+        <a:dk2>
+          <a:srgbClr val="666699"/>
+        </a:dk2>
+        <a:lt2>
+          <a:srgbClr val="FFFFFF"/>
+        </a:lt2>
+        <a:accent1>
+          <a:srgbClr val="60597B"/>
+        </a:accent1>
+        <a:accent2>
+          <a:srgbClr val="6666FF"/>
+        </a:accent2>
+        <a:accent3>
+          <a:srgbClr val="B8B8CA"/>
+        </a:accent3>
+        <a:accent4>
+          <a:srgbClr val="DADADA"/>
+        </a:accent4>
+        <a:accent5>
+          <a:srgbClr val="B6B5BF"/>
+        </a:accent5>
+        <a:accent6>
+          <a:srgbClr val="5C5CE7"/>
+        </a:accent6>
+        <a:hlink>
+          <a:srgbClr val="99CCFF"/>
+        </a:hlink>
+        <a:folHlink>
+          <a:srgbClr val="FFFF99"/>
+        </a:folHlink>
+      </a:clrScheme>
+      <a:clrMap bg1="dk2" tx1="lt1" bg2="dk1" tx2="lt2" accent1="accent1" accent2="accent2" accent3="accent3" accent4="accent4" accent5="accent5" accent6="accent6" hlink="hlink" folHlink="folHlink"/>
+    </a:extraClrScheme>
+    <a:extraClrScheme>
+      <a:clrScheme name="slides-template 12">
+        <a:dk1>
+          <a:srgbClr val="2D2015"/>
+        </a:dk1>
+        <a:lt1>
+          <a:srgbClr val="FFFFFF"/>
+        </a:lt1>
+        <a:dk2>
+          <a:srgbClr val="523E26"/>
+        </a:dk2>
+        <a:lt2>
+          <a:srgbClr val="DFC08D"/>
+        </a:lt2>
+        <a:accent1>
+          <a:srgbClr val="8C7B70"/>
+        </a:accent1>
+        <a:accent2>
+          <a:srgbClr val="8F5F2F"/>
+        </a:accent2>
+        <a:accent3>
+          <a:srgbClr val="B3AFAC"/>
+        </a:accent3>
+        <a:accent4>
+          <a:srgbClr val="DADADA"/>
+        </a:accent4>
+        <a:accent5>
+          <a:srgbClr val="C5BFBB"/>
+        </a:accent5>
+        <a:accent6>
+          <a:srgbClr val="81552A"/>
+        </a:accent6>
+        <a:hlink>
+          <a:srgbClr val="CCB400"/>
+        </a:hlink>
+        <a:folHlink>
+          <a:srgbClr val="8C9EA0"/>
+        </a:folHlink>
+      </a:clrScheme>
+      <a:clrMap bg1="dk2" tx1="lt1" bg2="dk1" tx2="lt2" accent1="accent1" accent2="accent2" accent3="accent3" accent4="accent4" accent5="accent5" accent6="accent6" hlink="hlink" folHlink="folHlink"/>
+    </a:extraClrScheme>
+    <a:extraClrScheme>
+      <a:clrScheme name="slides-template 13">
+        <a:dk1>
+          <a:srgbClr val="000000"/>
+        </a:dk1>
+        <a:lt1>
+          <a:srgbClr val="FFFFFF"/>
+        </a:lt1>
+        <a:dk2>
+          <a:srgbClr val="FF0000"/>
+        </a:dk2>
+        <a:lt2>
+          <a:srgbClr val="808080"/>
+        </a:lt2>
+        <a:accent1>
+          <a:srgbClr val="99C4DF"/>
+        </a:accent1>
+        <a:accent2>
+          <a:srgbClr val="FCEA04"/>
+        </a:accent2>
+        <a:accent3>
+          <a:srgbClr val="FFFFFF"/>
+        </a:accent3>
+        <a:accent4>
+          <a:srgbClr val="000000"/>
+        </a:accent4>
+        <a:accent5>
+          <a:srgbClr val="CADEEC"/>
+        </a:accent5>
+        <a:accent6>
+          <a:srgbClr val="E4D403"/>
+        </a:accent6>
+        <a:hlink>
+          <a:srgbClr val="009999"/>
+        </a:hlink>
+        <a:folHlink>
+          <a:srgbClr val="99CC00"/>
+        </a:folHlink>
+      </a:clrScheme>
+      <a:clrMap bg1="lt1" tx1="dk1" bg2="lt2" tx2="dk2" accent1="accent1" accent2="accent2" accent3="accent3" accent4="accent4" accent5="accent5" accent6="accent6" hlink="hlink" folHlink="folHlink"/>
+    </a:extraClrScheme>
+    <a:extraClrScheme>
+      <a:clrScheme name="slides-template 14">
+        <a:dk1>
+          <a:srgbClr val="000000"/>
+        </a:dk1>
+        <a:lt1>
+          <a:srgbClr val="FFFFFF"/>
+        </a:lt1>
+        <a:dk2>
+          <a:srgbClr val="FF0000"/>
+        </a:dk2>
+        <a:lt2>
+          <a:srgbClr val="808080"/>
+        </a:lt2>
+        <a:accent1>
+          <a:srgbClr val="483FFF"/>
+        </a:accent1>
+        <a:accent2>
+          <a:srgbClr val="FCEA04"/>
+        </a:accent2>
+        <a:accent3>
+          <a:srgbClr val="FFFFFF"/>
+        </a:accent3>
+        <a:accent4>
+          <a:srgbClr val="000000"/>
+        </a:accent4>
+        <a:accent5>
+          <a:srgbClr val="B1AFFF"/>
+        </a:accent5>
+        <a:accent6>
+          <a:srgbClr val="E4D403"/>
+        </a:accent6>
+        <a:hlink>
+          <a:srgbClr val="009999"/>
+        </a:hlink>
+        <a:folHlink>
+          <a:srgbClr val="99CC00"/>
+        </a:folHlink>
+      </a:clrScheme>
+      <a:clrMap bg1="lt1" tx1="dk1" bg2="lt2" tx2="dk2" accent1="accent1" accent2="accent2" accent3="accent3" accent4="accent4" accent5="accent5" accent6="accent6" hlink="hlink" folHlink="folHlink"/>
+    </a:extraClrScheme>
+  </a:extraClrSchemeLst>
   <a:extLst>
     <a:ext uri="{05A4C25C-085E-4340-85A3-A5531E510DB2}">
-      <thm15:themeFamily xmlns:thm15="http://schemas.microsoft.com/office/thememl/2012/main" name="Office Theme" id="{62F939B6-93AF-4DB8-9C6B-D6C7DFDC589F}" vid="{4A3C46E8-61CC-4603-A589-7422A47A8E4A}"/>
+      <thm15:themeFamily xmlns:thm15="http://schemas.microsoft.com/office/thememl/2012/main" name="Presentation4" id="{A57A8743-A8A9-764F-A11E-756F8260ADDF}" vid="{039FA2A0-2943-A842-BC1C-5D9203B6B29A}"/>
     </a:ext>
   </a:extLst>
 </a:theme>
@@ -26896,4 +31275,299 @@
     </a:ext>
   </a:extLst>
 </a:theme>
+</file>
+
+<file path=ppt/theme/theme4.xml><?xml version="1.0" encoding="utf-8"?>
+<a:theme xmlns:a="http://schemas.openxmlformats.org/drawingml/2006/main" name="Tema di Office">
+  <a:themeElements>
+    <a:clrScheme name="">
+      <a:dk1>
+        <a:srgbClr val="000000"/>
+      </a:dk1>
+      <a:lt1>
+        <a:srgbClr val="FFFFFF"/>
+      </a:lt1>
+      <a:dk2>
+        <a:srgbClr val="000000"/>
+      </a:dk2>
+      <a:lt2>
+        <a:srgbClr val="808080"/>
+      </a:lt2>
+      <a:accent1>
+        <a:srgbClr val="BBE0E3"/>
+      </a:accent1>
+      <a:accent2>
+        <a:srgbClr val="333399"/>
+      </a:accent2>
+      <a:accent3>
+        <a:srgbClr val="FFFFFF"/>
+      </a:accent3>
+      <a:accent4>
+        <a:srgbClr val="000000"/>
+      </a:accent4>
+      <a:accent5>
+        <a:srgbClr val="DAEDEF"/>
+      </a:accent5>
+      <a:accent6>
+        <a:srgbClr val="2D2D8A"/>
+      </a:accent6>
+      <a:hlink>
+        <a:srgbClr val="009999"/>
+      </a:hlink>
+      <a:folHlink>
+        <a:srgbClr val="99CC00"/>
+      </a:folHlink>
+    </a:clrScheme>
+    <a:fontScheme name="Office">
+      <a:majorFont>
+        <a:latin typeface="Calibri Light" panose="020F0302020204030204"/>
+        <a:ea typeface=""/>
+        <a:cs typeface=""/>
+        <a:font script="Jpan" typeface="游ゴシック Light"/>
+        <a:font script="Hang" typeface="맑은 고딕"/>
+        <a:font script="Hans" typeface="等线 Light"/>
+        <a:font script="Hant" typeface="新細明體"/>
+        <a:font script="Arab" typeface="Times New Roman"/>
+        <a:font script="Hebr" typeface="Times New Roman"/>
+        <a:font script="Thai" typeface="Angsana New"/>
+        <a:font script="Ethi" typeface="Nyala"/>
+        <a:font script="Beng" typeface="Vrinda"/>
+        <a:font script="Gujr" typeface="Shruti"/>
+        <a:font script="Khmr" typeface="MoolBoran"/>
+        <a:font script="Knda" typeface="Tunga"/>
+        <a:font script="Guru" typeface="Raavi"/>
+        <a:font script="Cans" typeface="Euphemia"/>
+        <a:font script="Cher" typeface="Plantagenet Cherokee"/>
+        <a:font script="Yiii" typeface="Microsoft Yi Baiti"/>
+        <a:font script="Tibt" typeface="Microsoft Himalaya"/>
+        <a:font script="Thaa" typeface="MV Boli"/>
+        <a:font script="Deva" typeface="Mangal"/>
+        <a:font script="Telu" typeface="Gautami"/>
+        <a:font script="Taml" typeface="Latha"/>
+        <a:font script="Syrc" typeface="Estrangelo Edessa"/>
+        <a:font script="Orya" typeface="Kalinga"/>
+        <a:font script="Mlym" typeface="Kartika"/>
+        <a:font script="Laoo" typeface="DokChampa"/>
+        <a:font script="Sinh" typeface="Iskoola Pota"/>
+        <a:font script="Mong" typeface="Mongolian Baiti"/>
+        <a:font script="Viet" typeface="Times New Roman"/>
+        <a:font script="Uigh" typeface="Microsoft Uighur"/>
+        <a:font script="Geor" typeface="Sylfaen"/>
+        <a:font script="Armn" typeface="Arial"/>
+        <a:font script="Bugi" typeface="Leelawadee UI"/>
+        <a:font script="Bopo" typeface="Microsoft JhengHei"/>
+        <a:font script="Java" typeface="Javanese Text"/>
+        <a:font script="Lisu" typeface="Segoe UI"/>
+        <a:font script="Mymr" typeface="Myanmar Text"/>
+        <a:font script="Nkoo" typeface="Ebrima"/>
+        <a:font script="Olck" typeface="Nirmala UI"/>
+        <a:font script="Osma" typeface="Ebrima"/>
+        <a:font script="Phag" typeface="Phagspa"/>
+        <a:font script="Syrn" typeface="Estrangelo Edessa"/>
+        <a:font script="Syrj" typeface="Estrangelo Edessa"/>
+        <a:font script="Syre" typeface="Estrangelo Edessa"/>
+        <a:font script="Sora" typeface="Nirmala UI"/>
+        <a:font script="Tale" typeface="Microsoft Tai Le"/>
+        <a:font script="Talu" typeface="Microsoft New Tai Lue"/>
+        <a:font script="Tfng" typeface="Ebrima"/>
+      </a:majorFont>
+      <a:minorFont>
+        <a:latin typeface="Calibri" panose="020F0502020204030204"/>
+        <a:ea typeface=""/>
+        <a:cs typeface=""/>
+        <a:font script="Jpan" typeface="游ゴシック"/>
+        <a:font script="Hang" typeface="맑은 고딕"/>
+        <a:font script="Hans" typeface="等线"/>
+        <a:font script="Hant" typeface="新細明體"/>
+        <a:font script="Arab" typeface="Arial"/>
+        <a:font script="Hebr" typeface="Arial"/>
+        <a:font script="Thai" typeface="Cordia New"/>
+        <a:font script="Ethi" typeface="Nyala"/>
+        <a:font script="Beng" typeface="Vrinda"/>
+        <a:font script="Gujr" typeface="Shruti"/>
+        <a:font script="Khmr" typeface="DaunPenh"/>
+        <a:font script="Knda" typeface="Tunga"/>
+        <a:font script="Guru" typeface="Raavi"/>
+        <a:font script="Cans" typeface="Euphemia"/>
+        <a:font script="Cher" typeface="Plantagenet Cherokee"/>
+        <a:font script="Yiii" typeface="Microsoft Yi Baiti"/>
+        <a:font script="Tibt" typeface="Microsoft Himalaya"/>
+        <a:font script="Thaa" typeface="MV Boli"/>
+        <a:font script="Deva" typeface="Mangal"/>
+        <a:font script="Telu" typeface="Gautami"/>
+        <a:font script="Taml" typeface="Latha"/>
+        <a:font script="Syrc" typeface="Estrangelo Edessa"/>
+        <a:font script="Orya" typeface="Kalinga"/>
+        <a:font script="Mlym" typeface="Kartika"/>
+        <a:font script="Laoo" typeface="DokChampa"/>
+        <a:font script="Sinh" typeface="Iskoola Pota"/>
+        <a:font script="Mong" typeface="Mongolian Baiti"/>
+        <a:font script="Viet" typeface="Arial"/>
+        <a:font script="Uigh" typeface="Microsoft Uighur"/>
+        <a:font script="Geor" typeface="Sylfaen"/>
+        <a:font script="Armn" typeface="Arial"/>
+        <a:font script="Bugi" typeface="Leelawadee UI"/>
+        <a:font script="Bopo" typeface="Microsoft JhengHei"/>
+        <a:font script="Java" typeface="Javanese Text"/>
+        <a:font script="Lisu" typeface="Segoe UI"/>
+        <a:font script="Mymr" typeface="Myanmar Text"/>
+        <a:font script="Nkoo" typeface="Ebrima"/>
+        <a:font script="Olck" typeface="Nirmala UI"/>
+        <a:font script="Osma" typeface="Ebrima"/>
+        <a:font script="Phag" typeface="Phagspa"/>
+        <a:font script="Syrn" typeface="Estrangelo Edessa"/>
+        <a:font script="Syrj" typeface="Estrangelo Edessa"/>
+        <a:font script="Syre" typeface="Estrangelo Edessa"/>
+        <a:font script="Sora" typeface="Nirmala UI"/>
+        <a:font script="Tale" typeface="Microsoft Tai Le"/>
+        <a:font script="Talu" typeface="Microsoft New Tai Lue"/>
+        <a:font script="Tfng" typeface="Ebrima"/>
+      </a:minorFont>
+    </a:fontScheme>
+    <a:fmtScheme name="Office">
+      <a:fillStyleLst>
+        <a:solidFill>
+          <a:schemeClr val="phClr"/>
+        </a:solidFill>
+        <a:gradFill rotWithShape="1">
+          <a:gsLst>
+            <a:gs pos="0">
+              <a:schemeClr val="phClr">
+                <a:lumMod val="110000"/>
+                <a:satMod val="105000"/>
+                <a:tint val="67000"/>
+              </a:schemeClr>
+            </a:gs>
+            <a:gs pos="50000">
+              <a:schemeClr val="phClr">
+                <a:lumMod val="105000"/>
+                <a:satMod val="103000"/>
+                <a:tint val="73000"/>
+              </a:schemeClr>
+            </a:gs>
+            <a:gs pos="100000">
+              <a:schemeClr val="phClr">
+                <a:lumMod val="105000"/>
+                <a:satMod val="109000"/>
+                <a:tint val="81000"/>
+              </a:schemeClr>
+            </a:gs>
+          </a:gsLst>
+          <a:lin ang="5400000" scaled="0"/>
+        </a:gradFill>
+        <a:gradFill rotWithShape="1">
+          <a:gsLst>
+            <a:gs pos="0">
+              <a:schemeClr val="phClr">
+                <a:satMod val="103000"/>
+                <a:lumMod val="102000"/>
+                <a:tint val="94000"/>
+              </a:schemeClr>
+            </a:gs>
+            <a:gs pos="50000">
+              <a:schemeClr val="phClr">
+                <a:satMod val="110000"/>
+                <a:lumMod val="100000"/>
+                <a:shade val="100000"/>
+              </a:schemeClr>
+            </a:gs>
+            <a:gs pos="100000">
+              <a:schemeClr val="phClr">
+                <a:lumMod val="99000"/>
+                <a:satMod val="120000"/>
+                <a:shade val="78000"/>
+              </a:schemeClr>
+            </a:gs>
+          </a:gsLst>
+          <a:lin ang="5400000" scaled="0"/>
+        </a:gradFill>
+      </a:fillStyleLst>
+      <a:lnStyleLst>
+        <a:ln w="6350" cap="flat" cmpd="sng" algn="ctr">
+          <a:solidFill>
+            <a:schemeClr val="phClr"/>
+          </a:solidFill>
+          <a:prstDash val="solid"/>
+          <a:miter lim="800000"/>
+        </a:ln>
+        <a:ln w="12700" cap="flat" cmpd="sng" algn="ctr">
+          <a:solidFill>
+            <a:schemeClr val="phClr"/>
+          </a:solidFill>
+          <a:prstDash val="solid"/>
+          <a:miter lim="800000"/>
+        </a:ln>
+        <a:ln w="19050" cap="flat" cmpd="sng" algn="ctr">
+          <a:solidFill>
+            <a:schemeClr val="phClr"/>
+          </a:solidFill>
+          <a:prstDash val="solid"/>
+          <a:miter lim="800000"/>
+        </a:ln>
+      </a:lnStyleLst>
+      <a:effectStyleLst>
+        <a:effectStyle>
+          <a:effectLst/>
+        </a:effectStyle>
+        <a:effectStyle>
+          <a:effectLst/>
+        </a:effectStyle>
+        <a:effectStyle>
+          <a:effectLst>
+            <a:outerShdw blurRad="57150" dist="19050" dir="5400000" algn="ctr" rotWithShape="0">
+              <a:srgbClr val="000000">
+                <a:alpha val="63000"/>
+              </a:srgbClr>
+            </a:outerShdw>
+          </a:effectLst>
+        </a:effectStyle>
+      </a:effectStyleLst>
+      <a:bgFillStyleLst>
+        <a:solidFill>
+          <a:schemeClr val="phClr"/>
+        </a:solidFill>
+        <a:solidFill>
+          <a:schemeClr val="phClr">
+            <a:tint val="95000"/>
+            <a:satMod val="170000"/>
+          </a:schemeClr>
+        </a:solidFill>
+        <a:gradFill rotWithShape="1">
+          <a:gsLst>
+            <a:gs pos="0">
+              <a:schemeClr val="phClr">
+                <a:tint val="93000"/>
+                <a:satMod val="150000"/>
+                <a:shade val="98000"/>
+                <a:lumMod val="102000"/>
+              </a:schemeClr>
+            </a:gs>
+            <a:gs pos="50000">
+              <a:schemeClr val="phClr">
+                <a:tint val="98000"/>
+                <a:satMod val="130000"/>
+                <a:shade val="90000"/>
+                <a:lumMod val="103000"/>
+              </a:schemeClr>
+            </a:gs>
+            <a:gs pos="100000">
+              <a:schemeClr val="phClr">
+                <a:shade val="63000"/>
+                <a:satMod val="120000"/>
+              </a:schemeClr>
+            </a:gs>
+          </a:gsLst>
+          <a:lin ang="5400000" scaled="0"/>
+        </a:gradFill>
+      </a:bgFillStyleLst>
+    </a:fmtScheme>
+  </a:themeElements>
+  <a:objectDefaults/>
+  <a:extraClrSchemeLst/>
+  <a:extLst>
+    <a:ext uri="{05A4C25C-085E-4340-85A3-A5531E510DB2}">
+      <thm15:themeFamily xmlns:thm15="http://schemas.microsoft.com/office/thememl/2012/main" name="Office Theme" id="{62F939B6-93AF-4DB8-9C6B-D6C7DFDC589F}" vid="{4A3C46E8-61CC-4603-A589-7422A47A8E4A}"/>
+    </a:ext>
+  </a:extLst>
+</a:theme>
 </file>